--- a/Python爬蟲_虛擬幣貨抓取.pptx
+++ b/Python爬蟲_虛擬幣貨抓取.pptx
@@ -5,7 +5,7 @@
     <p:sldMasterId id="2147483660" r:id="rId1"/>
   </p:sldMasterIdLst>
   <p:notesMasterIdLst>
-    <p:notesMasterId r:id="rId25"/>
+    <p:notesMasterId r:id="rId27"/>
   </p:notesMasterIdLst>
   <p:sldIdLst>
     <p:sldId id="277" r:id="rId2"/>
@@ -25,12 +25,14 @@
     <p:sldId id="267" r:id="rId16"/>
     <p:sldId id="271" r:id="rId17"/>
     <p:sldId id="268" r:id="rId18"/>
-    <p:sldId id="275" r:id="rId19"/>
-    <p:sldId id="269" r:id="rId20"/>
-    <p:sldId id="270" r:id="rId21"/>
-    <p:sldId id="273" r:id="rId22"/>
-    <p:sldId id="274" r:id="rId23"/>
-    <p:sldId id="276" r:id="rId24"/>
+    <p:sldId id="293" r:id="rId19"/>
+    <p:sldId id="275" r:id="rId20"/>
+    <p:sldId id="269" r:id="rId21"/>
+    <p:sldId id="270" r:id="rId22"/>
+    <p:sldId id="273" r:id="rId23"/>
+    <p:sldId id="274" r:id="rId24"/>
+    <p:sldId id="276" r:id="rId25"/>
+    <p:sldId id="292" r:id="rId26"/>
   </p:sldIdLst>
   <p:sldSz cx="9144000" cy="6858000" type="screen4x3"/>
   <p:notesSz cx="6858000" cy="9144000"/>
@@ -151,12 +153,14 @@
             <p14:sldId id="267"/>
             <p14:sldId id="271"/>
             <p14:sldId id="268"/>
+            <p14:sldId id="293"/>
             <p14:sldId id="275"/>
             <p14:sldId id="269"/>
             <p14:sldId id="270"/>
             <p14:sldId id="273"/>
             <p14:sldId id="274"/>
             <p14:sldId id="276"/>
+            <p14:sldId id="292"/>
           </p14:sldIdLst>
         </p14:section>
       </p14:sectionLst>
@@ -5935,6 +5939,155 @@
           </a:p>
         </p:txBody>
       </p:sp>
+      <p:sp>
+        <p:nvSpPr>
+          <p:cNvPr id="6" name="文字方塊 5">
+            <a:extLst>
+              <a:ext uri="{FF2B5EF4-FFF2-40B4-BE49-F238E27FC236}">
+                <a16:creationId xmlns:a16="http://schemas.microsoft.com/office/drawing/2014/main" id="{87BD48AE-37A3-4A33-B2D4-6F8ADAA2DF44}"/>
+              </a:ext>
+            </a:extLst>
+          </p:cNvPr>
+          <p:cNvSpPr txBox="1"/>
+          <p:nvPr/>
+        </p:nvSpPr>
+        <p:spPr>
+          <a:xfrm>
+            <a:off x="1095728" y="5210481"/>
+            <a:ext cx="7133684" cy="707886"/>
+          </a:xfrm>
+          <a:prstGeom prst="rect">
+            <a:avLst/>
+          </a:prstGeom>
+          <a:noFill/>
+        </p:spPr>
+        <p:txBody>
+          <a:bodyPr wrap="none" rtlCol="0">
+            <a:spAutoFit/>
+          </a:bodyPr>
+          <a:lstStyle/>
+          <a:p>
+            <a:r>
+              <a:rPr lang="en-US" altLang="zh-TW" sz="2000" dirty="0">
+                <a:latin typeface="微軟正黑體" panose="020B0604030504040204" pitchFamily="34" charset="-120"/>
+                <a:ea typeface="微軟正黑體" panose="020B0604030504040204" pitchFamily="34" charset="-120"/>
+              </a:rPr>
+              <a:t>※</a:t>
+            </a:r>
+            <a:r>
+              <a:rPr lang="zh-TW" altLang="en-US" sz="2000" dirty="0">
+                <a:latin typeface="微軟正黑體" panose="020B0604030504040204" pitchFamily="34" charset="-120"/>
+                <a:ea typeface="微軟正黑體" panose="020B0604030504040204" pitchFamily="34" charset="-120"/>
+              </a:rPr>
+              <a:t>時間戳是指格林威治時間</a:t>
+            </a:r>
+            <a:r>
+              <a:rPr lang="en-US" altLang="zh-TW" sz="2000" dirty="0">
+                <a:latin typeface="微軟正黑體" panose="020B0604030504040204" pitchFamily="34" charset="-120"/>
+                <a:ea typeface="微軟正黑體" panose="020B0604030504040204" pitchFamily="34" charset="-120"/>
+              </a:rPr>
+              <a:t>1970</a:t>
+            </a:r>
+            <a:r>
+              <a:rPr lang="zh-TW" altLang="en-US" sz="2000" dirty="0">
+                <a:latin typeface="微軟正黑體" panose="020B0604030504040204" pitchFamily="34" charset="-120"/>
+                <a:ea typeface="微軟正黑體" panose="020B0604030504040204" pitchFamily="34" charset="-120"/>
+              </a:rPr>
+              <a:t>年</a:t>
+            </a:r>
+            <a:r>
+              <a:rPr lang="en-US" altLang="zh-TW" sz="2000" dirty="0">
+                <a:latin typeface="微軟正黑體" panose="020B0604030504040204" pitchFamily="34" charset="-120"/>
+                <a:ea typeface="微軟正黑體" panose="020B0604030504040204" pitchFamily="34" charset="-120"/>
+              </a:rPr>
+              <a:t>01</a:t>
+            </a:r>
+            <a:r>
+              <a:rPr lang="zh-TW" altLang="en-US" sz="2000" dirty="0">
+                <a:latin typeface="微軟正黑體" panose="020B0604030504040204" pitchFamily="34" charset="-120"/>
+                <a:ea typeface="微軟正黑體" panose="020B0604030504040204" pitchFamily="34" charset="-120"/>
+              </a:rPr>
+              <a:t>月</a:t>
+            </a:r>
+            <a:r>
+              <a:rPr lang="en-US" altLang="zh-TW" sz="2000" dirty="0">
+                <a:latin typeface="微軟正黑體" panose="020B0604030504040204" pitchFamily="34" charset="-120"/>
+                <a:ea typeface="微軟正黑體" panose="020B0604030504040204" pitchFamily="34" charset="-120"/>
+              </a:rPr>
+              <a:t>01</a:t>
+            </a:r>
+            <a:r>
+              <a:rPr lang="zh-TW" altLang="en-US" sz="2000" dirty="0">
+                <a:latin typeface="微軟正黑體" panose="020B0604030504040204" pitchFamily="34" charset="-120"/>
+                <a:ea typeface="微軟正黑體" panose="020B0604030504040204" pitchFamily="34" charset="-120"/>
+              </a:rPr>
+              <a:t>日</a:t>
+            </a:r>
+            <a:r>
+              <a:rPr lang="en-US" altLang="zh-TW" sz="2000" dirty="0">
+                <a:latin typeface="微軟正黑體" panose="020B0604030504040204" pitchFamily="34" charset="-120"/>
+                <a:ea typeface="微軟正黑體" panose="020B0604030504040204" pitchFamily="34" charset="-120"/>
+              </a:rPr>
+              <a:t> 00</a:t>
+            </a:r>
+            <a:r>
+              <a:rPr lang="zh-TW" altLang="en-US" sz="2000" dirty="0">
+                <a:latin typeface="微軟正黑體" panose="020B0604030504040204" pitchFamily="34" charset="-120"/>
+                <a:ea typeface="微軟正黑體" panose="020B0604030504040204" pitchFamily="34" charset="-120"/>
+              </a:rPr>
+              <a:t>時</a:t>
+            </a:r>
+            <a:r>
+              <a:rPr lang="en-US" altLang="zh-TW" sz="2000" dirty="0">
+                <a:latin typeface="微軟正黑體" panose="020B0604030504040204" pitchFamily="34" charset="-120"/>
+                <a:ea typeface="微軟正黑體" panose="020B0604030504040204" pitchFamily="34" charset="-120"/>
+              </a:rPr>
+              <a:t>00</a:t>
+            </a:r>
+            <a:r>
+              <a:rPr lang="zh-TW" altLang="en-US" sz="2000" dirty="0">
+                <a:latin typeface="微軟正黑體" panose="020B0604030504040204" pitchFamily="34" charset="-120"/>
+                <a:ea typeface="微軟正黑體" panose="020B0604030504040204" pitchFamily="34" charset="-120"/>
+              </a:rPr>
+              <a:t>分</a:t>
+            </a:r>
+            <a:r>
+              <a:rPr lang="en-US" altLang="zh-TW" sz="2000" dirty="0">
+                <a:latin typeface="微軟正黑體" panose="020B0604030504040204" pitchFamily="34" charset="-120"/>
+                <a:ea typeface="微軟正黑體" panose="020B0604030504040204" pitchFamily="34" charset="-120"/>
+              </a:rPr>
+              <a:t>00</a:t>
+            </a:r>
+            <a:r>
+              <a:rPr lang="zh-TW" altLang="en-US" sz="2000" dirty="0">
+                <a:latin typeface="微軟正黑體" panose="020B0604030504040204" pitchFamily="34" charset="-120"/>
+                <a:ea typeface="微軟正黑體" panose="020B0604030504040204" pitchFamily="34" charset="-120"/>
+              </a:rPr>
+              <a:t>秒起</a:t>
+            </a:r>
+            <a:endParaRPr lang="en-US" altLang="zh-TW" sz="2000" dirty="0">
+              <a:latin typeface="微軟正黑體" panose="020B0604030504040204" pitchFamily="34" charset="-120"/>
+              <a:ea typeface="微軟正黑體" panose="020B0604030504040204" pitchFamily="34" charset="-120"/>
+            </a:endParaRPr>
+          </a:p>
+          <a:p>
+            <a:r>
+              <a:rPr lang="en-US" altLang="zh-TW" sz="2000" dirty="0">
+                <a:latin typeface="微軟正黑體" panose="020B0604030504040204" pitchFamily="34" charset="-120"/>
+                <a:ea typeface="微軟正黑體" panose="020B0604030504040204" pitchFamily="34" charset="-120"/>
+              </a:rPr>
+              <a:t>   </a:t>
+            </a:r>
+            <a:r>
+              <a:rPr lang="zh-TW" altLang="en-US" sz="2000" dirty="0">
+                <a:latin typeface="微軟正黑體" panose="020B0604030504040204" pitchFamily="34" charset="-120"/>
+                <a:ea typeface="微軟正黑體" panose="020B0604030504040204" pitchFamily="34" charset="-120"/>
+              </a:rPr>
+              <a:t>至現在的總秒數</a:t>
+            </a:r>
+          </a:p>
+        </p:txBody>
+      </p:sp>
     </p:spTree>
     <p:extLst>
       <p:ext uri="{BB962C8B-B14F-4D97-AF65-F5344CB8AC3E}">
@@ -5970,7 +6123,7 @@
           <p:cNvPr id="2" name="日期版面配置區 1">
             <a:extLst>
               <a:ext uri="{FF2B5EF4-FFF2-40B4-BE49-F238E27FC236}">
-                <a16:creationId xmlns:a16="http://schemas.microsoft.com/office/drawing/2014/main" id="{01D114AD-EEEE-4BDB-B543-C6489AA5BF9A}"/>
+                <a16:creationId xmlns:a16="http://schemas.microsoft.com/office/drawing/2014/main" id="{68E87760-049E-4689-9647-93989232F688}"/>
               </a:ext>
             </a:extLst>
           </p:cNvPr>
@@ -6000,7 +6153,7 @@
           <p:cNvPr id="3" name="投影片編號版面配置區 2">
             <a:extLst>
               <a:ext uri="{FF2B5EF4-FFF2-40B4-BE49-F238E27FC236}">
-                <a16:creationId xmlns:a16="http://schemas.microsoft.com/office/drawing/2014/main" id="{3EC4EDB2-A60D-4FD0-910B-D01783F71324}"/>
+                <a16:creationId xmlns:a16="http://schemas.microsoft.com/office/drawing/2014/main" id="{003A0413-57DE-4CC4-84A8-A08893456468}"/>
               </a:ext>
             </a:extLst>
           </p:cNvPr>
@@ -6030,7 +6183,7 @@
           <p:cNvPr id="4" name="文字方塊 3">
             <a:extLst>
               <a:ext uri="{FF2B5EF4-FFF2-40B4-BE49-F238E27FC236}">
-                <a16:creationId xmlns:a16="http://schemas.microsoft.com/office/drawing/2014/main" id="{994364B0-BBDF-440D-9A7A-1431E4B1993A}"/>
+                <a16:creationId xmlns:a16="http://schemas.microsoft.com/office/drawing/2014/main" id="{7A9EB908-1786-44DF-BF07-53A9339FD511}"/>
               </a:ext>
             </a:extLst>
           </p:cNvPr>
@@ -6039,8 +6192,8 @@
         </p:nvSpPr>
         <p:spPr>
           <a:xfrm>
-            <a:off x="596347" y="450574"/>
-            <a:ext cx="3877985" cy="646331"/>
+            <a:off x="768627" y="424070"/>
+            <a:ext cx="4801314" cy="646331"/>
           </a:xfrm>
           <a:prstGeom prst="rect">
             <a:avLst/>
@@ -6058,17 +6211,481 @@
                 <a:latin typeface="微軟正黑體" panose="020B0604030504040204" pitchFamily="34" charset="-120"/>
                 <a:ea typeface="微軟正黑體" panose="020B0604030504040204" pitchFamily="34" charset="-120"/>
               </a:rPr>
-              <a:t>難度係數調整公式</a:t>
-            </a:r>
-          </a:p>
-        </p:txBody>
-      </p:sp>
-      <p:sp>
-        <p:nvSpPr>
-          <p:cNvPr id="5" name="文字方塊 4">
-            <a:extLst>
-              <a:ext uri="{FF2B5EF4-FFF2-40B4-BE49-F238E27FC236}">
-                <a16:creationId xmlns:a16="http://schemas.microsoft.com/office/drawing/2014/main" id="{E8DA9F76-D69C-4ED7-B10B-BCF4699A73D4}"/>
+              <a:t>比特幣非對稱加密機制</a:t>
+            </a:r>
+          </a:p>
+        </p:txBody>
+      </p:sp>
+      <p:sp>
+        <p:nvSpPr>
+          <p:cNvPr id="6" name="矩形 5">
+            <a:extLst>
+              <a:ext uri="{FF2B5EF4-FFF2-40B4-BE49-F238E27FC236}">
+                <a16:creationId xmlns:a16="http://schemas.microsoft.com/office/drawing/2014/main" id="{A48E89C9-2C3E-428E-AE75-7CAD903544AD}"/>
+              </a:ext>
+            </a:extLst>
+          </p:cNvPr>
+          <p:cNvSpPr/>
+          <p:nvPr/>
+        </p:nvSpPr>
+        <p:spPr>
+          <a:xfrm>
+            <a:off x="808384" y="1417985"/>
+            <a:ext cx="1590261" cy="848139"/>
+          </a:xfrm>
+          <a:prstGeom prst="rect">
+            <a:avLst/>
+          </a:prstGeom>
+        </p:spPr>
+        <p:style>
+          <a:lnRef idx="2">
+            <a:schemeClr val="accent1">
+              <a:shade val="50000"/>
+            </a:schemeClr>
+          </a:lnRef>
+          <a:fillRef idx="1">
+            <a:schemeClr val="accent1"/>
+          </a:fillRef>
+          <a:effectRef idx="0">
+            <a:schemeClr val="accent1"/>
+          </a:effectRef>
+          <a:fontRef idx="minor">
+            <a:schemeClr val="lt1"/>
+          </a:fontRef>
+        </p:style>
+        <p:txBody>
+          <a:bodyPr rtlCol="0" anchor="ctr"/>
+          <a:lstStyle/>
+          <a:p>
+            <a:pPr algn="ctr"/>
+            <a:r>
+              <a:rPr lang="zh-TW" altLang="en-US" sz="2000" dirty="0">
+                <a:latin typeface="微軟正黑體" panose="020B0604030504040204" pitchFamily="34" charset="-120"/>
+                <a:ea typeface="微軟正黑體" panose="020B0604030504040204" pitchFamily="34" charset="-120"/>
+              </a:rPr>
+              <a:t>私鑰</a:t>
+            </a:r>
+            <a:endParaRPr lang="en-US" altLang="zh-TW" sz="2000" dirty="0">
+              <a:latin typeface="微軟正黑體" panose="020B0604030504040204" pitchFamily="34" charset="-120"/>
+              <a:ea typeface="微軟正黑體" panose="020B0604030504040204" pitchFamily="34" charset="-120"/>
+            </a:endParaRPr>
+          </a:p>
+          <a:p>
+            <a:pPr algn="ctr"/>
+            <a:r>
+              <a:rPr lang="en-US" altLang="zh-TW" sz="2000" dirty="0">
+                <a:latin typeface="微軟正黑體" panose="020B0604030504040204" pitchFamily="34" charset="-120"/>
+                <a:ea typeface="微軟正黑體" panose="020B0604030504040204" pitchFamily="34" charset="-120"/>
+              </a:rPr>
+              <a:t>(256</a:t>
+            </a:r>
+            <a:r>
+              <a:rPr lang="zh-TW" altLang="en-US" sz="2000" dirty="0">
+                <a:latin typeface="微軟正黑體" panose="020B0604030504040204" pitchFamily="34" charset="-120"/>
+                <a:ea typeface="微軟正黑體" panose="020B0604030504040204" pitchFamily="34" charset="-120"/>
+              </a:rPr>
+              <a:t>位</a:t>
+            </a:r>
+            <a:r>
+              <a:rPr lang="en-US" altLang="zh-TW" sz="2000" dirty="0">
+                <a:latin typeface="微軟正黑體" panose="020B0604030504040204" pitchFamily="34" charset="-120"/>
+                <a:ea typeface="微軟正黑體" panose="020B0604030504040204" pitchFamily="34" charset="-120"/>
+              </a:rPr>
+              <a:t>)</a:t>
+            </a:r>
+            <a:endParaRPr lang="zh-TW" altLang="en-US" sz="2000" dirty="0">
+              <a:latin typeface="微軟正黑體" panose="020B0604030504040204" pitchFamily="34" charset="-120"/>
+              <a:ea typeface="微軟正黑體" panose="020B0604030504040204" pitchFamily="34" charset="-120"/>
+            </a:endParaRPr>
+          </a:p>
+        </p:txBody>
+      </p:sp>
+      <p:sp>
+        <p:nvSpPr>
+          <p:cNvPr id="7" name="矩形 6">
+            <a:extLst>
+              <a:ext uri="{FF2B5EF4-FFF2-40B4-BE49-F238E27FC236}">
+                <a16:creationId xmlns:a16="http://schemas.microsoft.com/office/drawing/2014/main" id="{5EA5A0D8-0A02-4F3F-9485-92C441C3BC2C}"/>
+              </a:ext>
+            </a:extLst>
+          </p:cNvPr>
+          <p:cNvSpPr/>
+          <p:nvPr/>
+        </p:nvSpPr>
+        <p:spPr>
+          <a:xfrm>
+            <a:off x="2841350" y="1417985"/>
+            <a:ext cx="1590261" cy="848139"/>
+          </a:xfrm>
+          <a:prstGeom prst="rect">
+            <a:avLst/>
+          </a:prstGeom>
+        </p:spPr>
+        <p:style>
+          <a:lnRef idx="2">
+            <a:schemeClr val="accent1">
+              <a:shade val="50000"/>
+            </a:schemeClr>
+          </a:lnRef>
+          <a:fillRef idx="1">
+            <a:schemeClr val="accent1"/>
+          </a:fillRef>
+          <a:effectRef idx="0">
+            <a:schemeClr val="accent1"/>
+          </a:effectRef>
+          <a:fontRef idx="minor">
+            <a:schemeClr val="lt1"/>
+          </a:fontRef>
+        </p:style>
+        <p:txBody>
+          <a:bodyPr rtlCol="0" anchor="ctr"/>
+          <a:lstStyle/>
+          <a:p>
+            <a:pPr algn="ctr"/>
+            <a:r>
+              <a:rPr lang="zh-TW" altLang="en-US" sz="2000" dirty="0">
+                <a:latin typeface="微軟正黑體" panose="020B0604030504040204" pitchFamily="34" charset="-120"/>
+                <a:ea typeface="微軟正黑體" panose="020B0604030504040204" pitchFamily="34" charset="-120"/>
+              </a:rPr>
+              <a:t>公鑰</a:t>
+            </a:r>
+            <a:endParaRPr lang="en-US" altLang="zh-TW" sz="2000" dirty="0">
+              <a:latin typeface="微軟正黑體" panose="020B0604030504040204" pitchFamily="34" charset="-120"/>
+              <a:ea typeface="微軟正黑體" panose="020B0604030504040204" pitchFamily="34" charset="-120"/>
+            </a:endParaRPr>
+          </a:p>
+          <a:p>
+            <a:pPr algn="ctr"/>
+            <a:r>
+              <a:rPr lang="en-US" altLang="zh-TW" sz="2000" dirty="0">
+                <a:latin typeface="微軟正黑體" panose="020B0604030504040204" pitchFamily="34" charset="-120"/>
+                <a:ea typeface="微軟正黑體" panose="020B0604030504040204" pitchFamily="34" charset="-120"/>
+              </a:rPr>
+              <a:t>(65</a:t>
+            </a:r>
+            <a:r>
+              <a:rPr lang="zh-TW" altLang="en-US" sz="2000" dirty="0">
+                <a:latin typeface="微軟正黑體" panose="020B0604030504040204" pitchFamily="34" charset="-120"/>
+                <a:ea typeface="微軟正黑體" panose="020B0604030504040204" pitchFamily="34" charset="-120"/>
+              </a:rPr>
+              <a:t>位</a:t>
+            </a:r>
+            <a:r>
+              <a:rPr lang="en-US" altLang="zh-TW" sz="2000" dirty="0">
+                <a:latin typeface="微軟正黑體" panose="020B0604030504040204" pitchFamily="34" charset="-120"/>
+                <a:ea typeface="微軟正黑體" panose="020B0604030504040204" pitchFamily="34" charset="-120"/>
+              </a:rPr>
+              <a:t>)</a:t>
+            </a:r>
+            <a:endParaRPr lang="zh-TW" altLang="en-US" sz="2000" dirty="0">
+              <a:latin typeface="微軟正黑體" panose="020B0604030504040204" pitchFamily="34" charset="-120"/>
+              <a:ea typeface="微軟正黑體" panose="020B0604030504040204" pitchFamily="34" charset="-120"/>
+            </a:endParaRPr>
+          </a:p>
+        </p:txBody>
+      </p:sp>
+      <p:cxnSp>
+        <p:nvCxnSpPr>
+          <p:cNvPr id="9" name="直線單箭頭接點 8">
+            <a:extLst>
+              <a:ext uri="{FF2B5EF4-FFF2-40B4-BE49-F238E27FC236}">
+                <a16:creationId xmlns:a16="http://schemas.microsoft.com/office/drawing/2014/main" id="{ABB38E46-0297-4FCC-B67A-BA929E6032B8}"/>
+              </a:ext>
+            </a:extLst>
+          </p:cNvPr>
+          <p:cNvCxnSpPr>
+            <a:stCxn id="6" idx="3"/>
+            <a:endCxn id="7" idx="1"/>
+          </p:cNvCxnSpPr>
+          <p:nvPr/>
+        </p:nvCxnSpPr>
+        <p:spPr>
+          <a:xfrm>
+            <a:off x="2398645" y="1842055"/>
+            <a:ext cx="442705" cy="0"/>
+          </a:xfrm>
+          <a:prstGeom prst="straightConnector1">
+            <a:avLst/>
+          </a:prstGeom>
+          <a:ln w="76200">
+            <a:tailEnd type="triangle"/>
+          </a:ln>
+        </p:spPr>
+        <p:style>
+          <a:lnRef idx="1">
+            <a:schemeClr val="accent1"/>
+          </a:lnRef>
+          <a:fillRef idx="0">
+            <a:schemeClr val="accent1"/>
+          </a:fillRef>
+          <a:effectRef idx="0">
+            <a:schemeClr val="accent1"/>
+          </a:effectRef>
+          <a:fontRef idx="minor">
+            <a:schemeClr val="tx1"/>
+          </a:fontRef>
+        </p:style>
+      </p:cxnSp>
+      <p:sp>
+        <p:nvSpPr>
+          <p:cNvPr id="10" name="矩形 9">
+            <a:extLst>
+              <a:ext uri="{FF2B5EF4-FFF2-40B4-BE49-F238E27FC236}">
+                <a16:creationId xmlns:a16="http://schemas.microsoft.com/office/drawing/2014/main" id="{77E7FF38-BEEF-4EAE-AB1C-F02F18AF5A6D}"/>
+              </a:ext>
+            </a:extLst>
+          </p:cNvPr>
+          <p:cNvSpPr/>
+          <p:nvPr/>
+        </p:nvSpPr>
+        <p:spPr>
+          <a:xfrm>
+            <a:off x="4874316" y="1417985"/>
+            <a:ext cx="1590261" cy="848139"/>
+          </a:xfrm>
+          <a:prstGeom prst="rect">
+            <a:avLst/>
+          </a:prstGeom>
+        </p:spPr>
+        <p:style>
+          <a:lnRef idx="2">
+            <a:schemeClr val="accent1">
+              <a:shade val="50000"/>
+            </a:schemeClr>
+          </a:lnRef>
+          <a:fillRef idx="1">
+            <a:schemeClr val="accent1"/>
+          </a:fillRef>
+          <a:effectRef idx="0">
+            <a:schemeClr val="accent1"/>
+          </a:effectRef>
+          <a:fontRef idx="minor">
+            <a:schemeClr val="lt1"/>
+          </a:fontRef>
+        </p:style>
+        <p:txBody>
+          <a:bodyPr rtlCol="0" anchor="ctr"/>
+          <a:lstStyle/>
+          <a:p>
+            <a:pPr algn="ctr"/>
+            <a:r>
+              <a:rPr lang="zh-TW" altLang="en-US" sz="2000" dirty="0">
+                <a:latin typeface="微軟正黑體" panose="020B0604030504040204" pitchFamily="34" charset="-120"/>
+                <a:ea typeface="微軟正黑體" panose="020B0604030504040204" pitchFamily="34" charset="-120"/>
+              </a:rPr>
+              <a:t>公鑰</a:t>
+            </a:r>
+            <a:endParaRPr lang="en-US" altLang="zh-TW" sz="2000" dirty="0">
+              <a:latin typeface="微軟正黑體" panose="020B0604030504040204" pitchFamily="34" charset="-120"/>
+              <a:ea typeface="微軟正黑體" panose="020B0604030504040204" pitchFamily="34" charset="-120"/>
+            </a:endParaRPr>
+          </a:p>
+          <a:p>
+            <a:pPr algn="ctr"/>
+            <a:r>
+              <a:rPr lang="en-US" altLang="zh-TW" sz="2000" dirty="0">
+                <a:latin typeface="微軟正黑體" panose="020B0604030504040204" pitchFamily="34" charset="-120"/>
+                <a:ea typeface="微軟正黑體" panose="020B0604030504040204" pitchFamily="34" charset="-120"/>
+              </a:rPr>
+              <a:t>(20</a:t>
+            </a:r>
+            <a:r>
+              <a:rPr lang="zh-TW" altLang="en-US" sz="2000" dirty="0">
+                <a:latin typeface="微軟正黑體" panose="020B0604030504040204" pitchFamily="34" charset="-120"/>
+                <a:ea typeface="微軟正黑體" panose="020B0604030504040204" pitchFamily="34" charset="-120"/>
+              </a:rPr>
+              <a:t>位</a:t>
+            </a:r>
+            <a:r>
+              <a:rPr lang="en-US" altLang="zh-TW" sz="2000" dirty="0">
+                <a:latin typeface="微軟正黑體" panose="020B0604030504040204" pitchFamily="34" charset="-120"/>
+                <a:ea typeface="微軟正黑體" panose="020B0604030504040204" pitchFamily="34" charset="-120"/>
+              </a:rPr>
+              <a:t>)</a:t>
+            </a:r>
+            <a:endParaRPr lang="zh-TW" altLang="en-US" sz="2000" dirty="0">
+              <a:latin typeface="微軟正黑體" panose="020B0604030504040204" pitchFamily="34" charset="-120"/>
+              <a:ea typeface="微軟正黑體" panose="020B0604030504040204" pitchFamily="34" charset="-120"/>
+            </a:endParaRPr>
+          </a:p>
+        </p:txBody>
+      </p:sp>
+      <p:cxnSp>
+        <p:nvCxnSpPr>
+          <p:cNvPr id="11" name="直線單箭頭接點 10">
+            <a:extLst>
+              <a:ext uri="{FF2B5EF4-FFF2-40B4-BE49-F238E27FC236}">
+                <a16:creationId xmlns:a16="http://schemas.microsoft.com/office/drawing/2014/main" id="{7F17DEC6-4A24-4126-9A39-3869C1BDC226}"/>
+              </a:ext>
+            </a:extLst>
+          </p:cNvPr>
+          <p:cNvCxnSpPr>
+            <a:cxnSpLocks/>
+            <a:stCxn id="7" idx="3"/>
+            <a:endCxn id="10" idx="1"/>
+          </p:cNvCxnSpPr>
+          <p:nvPr/>
+        </p:nvCxnSpPr>
+        <p:spPr>
+          <a:xfrm>
+            <a:off x="4431611" y="1842055"/>
+            <a:ext cx="442705" cy="0"/>
+          </a:xfrm>
+          <a:prstGeom prst="straightConnector1">
+            <a:avLst/>
+          </a:prstGeom>
+          <a:ln w="76200">
+            <a:tailEnd type="triangle"/>
+          </a:ln>
+        </p:spPr>
+        <p:style>
+          <a:lnRef idx="1">
+            <a:schemeClr val="accent1"/>
+          </a:lnRef>
+          <a:fillRef idx="0">
+            <a:schemeClr val="accent1"/>
+          </a:fillRef>
+          <a:effectRef idx="0">
+            <a:schemeClr val="accent1"/>
+          </a:effectRef>
+          <a:fontRef idx="minor">
+            <a:schemeClr val="tx1"/>
+          </a:fontRef>
+        </p:style>
+      </p:cxnSp>
+      <p:sp>
+        <p:nvSpPr>
+          <p:cNvPr id="14" name="矩形 13">
+            <a:extLst>
+              <a:ext uri="{FF2B5EF4-FFF2-40B4-BE49-F238E27FC236}">
+                <a16:creationId xmlns:a16="http://schemas.microsoft.com/office/drawing/2014/main" id="{E556299D-5479-42ED-866B-C3F5D1AA5570}"/>
+              </a:ext>
+            </a:extLst>
+          </p:cNvPr>
+          <p:cNvSpPr/>
+          <p:nvPr/>
+        </p:nvSpPr>
+        <p:spPr>
+          <a:xfrm>
+            <a:off x="6933786" y="1417984"/>
+            <a:ext cx="1590261" cy="848139"/>
+          </a:xfrm>
+          <a:prstGeom prst="rect">
+            <a:avLst/>
+          </a:prstGeom>
+        </p:spPr>
+        <p:style>
+          <a:lnRef idx="2">
+            <a:schemeClr val="accent1">
+              <a:shade val="50000"/>
+            </a:schemeClr>
+          </a:lnRef>
+          <a:fillRef idx="1">
+            <a:schemeClr val="accent1"/>
+          </a:fillRef>
+          <a:effectRef idx="0">
+            <a:schemeClr val="accent1"/>
+          </a:effectRef>
+          <a:fontRef idx="minor">
+            <a:schemeClr val="lt1"/>
+          </a:fontRef>
+        </p:style>
+        <p:txBody>
+          <a:bodyPr rtlCol="0" anchor="ctr"/>
+          <a:lstStyle/>
+          <a:p>
+            <a:pPr algn="ctr"/>
+            <a:r>
+              <a:rPr lang="zh-TW" altLang="en-US" sz="2000" dirty="0">
+                <a:latin typeface="微軟正黑體" panose="020B0604030504040204" pitchFamily="34" charset="-120"/>
+                <a:ea typeface="微軟正黑體" panose="020B0604030504040204" pitchFamily="34" charset="-120"/>
+              </a:rPr>
+              <a:t>地址</a:t>
+            </a:r>
+            <a:endParaRPr lang="en-US" altLang="zh-TW" sz="2000" dirty="0">
+              <a:latin typeface="微軟正黑體" panose="020B0604030504040204" pitchFamily="34" charset="-120"/>
+              <a:ea typeface="微軟正黑體" panose="020B0604030504040204" pitchFamily="34" charset="-120"/>
+            </a:endParaRPr>
+          </a:p>
+          <a:p>
+            <a:pPr algn="ctr"/>
+            <a:r>
+              <a:rPr lang="en-US" altLang="zh-TW" sz="2000" dirty="0">
+                <a:latin typeface="微軟正黑體" panose="020B0604030504040204" pitchFamily="34" charset="-120"/>
+                <a:ea typeface="微軟正黑體" panose="020B0604030504040204" pitchFamily="34" charset="-120"/>
+              </a:rPr>
+              <a:t>(58</a:t>
+            </a:r>
+            <a:r>
+              <a:rPr lang="zh-TW" altLang="en-US" sz="2000" dirty="0">
+                <a:latin typeface="微軟正黑體" panose="020B0604030504040204" pitchFamily="34" charset="-120"/>
+                <a:ea typeface="微軟正黑體" panose="020B0604030504040204" pitchFamily="34" charset="-120"/>
+              </a:rPr>
+              <a:t>位</a:t>
+            </a:r>
+            <a:r>
+              <a:rPr lang="en-US" altLang="zh-TW" sz="2000" dirty="0">
+                <a:latin typeface="微軟正黑體" panose="020B0604030504040204" pitchFamily="34" charset="-120"/>
+                <a:ea typeface="微軟正黑體" panose="020B0604030504040204" pitchFamily="34" charset="-120"/>
+              </a:rPr>
+              <a:t>)</a:t>
+            </a:r>
+            <a:endParaRPr lang="zh-TW" altLang="en-US" sz="2000" dirty="0">
+              <a:latin typeface="微軟正黑體" panose="020B0604030504040204" pitchFamily="34" charset="-120"/>
+              <a:ea typeface="微軟正黑體" panose="020B0604030504040204" pitchFamily="34" charset="-120"/>
+            </a:endParaRPr>
+          </a:p>
+        </p:txBody>
+      </p:sp>
+      <p:cxnSp>
+        <p:nvCxnSpPr>
+          <p:cNvPr id="15" name="直線單箭頭接點 14">
+            <a:extLst>
+              <a:ext uri="{FF2B5EF4-FFF2-40B4-BE49-F238E27FC236}">
+                <a16:creationId xmlns:a16="http://schemas.microsoft.com/office/drawing/2014/main" id="{DD10D03C-B8A9-4270-9607-F9D308925922}"/>
+              </a:ext>
+            </a:extLst>
+          </p:cNvPr>
+          <p:cNvCxnSpPr>
+            <a:cxnSpLocks/>
+            <a:stCxn id="10" idx="3"/>
+            <a:endCxn id="14" idx="1"/>
+          </p:cNvCxnSpPr>
+          <p:nvPr/>
+        </p:nvCxnSpPr>
+        <p:spPr>
+          <a:xfrm flipV="1">
+            <a:off x="6464577" y="1842054"/>
+            <a:ext cx="469209" cy="1"/>
+          </a:xfrm>
+          <a:prstGeom prst="straightConnector1">
+            <a:avLst/>
+          </a:prstGeom>
+          <a:ln w="76200">
+            <a:tailEnd type="triangle"/>
+          </a:ln>
+        </p:spPr>
+        <p:style>
+          <a:lnRef idx="1">
+            <a:schemeClr val="accent1"/>
+          </a:lnRef>
+          <a:fillRef idx="0">
+            <a:schemeClr val="accent1"/>
+          </a:fillRef>
+          <a:effectRef idx="0">
+            <a:schemeClr val="accent1"/>
+          </a:effectRef>
+          <a:fontRef idx="minor">
+            <a:schemeClr val="tx1"/>
+          </a:fontRef>
+        </p:style>
+      </p:cxnSp>
+      <p:sp>
+        <p:nvSpPr>
+          <p:cNvPr id="19" name="文字方塊 18">
+            <a:extLst>
+              <a:ext uri="{FF2B5EF4-FFF2-40B4-BE49-F238E27FC236}">
+                <a16:creationId xmlns:a16="http://schemas.microsoft.com/office/drawing/2014/main" id="{E3CC78A2-8008-4DE8-8E22-F941743602E2}"/>
               </a:ext>
             </a:extLst>
           </p:cNvPr>
@@ -6077,8 +6694,8 @@
         </p:nvSpPr>
         <p:spPr>
           <a:xfrm>
-            <a:off x="790825" y="1325217"/>
-            <a:ext cx="6795450" cy="1754326"/>
+            <a:off x="1821915" y="2573955"/>
+            <a:ext cx="1569660" cy="646331"/>
           </a:xfrm>
           <a:prstGeom prst="rect">
             <a:avLst/>
@@ -6091,73 +6708,303 @@
           </a:bodyPr>
           <a:lstStyle/>
           <a:p>
-            <a:r>
-              <a:rPr lang="zh-TW" altLang="en-US" sz="3600" dirty="0">
-                <a:latin typeface="微軟正黑體" panose="020B0604030504040204" pitchFamily="34" charset="-120"/>
-                <a:ea typeface="微軟正黑體" panose="020B0604030504040204" pitchFamily="34" charset="-120"/>
-              </a:rPr>
-              <a:t>每</a:t>
-            </a:r>
-            <a:r>
-              <a:rPr lang="en-US" altLang="zh-TW" sz="3600" dirty="0">
-                <a:latin typeface="微軟正黑體" panose="020B0604030504040204" pitchFamily="34" charset="-120"/>
-                <a:ea typeface="微軟正黑體" panose="020B0604030504040204" pitchFamily="34" charset="-120"/>
-              </a:rPr>
-              <a:t>10</a:t>
-            </a:r>
-            <a:r>
-              <a:rPr lang="zh-TW" altLang="en-US" sz="3600" dirty="0">
-                <a:latin typeface="微軟正黑體" panose="020B0604030504040204" pitchFamily="34" charset="-120"/>
-                <a:ea typeface="微軟正黑體" panose="020B0604030504040204" pitchFamily="34" charset="-120"/>
-              </a:rPr>
-              <a:t>分鐘出塊一次，</a:t>
-            </a:r>
-            <a:endParaRPr lang="en-US" altLang="zh-TW" sz="3600" dirty="0">
+            <a:pPr algn="ctr"/>
+            <a:r>
+              <a:rPr lang="en-US" altLang="zh-TW" dirty="0">
+                <a:latin typeface="微軟正黑體" panose="020B0604030504040204" pitchFamily="34" charset="-120"/>
+                <a:ea typeface="微軟正黑體" panose="020B0604030504040204" pitchFamily="34" charset="-120"/>
+              </a:rPr>
+              <a:t>Secp256K1</a:t>
+            </a:r>
+          </a:p>
+          <a:p>
+            <a:pPr algn="ctr"/>
+            <a:r>
+              <a:rPr lang="zh-TW" altLang="en-US" dirty="0">
+                <a:latin typeface="微軟正黑體" panose="020B0604030504040204" pitchFamily="34" charset="-120"/>
+                <a:ea typeface="微軟正黑體" panose="020B0604030504040204" pitchFamily="34" charset="-120"/>
+              </a:rPr>
+              <a:t>橢圓曲線算法</a:t>
+            </a:r>
+          </a:p>
+        </p:txBody>
+      </p:sp>
+      <p:cxnSp>
+        <p:nvCxnSpPr>
+          <p:cNvPr id="21" name="直線單箭頭接點 20">
+            <a:extLst>
+              <a:ext uri="{FF2B5EF4-FFF2-40B4-BE49-F238E27FC236}">
+                <a16:creationId xmlns:a16="http://schemas.microsoft.com/office/drawing/2014/main" id="{E6D07531-A565-414F-A16B-23CB5505EE3A}"/>
+              </a:ext>
+            </a:extLst>
+          </p:cNvPr>
+          <p:cNvCxnSpPr>
+            <a:cxnSpLocks/>
+            <a:stCxn id="19" idx="0"/>
+          </p:cNvCxnSpPr>
+          <p:nvPr/>
+        </p:nvCxnSpPr>
+        <p:spPr>
+          <a:xfrm flipV="1">
+            <a:off x="2606745" y="1987827"/>
+            <a:ext cx="0" cy="586128"/>
+          </a:xfrm>
+          <a:prstGeom prst="straightConnector1">
+            <a:avLst/>
+          </a:prstGeom>
+          <a:ln w="28575">
+            <a:solidFill>
+              <a:srgbClr val="FF0000"/>
+            </a:solidFill>
+            <a:headEnd type="none" w="med" len="med"/>
+            <a:tailEnd type="triangle" w="med" len="med"/>
+          </a:ln>
+        </p:spPr>
+        <p:style>
+          <a:lnRef idx="1">
+            <a:schemeClr val="accent1"/>
+          </a:lnRef>
+          <a:fillRef idx="0">
+            <a:schemeClr val="accent1"/>
+          </a:fillRef>
+          <a:effectRef idx="0">
+            <a:schemeClr val="accent1"/>
+          </a:effectRef>
+          <a:fontRef idx="minor">
+            <a:schemeClr val="tx1"/>
+          </a:fontRef>
+        </p:style>
+      </p:cxnSp>
+      <p:sp>
+        <p:nvSpPr>
+          <p:cNvPr id="23" name="文字方塊 22">
+            <a:extLst>
+              <a:ext uri="{FF2B5EF4-FFF2-40B4-BE49-F238E27FC236}">
+                <a16:creationId xmlns:a16="http://schemas.microsoft.com/office/drawing/2014/main" id="{C6F967D5-2665-47FB-8C35-BC2FE16EF838}"/>
+              </a:ext>
+            </a:extLst>
+          </p:cNvPr>
+          <p:cNvSpPr txBox="1"/>
+          <p:nvPr/>
+        </p:nvSpPr>
+        <p:spPr>
+          <a:xfrm>
+            <a:off x="3923439" y="2573955"/>
+            <a:ext cx="1459053" cy="646331"/>
+          </a:xfrm>
+          <a:prstGeom prst="rect">
+            <a:avLst/>
+          </a:prstGeom>
+          <a:noFill/>
+        </p:spPr>
+        <p:txBody>
+          <a:bodyPr wrap="none" rtlCol="0">
+            <a:spAutoFit/>
+          </a:bodyPr>
+          <a:lstStyle/>
+          <a:p>
+            <a:pPr algn="ctr"/>
+            <a:r>
+              <a:rPr lang="en-US" altLang="zh-TW" dirty="0">
+                <a:latin typeface="微軟正黑體" panose="020B0604030504040204" pitchFamily="34" charset="-120"/>
+                <a:ea typeface="微軟正黑體" panose="020B0604030504040204" pitchFamily="34" charset="-120"/>
+              </a:rPr>
+              <a:t>SHA256</a:t>
+            </a:r>
+          </a:p>
+          <a:p>
+            <a:pPr algn="ctr"/>
+            <a:r>
+              <a:rPr lang="en-US" altLang="zh-TW" dirty="0">
+                <a:latin typeface="微軟正黑體" panose="020B0604030504040204" pitchFamily="34" charset="-120"/>
+                <a:ea typeface="微軟正黑體" panose="020B0604030504040204" pitchFamily="34" charset="-120"/>
+              </a:rPr>
+              <a:t>RIPEMD160</a:t>
+            </a:r>
+            <a:endParaRPr lang="zh-TW" altLang="en-US" dirty="0">
               <a:latin typeface="微軟正黑體" panose="020B0604030504040204" pitchFamily="34" charset="-120"/>
               <a:ea typeface="微軟正黑體" panose="020B0604030504040204" pitchFamily="34" charset="-120"/>
             </a:endParaRPr>
           </a:p>
-          <a:p>
-            <a:r>
-              <a:rPr lang="zh-TW" altLang="en-US" sz="3600" dirty="0">
-                <a:latin typeface="微軟正黑體" panose="020B0604030504040204" pitchFamily="34" charset="-120"/>
-                <a:ea typeface="微軟正黑體" panose="020B0604030504040204" pitchFamily="34" charset="-120"/>
-              </a:rPr>
-              <a:t>每</a:t>
-            </a:r>
-            <a:r>
-              <a:rPr lang="en-US" altLang="zh-TW" sz="3600" dirty="0">
-                <a:latin typeface="微軟正黑體" panose="020B0604030504040204" pitchFamily="34" charset="-120"/>
-                <a:ea typeface="微軟正黑體" panose="020B0604030504040204" pitchFamily="34" charset="-120"/>
-              </a:rPr>
-              <a:t>2016</a:t>
-            </a:r>
-            <a:r>
-              <a:rPr lang="zh-TW" altLang="en-US" sz="3600" dirty="0">
-                <a:latin typeface="微軟正黑體" panose="020B0604030504040204" pitchFamily="34" charset="-120"/>
-                <a:ea typeface="微軟正黑體" panose="020B0604030504040204" pitchFamily="34" charset="-120"/>
-              </a:rPr>
-              <a:t>個區塊調整難度係數一次</a:t>
-            </a:r>
-            <a:endParaRPr lang="en-US" altLang="zh-TW" sz="3600" dirty="0">
+        </p:txBody>
+      </p:sp>
+      <p:cxnSp>
+        <p:nvCxnSpPr>
+          <p:cNvPr id="24" name="直線單箭頭接點 23">
+            <a:extLst>
+              <a:ext uri="{FF2B5EF4-FFF2-40B4-BE49-F238E27FC236}">
+                <a16:creationId xmlns:a16="http://schemas.microsoft.com/office/drawing/2014/main" id="{8CDAB168-E0E2-4914-8EA3-7096B82026BF}"/>
+              </a:ext>
+            </a:extLst>
+          </p:cNvPr>
+          <p:cNvCxnSpPr>
+            <a:cxnSpLocks/>
+          </p:cNvCxnSpPr>
+          <p:nvPr/>
+        </p:nvCxnSpPr>
+        <p:spPr>
+          <a:xfrm flipV="1">
+            <a:off x="4657106" y="1973059"/>
+            <a:ext cx="0" cy="586128"/>
+          </a:xfrm>
+          <a:prstGeom prst="straightConnector1">
+            <a:avLst/>
+          </a:prstGeom>
+          <a:ln w="28575">
+            <a:solidFill>
+              <a:srgbClr val="FF0000"/>
+            </a:solidFill>
+            <a:headEnd type="none" w="med" len="med"/>
+            <a:tailEnd type="triangle" w="med" len="med"/>
+          </a:ln>
+        </p:spPr>
+        <p:style>
+          <a:lnRef idx="1">
+            <a:schemeClr val="accent1"/>
+          </a:lnRef>
+          <a:fillRef idx="0">
+            <a:schemeClr val="accent1"/>
+          </a:fillRef>
+          <a:effectRef idx="0">
+            <a:schemeClr val="accent1"/>
+          </a:effectRef>
+          <a:fontRef idx="minor">
+            <a:schemeClr val="tx1"/>
+          </a:fontRef>
+        </p:style>
+      </p:cxnSp>
+      <p:sp>
+        <p:nvSpPr>
+          <p:cNvPr id="25" name="文字方塊 24">
+            <a:extLst>
+              <a:ext uri="{FF2B5EF4-FFF2-40B4-BE49-F238E27FC236}">
+                <a16:creationId xmlns:a16="http://schemas.microsoft.com/office/drawing/2014/main" id="{8BA32CEE-A353-4E07-9A42-1FEF95D6F3BE}"/>
+              </a:ext>
+            </a:extLst>
+          </p:cNvPr>
+          <p:cNvSpPr txBox="1"/>
+          <p:nvPr/>
+        </p:nvSpPr>
+        <p:spPr>
+          <a:xfrm>
+            <a:off x="6234346" y="2573955"/>
+            <a:ext cx="954108" cy="369332"/>
+          </a:xfrm>
+          <a:prstGeom prst="rect">
+            <a:avLst/>
+          </a:prstGeom>
+          <a:noFill/>
+        </p:spPr>
+        <p:txBody>
+          <a:bodyPr wrap="none" rtlCol="0">
+            <a:spAutoFit/>
+          </a:bodyPr>
+          <a:lstStyle/>
+          <a:p>
+            <a:pPr algn="ctr"/>
+            <a:r>
+              <a:rPr lang="en-US" altLang="zh-TW" dirty="0">
+                <a:latin typeface="微軟正黑體" panose="020B0604030504040204" pitchFamily="34" charset="-120"/>
+                <a:ea typeface="微軟正黑體" panose="020B0604030504040204" pitchFamily="34" charset="-120"/>
+              </a:rPr>
+              <a:t>Base58</a:t>
+            </a:r>
+            <a:endParaRPr lang="zh-TW" altLang="en-US" dirty="0">
               <a:latin typeface="微軟正黑體" panose="020B0604030504040204" pitchFamily="34" charset="-120"/>
               <a:ea typeface="微軟正黑體" panose="020B0604030504040204" pitchFamily="34" charset="-120"/>
             </a:endParaRPr>
           </a:p>
-          <a:p>
-            <a:endParaRPr lang="zh-TW" altLang="en-US" sz="3600" dirty="0">
-              <a:latin typeface="微軟正黑體" panose="020B0604030504040204" pitchFamily="34" charset="-120"/>
-              <a:ea typeface="微軟正黑體" panose="020B0604030504040204" pitchFamily="34" charset="-120"/>
-            </a:endParaRPr>
+        </p:txBody>
+      </p:sp>
+      <p:cxnSp>
+        <p:nvCxnSpPr>
+          <p:cNvPr id="26" name="直線單箭頭接點 25">
+            <a:extLst>
+              <a:ext uri="{FF2B5EF4-FFF2-40B4-BE49-F238E27FC236}">
+                <a16:creationId xmlns:a16="http://schemas.microsoft.com/office/drawing/2014/main" id="{60EE2605-E440-45EF-A6C0-FB9907339421}"/>
+              </a:ext>
+            </a:extLst>
+          </p:cNvPr>
+          <p:cNvCxnSpPr>
+            <a:cxnSpLocks/>
+          </p:cNvCxnSpPr>
+          <p:nvPr/>
+        </p:nvCxnSpPr>
+        <p:spPr>
+          <a:xfrm flipV="1">
+            <a:off x="6711400" y="1973059"/>
+            <a:ext cx="0" cy="586128"/>
+          </a:xfrm>
+          <a:prstGeom prst="straightConnector1">
+            <a:avLst/>
+          </a:prstGeom>
+          <a:ln w="28575">
+            <a:solidFill>
+              <a:srgbClr val="FF0000"/>
+            </a:solidFill>
+            <a:headEnd type="none" w="med" len="med"/>
+            <a:tailEnd type="triangle" w="med" len="med"/>
+          </a:ln>
+        </p:spPr>
+        <p:style>
+          <a:lnRef idx="1">
+            <a:schemeClr val="accent1"/>
+          </a:lnRef>
+          <a:fillRef idx="0">
+            <a:schemeClr val="accent1"/>
+          </a:fillRef>
+          <a:effectRef idx="0">
+            <a:schemeClr val="accent1"/>
+          </a:effectRef>
+          <a:fontRef idx="minor">
+            <a:schemeClr val="tx1"/>
+          </a:fontRef>
+        </p:style>
+      </p:cxnSp>
+      <p:sp>
+        <p:nvSpPr>
+          <p:cNvPr id="27" name="文字方塊 26">
+            <a:extLst>
+              <a:ext uri="{FF2B5EF4-FFF2-40B4-BE49-F238E27FC236}">
+                <a16:creationId xmlns:a16="http://schemas.microsoft.com/office/drawing/2014/main" id="{425CDFE9-4F6C-40A4-9A16-EE2772714DA1}"/>
+              </a:ext>
+            </a:extLst>
+          </p:cNvPr>
+          <p:cNvSpPr txBox="1"/>
+          <p:nvPr/>
+        </p:nvSpPr>
+        <p:spPr>
+          <a:xfrm>
+            <a:off x="673942" y="3518447"/>
+            <a:ext cx="5262979" cy="646331"/>
+          </a:xfrm>
+          <a:prstGeom prst="rect">
+            <a:avLst/>
+          </a:prstGeom>
+          <a:noFill/>
+        </p:spPr>
+        <p:txBody>
+          <a:bodyPr wrap="none" rtlCol="0">
+            <a:spAutoFit/>
+          </a:bodyPr>
+          <a:lstStyle/>
+          <a:p>
+            <a:r>
+              <a:rPr lang="zh-TW" altLang="en-US" sz="3600" dirty="0">
+                <a:latin typeface="微軟正黑體" panose="020B0604030504040204" pitchFamily="34" charset="-120"/>
+                <a:ea typeface="微軟正黑體" panose="020B0604030504040204" pitchFamily="34" charset="-120"/>
+              </a:rPr>
+              <a:t>橢圓曲線簽名與驗証簽名</a:t>
+            </a:r>
           </a:p>
         </p:txBody>
       </p:sp>
       <p:pic>
         <p:nvPicPr>
-          <p:cNvPr id="6" name="圖片 5">
-            <a:extLst>
-              <a:ext uri="{FF2B5EF4-FFF2-40B4-BE49-F238E27FC236}">
-                <a16:creationId xmlns:a16="http://schemas.microsoft.com/office/drawing/2014/main" id="{A21A97DD-EE71-4F55-94B6-7C3C6EAD920D}"/>
+          <p:cNvPr id="30" name="圖片 29">
+            <a:extLst>
+              <a:ext uri="{FF2B5EF4-FFF2-40B4-BE49-F238E27FC236}">
+                <a16:creationId xmlns:a16="http://schemas.microsoft.com/office/drawing/2014/main" id="{260F63FB-8BBE-411F-AF8C-C7350E2D1C9E}"/>
               </a:ext>
             </a:extLst>
           </p:cNvPr>
@@ -6167,15 +7014,21 @@
           <p:nvPr/>
         </p:nvPicPr>
         <p:blipFill>
-          <a:blip r:embed="rId2"/>
+          <a:blip r:embed="rId2">
+            <a:extLst>
+              <a:ext uri="{28A0092B-C50C-407E-A947-70E740481C1C}">
+                <a14:useLocalDpi xmlns:a14="http://schemas.microsoft.com/office/drawing/2010/main" val="0"/>
+              </a:ext>
+            </a:extLst>
+          </a:blip>
           <a:stretch>
             <a:fillRect/>
           </a:stretch>
         </p:blipFill>
         <p:spPr>
           <a:xfrm>
-            <a:off x="596347" y="2828835"/>
-            <a:ext cx="7917961" cy="1200329"/>
+            <a:off x="287257" y="4268073"/>
+            <a:ext cx="892193" cy="892193"/>
           </a:xfrm>
           <a:prstGeom prst="rect">
             <a:avLst/>
@@ -6184,10 +7037,310 @@
       </p:pic>
       <p:sp>
         <p:nvSpPr>
-          <p:cNvPr id="7" name="文字方塊 6">
-            <a:extLst>
-              <a:ext uri="{FF2B5EF4-FFF2-40B4-BE49-F238E27FC236}">
-                <a16:creationId xmlns:a16="http://schemas.microsoft.com/office/drawing/2014/main" id="{6E50B396-30BC-486F-9D40-C08EBA36BE3E}"/>
+          <p:cNvPr id="32" name="矩形 31">
+            <a:extLst>
+              <a:ext uri="{FF2B5EF4-FFF2-40B4-BE49-F238E27FC236}">
+                <a16:creationId xmlns:a16="http://schemas.microsoft.com/office/drawing/2014/main" id="{AB3531C0-12C9-4CEA-86D8-48920415E4C8}"/>
+              </a:ext>
+            </a:extLst>
+          </p:cNvPr>
+          <p:cNvSpPr/>
+          <p:nvPr/>
+        </p:nvSpPr>
+        <p:spPr>
+          <a:xfrm>
+            <a:off x="1316632" y="4391003"/>
+            <a:ext cx="1570120" cy="646331"/>
+          </a:xfrm>
+          <a:prstGeom prst="rect">
+            <a:avLst/>
+          </a:prstGeom>
+          <a:solidFill>
+            <a:srgbClr val="FFFF00"/>
+          </a:solidFill>
+        </p:spPr>
+        <p:style>
+          <a:lnRef idx="2">
+            <a:schemeClr val="accent1">
+              <a:shade val="50000"/>
+            </a:schemeClr>
+          </a:lnRef>
+          <a:fillRef idx="1">
+            <a:schemeClr val="accent1"/>
+          </a:fillRef>
+          <a:effectRef idx="0">
+            <a:schemeClr val="accent1"/>
+          </a:effectRef>
+          <a:fontRef idx="minor">
+            <a:schemeClr val="lt1"/>
+          </a:fontRef>
+        </p:style>
+        <p:txBody>
+          <a:bodyPr rtlCol="0" anchor="ctr"/>
+          <a:lstStyle/>
+          <a:p>
+            <a:pPr algn="ctr"/>
+            <a:r>
+              <a:rPr lang="en-US" altLang="zh-TW" dirty="0">
+                <a:solidFill>
+                  <a:schemeClr val="tx1"/>
+                </a:solidFill>
+                <a:latin typeface="微軟正黑體" panose="020B0604030504040204" pitchFamily="34" charset="-120"/>
+                <a:ea typeface="微軟正黑體" panose="020B0604030504040204" pitchFamily="34" charset="-120"/>
+              </a:rPr>
+              <a:t>Alice</a:t>
+            </a:r>
+            <a:r>
+              <a:rPr lang="zh-TW" altLang="en-US" dirty="0">
+                <a:solidFill>
+                  <a:schemeClr val="tx1"/>
+                </a:solidFill>
+                <a:latin typeface="微軟正黑體" panose="020B0604030504040204" pitchFamily="34" charset="-120"/>
+                <a:ea typeface="微軟正黑體" panose="020B0604030504040204" pitchFamily="34" charset="-120"/>
+              </a:rPr>
+              <a:t>支付</a:t>
+            </a:r>
+            <a:r>
+              <a:rPr lang="en-US" altLang="zh-TW" dirty="0">
+                <a:solidFill>
+                  <a:schemeClr val="tx1"/>
+                </a:solidFill>
+                <a:latin typeface="微軟正黑體" panose="020B0604030504040204" pitchFamily="34" charset="-120"/>
+                <a:ea typeface="微軟正黑體" panose="020B0604030504040204" pitchFamily="34" charset="-120"/>
+              </a:rPr>
+              <a:t>10BTC</a:t>
+            </a:r>
+            <a:r>
+              <a:rPr lang="zh-TW" altLang="en-US" dirty="0">
+                <a:solidFill>
+                  <a:schemeClr val="tx1"/>
+                </a:solidFill>
+                <a:latin typeface="微軟正黑體" panose="020B0604030504040204" pitchFamily="34" charset="-120"/>
+                <a:ea typeface="微軟正黑體" panose="020B0604030504040204" pitchFamily="34" charset="-120"/>
+              </a:rPr>
+              <a:t>給</a:t>
+            </a:r>
+            <a:r>
+              <a:rPr lang="en-US" altLang="zh-TW" dirty="0">
+                <a:solidFill>
+                  <a:schemeClr val="tx1"/>
+                </a:solidFill>
+                <a:latin typeface="微軟正黑體" panose="020B0604030504040204" pitchFamily="34" charset="-120"/>
+                <a:ea typeface="微軟正黑體" panose="020B0604030504040204" pitchFamily="34" charset="-120"/>
+              </a:rPr>
+              <a:t>Bob</a:t>
+            </a:r>
+            <a:endParaRPr lang="zh-TW" altLang="en-US" dirty="0">
+              <a:solidFill>
+                <a:schemeClr val="tx1"/>
+              </a:solidFill>
+              <a:latin typeface="微軟正黑體" panose="020B0604030504040204" pitchFamily="34" charset="-120"/>
+              <a:ea typeface="微軟正黑體" panose="020B0604030504040204" pitchFamily="34" charset="-120"/>
+            </a:endParaRPr>
+          </a:p>
+        </p:txBody>
+      </p:sp>
+      <p:sp>
+        <p:nvSpPr>
+          <p:cNvPr id="33" name="矩形 32">
+            <a:extLst>
+              <a:ext uri="{FF2B5EF4-FFF2-40B4-BE49-F238E27FC236}">
+                <a16:creationId xmlns:a16="http://schemas.microsoft.com/office/drawing/2014/main" id="{748C6A0B-0FCD-412E-9C3C-E1FAA22D84DD}"/>
+              </a:ext>
+            </a:extLst>
+          </p:cNvPr>
+          <p:cNvSpPr/>
+          <p:nvPr/>
+        </p:nvSpPr>
+        <p:spPr>
+          <a:xfrm>
+            <a:off x="3637570" y="4385880"/>
+            <a:ext cx="734496" cy="646331"/>
+          </a:xfrm>
+          <a:prstGeom prst="rect">
+            <a:avLst/>
+          </a:prstGeom>
+          <a:solidFill>
+            <a:srgbClr val="FFC000"/>
+          </a:solidFill>
+        </p:spPr>
+        <p:style>
+          <a:lnRef idx="2">
+            <a:schemeClr val="accent1">
+              <a:shade val="50000"/>
+            </a:schemeClr>
+          </a:lnRef>
+          <a:fillRef idx="1">
+            <a:schemeClr val="accent1"/>
+          </a:fillRef>
+          <a:effectRef idx="0">
+            <a:schemeClr val="accent1"/>
+          </a:effectRef>
+          <a:fontRef idx="minor">
+            <a:schemeClr val="lt1"/>
+          </a:fontRef>
+        </p:style>
+        <p:txBody>
+          <a:bodyPr rtlCol="0" anchor="ctr"/>
+          <a:lstStyle/>
+          <a:p>
+            <a:pPr algn="ctr"/>
+            <a:r>
+              <a:rPr lang="en-US" altLang="zh-TW" dirty="0">
+                <a:solidFill>
+                  <a:schemeClr val="tx1"/>
+                </a:solidFill>
+                <a:latin typeface="微軟正黑體" panose="020B0604030504040204" pitchFamily="34" charset="-120"/>
+                <a:ea typeface="微軟正黑體" panose="020B0604030504040204" pitchFamily="34" charset="-120"/>
+              </a:rPr>
+              <a:t>Hash</a:t>
+            </a:r>
+          </a:p>
+          <a:p>
+            <a:pPr algn="ctr"/>
+            <a:r>
+              <a:rPr lang="zh-TW" altLang="en-US" dirty="0">
+                <a:solidFill>
+                  <a:schemeClr val="tx1"/>
+                </a:solidFill>
+                <a:latin typeface="微軟正黑體" panose="020B0604030504040204" pitchFamily="34" charset="-120"/>
+                <a:ea typeface="微軟正黑體" panose="020B0604030504040204" pitchFamily="34" charset="-120"/>
+              </a:rPr>
+              <a:t>訊息</a:t>
+            </a:r>
+          </a:p>
+        </p:txBody>
+      </p:sp>
+      <p:cxnSp>
+        <p:nvCxnSpPr>
+          <p:cNvPr id="34" name="直線單箭頭接點 33">
+            <a:extLst>
+              <a:ext uri="{FF2B5EF4-FFF2-40B4-BE49-F238E27FC236}">
+                <a16:creationId xmlns:a16="http://schemas.microsoft.com/office/drawing/2014/main" id="{A526D0DE-31BD-439E-AF16-E5EBC06B1957}"/>
+              </a:ext>
+            </a:extLst>
+          </p:cNvPr>
+          <p:cNvCxnSpPr>
+            <a:cxnSpLocks/>
+            <a:stCxn id="32" idx="3"/>
+            <a:endCxn id="33" idx="1"/>
+          </p:cNvCxnSpPr>
+          <p:nvPr/>
+        </p:nvCxnSpPr>
+        <p:spPr>
+          <a:xfrm flipV="1">
+            <a:off x="2886752" y="4709046"/>
+            <a:ext cx="750818" cy="5123"/>
+          </a:xfrm>
+          <a:prstGeom prst="straightConnector1">
+            <a:avLst/>
+          </a:prstGeom>
+          <a:ln w="76200">
+            <a:solidFill>
+              <a:srgbClr val="FFC000"/>
+            </a:solidFill>
+            <a:tailEnd type="triangle"/>
+          </a:ln>
+        </p:spPr>
+        <p:style>
+          <a:lnRef idx="1">
+            <a:schemeClr val="accent1"/>
+          </a:lnRef>
+          <a:fillRef idx="0">
+            <a:schemeClr val="accent1"/>
+          </a:fillRef>
+          <a:effectRef idx="0">
+            <a:schemeClr val="accent1"/>
+          </a:effectRef>
+          <a:fontRef idx="minor">
+            <a:schemeClr val="tx1"/>
+          </a:fontRef>
+        </p:style>
+      </p:cxnSp>
+      <p:sp>
+        <p:nvSpPr>
+          <p:cNvPr id="35" name="矩形 34">
+            <a:extLst>
+              <a:ext uri="{FF2B5EF4-FFF2-40B4-BE49-F238E27FC236}">
+                <a16:creationId xmlns:a16="http://schemas.microsoft.com/office/drawing/2014/main" id="{E45B6F60-F8AE-4BE8-9207-FB0756EFB956}"/>
+              </a:ext>
+            </a:extLst>
+          </p:cNvPr>
+          <p:cNvSpPr/>
+          <p:nvPr/>
+        </p:nvSpPr>
+        <p:spPr>
+          <a:xfrm>
+            <a:off x="5181204" y="4385880"/>
+            <a:ext cx="755717" cy="646331"/>
+          </a:xfrm>
+          <a:prstGeom prst="rect">
+            <a:avLst/>
+          </a:prstGeom>
+          <a:solidFill>
+            <a:srgbClr val="FFC000"/>
+          </a:solidFill>
+        </p:spPr>
+        <p:style>
+          <a:lnRef idx="2">
+            <a:schemeClr val="accent1">
+              <a:shade val="50000"/>
+            </a:schemeClr>
+          </a:lnRef>
+          <a:fillRef idx="1">
+            <a:schemeClr val="accent1"/>
+          </a:fillRef>
+          <a:effectRef idx="0">
+            <a:schemeClr val="accent1"/>
+          </a:effectRef>
+          <a:fontRef idx="minor">
+            <a:schemeClr val="lt1"/>
+          </a:fontRef>
+        </p:style>
+        <p:txBody>
+          <a:bodyPr rtlCol="0" anchor="ctr"/>
+          <a:lstStyle/>
+          <a:p>
+            <a:pPr algn="ctr"/>
+            <a:r>
+              <a:rPr lang="zh-TW" altLang="en-US" dirty="0">
+                <a:solidFill>
+                  <a:schemeClr val="tx1"/>
+                </a:solidFill>
+                <a:latin typeface="微軟正黑體" panose="020B0604030504040204" pitchFamily="34" charset="-120"/>
+                <a:ea typeface="微軟正黑體" panose="020B0604030504040204" pitchFamily="34" charset="-120"/>
+              </a:rPr>
+              <a:t>加密</a:t>
+            </a:r>
+            <a:endParaRPr lang="en-US" altLang="zh-TW" dirty="0">
+              <a:solidFill>
+                <a:schemeClr val="tx1"/>
+              </a:solidFill>
+              <a:latin typeface="微軟正黑體" panose="020B0604030504040204" pitchFamily="34" charset="-120"/>
+              <a:ea typeface="微軟正黑體" panose="020B0604030504040204" pitchFamily="34" charset="-120"/>
+            </a:endParaRPr>
+          </a:p>
+          <a:p>
+            <a:pPr algn="ctr"/>
+            <a:r>
+              <a:rPr lang="zh-TW" altLang="en-US" dirty="0">
+                <a:solidFill>
+                  <a:schemeClr val="tx1"/>
+                </a:solidFill>
+                <a:latin typeface="微軟正黑體" panose="020B0604030504040204" pitchFamily="34" charset="-120"/>
+                <a:ea typeface="微軟正黑體" panose="020B0604030504040204" pitchFamily="34" charset="-120"/>
+              </a:rPr>
+              <a:t>訊息</a:t>
+            </a:r>
+          </a:p>
+        </p:txBody>
+      </p:sp>
+      <p:sp>
+        <p:nvSpPr>
+          <p:cNvPr id="39" name="文字方塊 38">
+            <a:extLst>
+              <a:ext uri="{FF2B5EF4-FFF2-40B4-BE49-F238E27FC236}">
+                <a16:creationId xmlns:a16="http://schemas.microsoft.com/office/drawing/2014/main" id="{D63683EE-AC68-431B-8FCC-3440BF53489F}"/>
               </a:ext>
             </a:extLst>
           </p:cNvPr>
@@ -6196,8 +7349,8 @@
         </p:nvSpPr>
         <p:spPr>
           <a:xfrm>
-            <a:off x="943110" y="4400333"/>
-            <a:ext cx="6643165" cy="584775"/>
+            <a:off x="2852835" y="4292002"/>
+            <a:ext cx="734496" cy="369332"/>
           </a:xfrm>
           <a:prstGeom prst="rect">
             <a:avLst/>
@@ -6211,56 +7364,354 @@
           <a:lstStyle/>
           <a:p>
             <a:r>
-              <a:rPr lang="zh-TW" altLang="en-US" sz="3200" dirty="0">
-                <a:latin typeface="微軟正黑體" panose="020B0604030504040204" pitchFamily="34" charset="-120"/>
-                <a:ea typeface="微軟正黑體" panose="020B0604030504040204" pitchFamily="34" charset="-120"/>
-              </a:rPr>
-              <a:t>比特幣的交易速度 </a:t>
-            </a:r>
-            <a:r>
-              <a:rPr lang="en-US" altLang="zh-TW" sz="3200" dirty="0">
-                <a:latin typeface="微軟正黑體" panose="020B0604030504040204" pitchFamily="34" charset="-120"/>
-                <a:ea typeface="微軟正黑體" panose="020B0604030504040204" pitchFamily="34" charset="-120"/>
-              </a:rPr>
-              <a:t>= 7 tps(</a:t>
-            </a:r>
-            <a:r>
-              <a:rPr lang="zh-TW" altLang="en-US" sz="3200" dirty="0">
-                <a:latin typeface="微軟正黑體" panose="020B0604030504040204" pitchFamily="34" charset="-120"/>
-                <a:ea typeface="微軟正黑體" panose="020B0604030504040204" pitchFamily="34" charset="-120"/>
-              </a:rPr>
-              <a:t>每秒</a:t>
-            </a:r>
-            <a:r>
-              <a:rPr lang="en-US" altLang="zh-TW" sz="3200" dirty="0">
-                <a:latin typeface="微軟正黑體" panose="020B0604030504040204" pitchFamily="34" charset="-120"/>
-                <a:ea typeface="微軟正黑體" panose="020B0604030504040204" pitchFamily="34" charset="-120"/>
-              </a:rPr>
-              <a:t>7</a:t>
-            </a:r>
-            <a:r>
-              <a:rPr lang="zh-TW" altLang="en-US" sz="3200" dirty="0">
-                <a:latin typeface="微軟正黑體" panose="020B0604030504040204" pitchFamily="34" charset="-120"/>
-                <a:ea typeface="微軟正黑體" panose="020B0604030504040204" pitchFamily="34" charset="-120"/>
-              </a:rPr>
-              <a:t>筆</a:t>
-            </a:r>
-            <a:r>
-              <a:rPr lang="en-US" altLang="zh-TW" sz="3200" dirty="0">
-                <a:latin typeface="微軟正黑體" panose="020B0604030504040204" pitchFamily="34" charset="-120"/>
-                <a:ea typeface="微軟正黑體" panose="020B0604030504040204" pitchFamily="34" charset="-120"/>
-              </a:rPr>
-              <a:t>)</a:t>
-            </a:r>
-          </a:p>
-        </p:txBody>
-      </p:sp>
+              <a:rPr lang="en-US" altLang="zh-TW" dirty="0">
+                <a:latin typeface="微軟正黑體" panose="020B0604030504040204" pitchFamily="34" charset="-120"/>
+                <a:ea typeface="微軟正黑體" panose="020B0604030504040204" pitchFamily="34" charset="-120"/>
+              </a:rPr>
+              <a:t>Hash</a:t>
+            </a:r>
+            <a:endParaRPr lang="zh-TW" altLang="en-US" dirty="0">
+              <a:latin typeface="微軟正黑體" panose="020B0604030504040204" pitchFamily="34" charset="-120"/>
+              <a:ea typeface="微軟正黑體" panose="020B0604030504040204" pitchFamily="34" charset="-120"/>
+            </a:endParaRPr>
+          </a:p>
+        </p:txBody>
+      </p:sp>
+      <p:cxnSp>
+        <p:nvCxnSpPr>
+          <p:cNvPr id="40" name="直線單箭頭接點 39">
+            <a:extLst>
+              <a:ext uri="{FF2B5EF4-FFF2-40B4-BE49-F238E27FC236}">
+                <a16:creationId xmlns:a16="http://schemas.microsoft.com/office/drawing/2014/main" id="{64E8C2BD-AB95-4515-A0D1-F370BC232E69}"/>
+              </a:ext>
+            </a:extLst>
+          </p:cNvPr>
+          <p:cNvCxnSpPr>
+            <a:cxnSpLocks/>
+          </p:cNvCxnSpPr>
+          <p:nvPr/>
+        </p:nvCxnSpPr>
+        <p:spPr>
+          <a:xfrm>
+            <a:off x="4372066" y="4709045"/>
+            <a:ext cx="823130" cy="0"/>
+          </a:xfrm>
+          <a:prstGeom prst="straightConnector1">
+            <a:avLst/>
+          </a:prstGeom>
+          <a:ln w="76200">
+            <a:solidFill>
+              <a:srgbClr val="FFC000"/>
+            </a:solidFill>
+            <a:tailEnd type="triangle"/>
+          </a:ln>
+        </p:spPr>
+        <p:style>
+          <a:lnRef idx="1">
+            <a:schemeClr val="accent1"/>
+          </a:lnRef>
+          <a:fillRef idx="0">
+            <a:schemeClr val="accent1"/>
+          </a:fillRef>
+          <a:effectRef idx="0">
+            <a:schemeClr val="accent1"/>
+          </a:effectRef>
+          <a:fontRef idx="minor">
+            <a:schemeClr val="tx1"/>
+          </a:fontRef>
+        </p:style>
+      </p:cxnSp>
+      <p:sp>
+        <p:nvSpPr>
+          <p:cNvPr id="43" name="文字方塊 42">
+            <a:extLst>
+              <a:ext uri="{FF2B5EF4-FFF2-40B4-BE49-F238E27FC236}">
+                <a16:creationId xmlns:a16="http://schemas.microsoft.com/office/drawing/2014/main" id="{C5586078-9DE1-4F41-A5D3-BD16FCEEF53A}"/>
+              </a:ext>
+            </a:extLst>
+          </p:cNvPr>
+          <p:cNvSpPr txBox="1"/>
+          <p:nvPr/>
+        </p:nvSpPr>
+        <p:spPr>
+          <a:xfrm>
+            <a:off x="2207566" y="5270755"/>
+            <a:ext cx="772353" cy="830997"/>
+          </a:xfrm>
+          <a:prstGeom prst="rect">
+            <a:avLst/>
+          </a:prstGeom>
+          <a:noFill/>
+        </p:spPr>
+        <p:txBody>
+          <a:bodyPr wrap="square" rtlCol="0">
+            <a:spAutoFit/>
+          </a:bodyPr>
+          <a:lstStyle/>
+          <a:p>
+            <a:pPr algn="ctr"/>
+            <a:r>
+              <a:rPr lang="en-US" altLang="zh-TW" dirty="0">
+                <a:latin typeface="微軟正黑體" panose="020B0604030504040204" pitchFamily="34" charset="-120"/>
+                <a:ea typeface="微軟正黑體" panose="020B0604030504040204" pitchFamily="34" charset="-120"/>
+              </a:rPr>
+              <a:t>Alice</a:t>
+            </a:r>
+          </a:p>
+          <a:p>
+            <a:pPr algn="ctr"/>
+            <a:endParaRPr lang="en-US" altLang="zh-TW" sz="1200" dirty="0">
+              <a:latin typeface="微軟正黑體" panose="020B0604030504040204" pitchFamily="34" charset="-120"/>
+              <a:ea typeface="微軟正黑體" panose="020B0604030504040204" pitchFamily="34" charset="-120"/>
+            </a:endParaRPr>
+          </a:p>
+          <a:p>
+            <a:pPr algn="ctr"/>
+            <a:r>
+              <a:rPr lang="zh-TW" altLang="en-US" dirty="0">
+                <a:latin typeface="微軟正黑體" panose="020B0604030504040204" pitchFamily="34" charset="-120"/>
+                <a:ea typeface="微軟正黑體" panose="020B0604030504040204" pitchFamily="34" charset="-120"/>
+              </a:rPr>
+              <a:t>公鑰</a:t>
+            </a:r>
+          </a:p>
+        </p:txBody>
+      </p:sp>
+      <p:sp>
+        <p:nvSpPr>
+          <p:cNvPr id="47" name="矩形 46">
+            <a:extLst>
+              <a:ext uri="{FF2B5EF4-FFF2-40B4-BE49-F238E27FC236}">
+                <a16:creationId xmlns:a16="http://schemas.microsoft.com/office/drawing/2014/main" id="{A2845F0C-BE00-4822-9AF7-E98640F03F48}"/>
+              </a:ext>
+            </a:extLst>
+          </p:cNvPr>
+          <p:cNvSpPr/>
+          <p:nvPr/>
+        </p:nvSpPr>
+        <p:spPr>
+          <a:xfrm>
+            <a:off x="6469280" y="4385879"/>
+            <a:ext cx="1570120" cy="646331"/>
+          </a:xfrm>
+          <a:prstGeom prst="rect">
+            <a:avLst/>
+          </a:prstGeom>
+          <a:solidFill>
+            <a:srgbClr val="FFFF00"/>
+          </a:solidFill>
+        </p:spPr>
+        <p:style>
+          <a:lnRef idx="2">
+            <a:schemeClr val="accent1">
+              <a:shade val="50000"/>
+            </a:schemeClr>
+          </a:lnRef>
+          <a:fillRef idx="1">
+            <a:schemeClr val="accent1"/>
+          </a:fillRef>
+          <a:effectRef idx="0">
+            <a:schemeClr val="accent1"/>
+          </a:effectRef>
+          <a:fontRef idx="minor">
+            <a:schemeClr val="lt1"/>
+          </a:fontRef>
+        </p:style>
+        <p:txBody>
+          <a:bodyPr rtlCol="0" anchor="ctr"/>
+          <a:lstStyle/>
+          <a:p>
+            <a:pPr algn="ctr"/>
+            <a:r>
+              <a:rPr lang="en-US" altLang="zh-TW" dirty="0">
+                <a:solidFill>
+                  <a:schemeClr val="tx1"/>
+                </a:solidFill>
+                <a:latin typeface="微軟正黑體" panose="020B0604030504040204" pitchFamily="34" charset="-120"/>
+                <a:ea typeface="微軟正黑體" panose="020B0604030504040204" pitchFamily="34" charset="-120"/>
+              </a:rPr>
+              <a:t>Alice</a:t>
+            </a:r>
+            <a:r>
+              <a:rPr lang="zh-TW" altLang="en-US" dirty="0">
+                <a:solidFill>
+                  <a:schemeClr val="tx1"/>
+                </a:solidFill>
+                <a:latin typeface="微軟正黑體" panose="020B0604030504040204" pitchFamily="34" charset="-120"/>
+                <a:ea typeface="微軟正黑體" panose="020B0604030504040204" pitchFamily="34" charset="-120"/>
+              </a:rPr>
+              <a:t>支付</a:t>
+            </a:r>
+            <a:r>
+              <a:rPr lang="en-US" altLang="zh-TW" dirty="0">
+                <a:solidFill>
+                  <a:schemeClr val="tx1"/>
+                </a:solidFill>
+                <a:latin typeface="微軟正黑體" panose="020B0604030504040204" pitchFamily="34" charset="-120"/>
+                <a:ea typeface="微軟正黑體" panose="020B0604030504040204" pitchFamily="34" charset="-120"/>
+              </a:rPr>
+              <a:t>10BTC</a:t>
+            </a:r>
+            <a:r>
+              <a:rPr lang="zh-TW" altLang="en-US" dirty="0">
+                <a:solidFill>
+                  <a:schemeClr val="tx1"/>
+                </a:solidFill>
+                <a:latin typeface="微軟正黑體" panose="020B0604030504040204" pitchFamily="34" charset="-120"/>
+                <a:ea typeface="微軟正黑體" panose="020B0604030504040204" pitchFamily="34" charset="-120"/>
+              </a:rPr>
+              <a:t>給</a:t>
+            </a:r>
+            <a:r>
+              <a:rPr lang="en-US" altLang="zh-TW" dirty="0">
+                <a:solidFill>
+                  <a:schemeClr val="tx1"/>
+                </a:solidFill>
+                <a:latin typeface="微軟正黑體" panose="020B0604030504040204" pitchFamily="34" charset="-120"/>
+                <a:ea typeface="微軟正黑體" panose="020B0604030504040204" pitchFamily="34" charset="-120"/>
+              </a:rPr>
+              <a:t>Bob</a:t>
+            </a:r>
+            <a:endParaRPr lang="zh-TW" altLang="en-US" dirty="0">
+              <a:solidFill>
+                <a:schemeClr val="tx1"/>
+              </a:solidFill>
+              <a:latin typeface="微軟正黑體" panose="020B0604030504040204" pitchFamily="34" charset="-120"/>
+              <a:ea typeface="微軟正黑體" panose="020B0604030504040204" pitchFamily="34" charset="-120"/>
+            </a:endParaRPr>
+          </a:p>
+        </p:txBody>
+      </p:sp>
+      <p:sp>
+        <p:nvSpPr>
+          <p:cNvPr id="48" name="矩形 47">
+            <a:extLst>
+              <a:ext uri="{FF2B5EF4-FFF2-40B4-BE49-F238E27FC236}">
+                <a16:creationId xmlns:a16="http://schemas.microsoft.com/office/drawing/2014/main" id="{060E2E60-2BFC-41AD-8E4A-C72E124B04D7}"/>
+              </a:ext>
+            </a:extLst>
+          </p:cNvPr>
+          <p:cNvSpPr/>
+          <p:nvPr/>
+        </p:nvSpPr>
+        <p:spPr>
+          <a:xfrm>
+            <a:off x="8040667" y="4385879"/>
+            <a:ext cx="798532" cy="646331"/>
+          </a:xfrm>
+          <a:prstGeom prst="rect">
+            <a:avLst/>
+          </a:prstGeom>
+          <a:solidFill>
+            <a:srgbClr val="FFC000"/>
+          </a:solidFill>
+        </p:spPr>
+        <p:style>
+          <a:lnRef idx="2">
+            <a:schemeClr val="accent1">
+              <a:shade val="50000"/>
+            </a:schemeClr>
+          </a:lnRef>
+          <a:fillRef idx="1">
+            <a:schemeClr val="accent1"/>
+          </a:fillRef>
+          <a:effectRef idx="0">
+            <a:schemeClr val="accent1"/>
+          </a:effectRef>
+          <a:fontRef idx="minor">
+            <a:schemeClr val="lt1"/>
+          </a:fontRef>
+        </p:style>
+        <p:txBody>
+          <a:bodyPr rtlCol="0" anchor="ctr"/>
+          <a:lstStyle/>
+          <a:p>
+            <a:pPr algn="ctr"/>
+            <a:r>
+              <a:rPr lang="zh-TW" altLang="en-US" dirty="0">
+                <a:solidFill>
+                  <a:schemeClr val="tx1"/>
+                </a:solidFill>
+                <a:latin typeface="微軟正黑體" panose="020B0604030504040204" pitchFamily="34" charset="-120"/>
+                <a:ea typeface="微軟正黑體" panose="020B0604030504040204" pitchFamily="34" charset="-120"/>
+              </a:rPr>
+              <a:t>加密</a:t>
+            </a:r>
+            <a:endParaRPr lang="en-US" altLang="zh-TW" dirty="0">
+              <a:solidFill>
+                <a:schemeClr val="tx1"/>
+              </a:solidFill>
+              <a:latin typeface="微軟正黑體" panose="020B0604030504040204" pitchFamily="34" charset="-120"/>
+              <a:ea typeface="微軟正黑體" panose="020B0604030504040204" pitchFamily="34" charset="-120"/>
+            </a:endParaRPr>
+          </a:p>
+          <a:p>
+            <a:pPr algn="ctr"/>
+            <a:r>
+              <a:rPr lang="zh-TW" altLang="en-US" dirty="0">
+                <a:solidFill>
+                  <a:schemeClr val="tx1"/>
+                </a:solidFill>
+                <a:latin typeface="微軟正黑體" panose="020B0604030504040204" pitchFamily="34" charset="-120"/>
+                <a:ea typeface="微軟正黑體" panose="020B0604030504040204" pitchFamily="34" charset="-120"/>
+              </a:rPr>
+              <a:t>訊息</a:t>
+            </a:r>
+          </a:p>
+        </p:txBody>
+      </p:sp>
+      <p:cxnSp>
+        <p:nvCxnSpPr>
+          <p:cNvPr id="49" name="直線單箭頭接點 48">
+            <a:extLst>
+              <a:ext uri="{FF2B5EF4-FFF2-40B4-BE49-F238E27FC236}">
+                <a16:creationId xmlns:a16="http://schemas.microsoft.com/office/drawing/2014/main" id="{988D7E2D-3225-4222-A503-43F2B8027D6B}"/>
+              </a:ext>
+            </a:extLst>
+          </p:cNvPr>
+          <p:cNvCxnSpPr>
+            <a:cxnSpLocks/>
+            <a:stCxn id="35" idx="3"/>
+            <a:endCxn id="47" idx="1"/>
+          </p:cNvCxnSpPr>
+          <p:nvPr/>
+        </p:nvCxnSpPr>
+        <p:spPr>
+          <a:xfrm flipV="1">
+            <a:off x="5936921" y="4709045"/>
+            <a:ext cx="532359" cy="1"/>
+          </a:xfrm>
+          <a:prstGeom prst="straightConnector1">
+            <a:avLst/>
+          </a:prstGeom>
+          <a:ln w="76200">
+            <a:solidFill>
+              <a:srgbClr val="FFC000"/>
+            </a:solidFill>
+            <a:tailEnd type="triangle"/>
+          </a:ln>
+        </p:spPr>
+        <p:style>
+          <a:lnRef idx="1">
+            <a:schemeClr val="accent1"/>
+          </a:lnRef>
+          <a:fillRef idx="0">
+            <a:schemeClr val="accent1"/>
+          </a:fillRef>
+          <a:effectRef idx="0">
+            <a:schemeClr val="accent1"/>
+          </a:effectRef>
+          <a:fontRef idx="minor">
+            <a:schemeClr val="tx1"/>
+          </a:fontRef>
+        </p:style>
+      </p:cxnSp>
       <p:pic>
         <p:nvPicPr>
-          <p:cNvPr id="12" name="圖片 11">
-            <a:extLst>
-              <a:ext uri="{FF2B5EF4-FFF2-40B4-BE49-F238E27FC236}">
-                <a16:creationId xmlns:a16="http://schemas.microsoft.com/office/drawing/2014/main" id="{C00EA054-1F47-4635-906F-A4B95E314715}"/>
+          <p:cNvPr id="53" name="圖片 52">
+            <a:extLst>
+              <a:ext uri="{FF2B5EF4-FFF2-40B4-BE49-F238E27FC236}">
+                <a16:creationId xmlns:a16="http://schemas.microsoft.com/office/drawing/2014/main" id="{C1082F85-CD0E-4C32-88AB-C4E118B4F64D}"/>
               </a:ext>
             </a:extLst>
           </p:cNvPr>
@@ -6270,25 +7721,711 @@
           <p:nvPr/>
         </p:nvPicPr>
         <p:blipFill>
-          <a:blip r:embed="rId3"/>
+          <a:blip r:embed="rId3">
+            <a:extLst>
+              <a:ext uri="{28A0092B-C50C-407E-A947-70E740481C1C}">
+                <a14:useLocalDpi xmlns:a14="http://schemas.microsoft.com/office/drawing/2010/main" val="0"/>
+              </a:ext>
+            </a:extLst>
+          </a:blip>
           <a:stretch>
             <a:fillRect/>
           </a:stretch>
         </p:blipFill>
         <p:spPr>
           <a:xfrm>
-            <a:off x="140909" y="5356277"/>
-            <a:ext cx="8764966" cy="498954"/>
+            <a:off x="407907" y="5320747"/>
+            <a:ext cx="809916" cy="809916"/>
           </a:xfrm>
           <a:prstGeom prst="rect">
             <a:avLst/>
           </a:prstGeom>
         </p:spPr>
       </p:pic>
+      <p:sp>
+        <p:nvSpPr>
+          <p:cNvPr id="54" name="矩形 53">
+            <a:extLst>
+              <a:ext uri="{FF2B5EF4-FFF2-40B4-BE49-F238E27FC236}">
+                <a16:creationId xmlns:a16="http://schemas.microsoft.com/office/drawing/2014/main" id="{890CB7B6-FAF3-470A-BFC8-AE9CBDDAC465}"/>
+              </a:ext>
+            </a:extLst>
+          </p:cNvPr>
+          <p:cNvSpPr/>
+          <p:nvPr/>
+        </p:nvSpPr>
+        <p:spPr>
+          <a:xfrm>
+            <a:off x="1454839" y="5402251"/>
+            <a:ext cx="798532" cy="646331"/>
+          </a:xfrm>
+          <a:prstGeom prst="rect">
+            <a:avLst/>
+          </a:prstGeom>
+          <a:solidFill>
+            <a:srgbClr val="FFC000"/>
+          </a:solidFill>
+        </p:spPr>
+        <p:style>
+          <a:lnRef idx="2">
+            <a:schemeClr val="accent1">
+              <a:shade val="50000"/>
+            </a:schemeClr>
+          </a:lnRef>
+          <a:fillRef idx="1">
+            <a:schemeClr val="accent1"/>
+          </a:fillRef>
+          <a:effectRef idx="0">
+            <a:schemeClr val="accent1"/>
+          </a:effectRef>
+          <a:fontRef idx="minor">
+            <a:schemeClr val="lt1"/>
+          </a:fontRef>
+        </p:style>
+        <p:txBody>
+          <a:bodyPr rtlCol="0" anchor="ctr"/>
+          <a:lstStyle/>
+          <a:p>
+            <a:pPr algn="ctr"/>
+            <a:r>
+              <a:rPr lang="zh-TW" altLang="en-US" dirty="0">
+                <a:solidFill>
+                  <a:schemeClr val="tx1"/>
+                </a:solidFill>
+                <a:latin typeface="微軟正黑體" panose="020B0604030504040204" pitchFamily="34" charset="-120"/>
+                <a:ea typeface="微軟正黑體" panose="020B0604030504040204" pitchFamily="34" charset="-120"/>
+              </a:rPr>
+              <a:t>加密</a:t>
+            </a:r>
+            <a:endParaRPr lang="en-US" altLang="zh-TW" dirty="0">
+              <a:solidFill>
+                <a:schemeClr val="tx1"/>
+              </a:solidFill>
+              <a:latin typeface="微軟正黑體" panose="020B0604030504040204" pitchFamily="34" charset="-120"/>
+              <a:ea typeface="微軟正黑體" panose="020B0604030504040204" pitchFamily="34" charset="-120"/>
+            </a:endParaRPr>
+          </a:p>
+          <a:p>
+            <a:pPr algn="ctr"/>
+            <a:r>
+              <a:rPr lang="zh-TW" altLang="en-US" dirty="0">
+                <a:solidFill>
+                  <a:schemeClr val="tx1"/>
+                </a:solidFill>
+                <a:latin typeface="微軟正黑體" panose="020B0604030504040204" pitchFamily="34" charset="-120"/>
+                <a:ea typeface="微軟正黑體" panose="020B0604030504040204" pitchFamily="34" charset="-120"/>
+              </a:rPr>
+              <a:t>訊息</a:t>
+            </a:r>
+          </a:p>
+        </p:txBody>
+      </p:sp>
+      <p:sp>
+        <p:nvSpPr>
+          <p:cNvPr id="55" name="矩形 54">
+            <a:extLst>
+              <a:ext uri="{FF2B5EF4-FFF2-40B4-BE49-F238E27FC236}">
+                <a16:creationId xmlns:a16="http://schemas.microsoft.com/office/drawing/2014/main" id="{03ABDAD2-9E2C-4C9C-90DA-BCF54E253911}"/>
+              </a:ext>
+            </a:extLst>
+          </p:cNvPr>
+          <p:cNvSpPr/>
+          <p:nvPr/>
+        </p:nvSpPr>
+        <p:spPr>
+          <a:xfrm>
+            <a:off x="2934114" y="5362495"/>
+            <a:ext cx="798532" cy="646331"/>
+          </a:xfrm>
+          <a:prstGeom prst="rect">
+            <a:avLst/>
+          </a:prstGeom>
+          <a:solidFill>
+            <a:srgbClr val="FFFF00"/>
+          </a:solidFill>
+        </p:spPr>
+        <p:style>
+          <a:lnRef idx="2">
+            <a:schemeClr val="accent1">
+              <a:shade val="50000"/>
+            </a:schemeClr>
+          </a:lnRef>
+          <a:fillRef idx="1">
+            <a:schemeClr val="accent1"/>
+          </a:fillRef>
+          <a:effectRef idx="0">
+            <a:schemeClr val="accent1"/>
+          </a:effectRef>
+          <a:fontRef idx="minor">
+            <a:schemeClr val="lt1"/>
+          </a:fontRef>
+        </p:style>
+        <p:txBody>
+          <a:bodyPr rtlCol="0" anchor="ctr"/>
+          <a:lstStyle/>
+          <a:p>
+            <a:pPr algn="ctr"/>
+            <a:r>
+              <a:rPr lang="en-US" altLang="zh-TW" dirty="0">
+                <a:solidFill>
+                  <a:schemeClr val="tx1"/>
+                </a:solidFill>
+                <a:latin typeface="微軟正黑體" panose="020B0604030504040204" pitchFamily="34" charset="-120"/>
+                <a:ea typeface="微軟正黑體" panose="020B0604030504040204" pitchFamily="34" charset="-120"/>
+              </a:rPr>
+              <a:t>Hash</a:t>
+            </a:r>
+            <a:r>
+              <a:rPr lang="zh-TW" altLang="en-US" dirty="0">
+                <a:solidFill>
+                  <a:schemeClr val="tx1"/>
+                </a:solidFill>
+                <a:latin typeface="微軟正黑體" panose="020B0604030504040204" pitchFamily="34" charset="-120"/>
+                <a:ea typeface="微軟正黑體" panose="020B0604030504040204" pitchFamily="34" charset="-120"/>
+              </a:rPr>
+              <a:t>訊息</a:t>
+            </a:r>
+          </a:p>
+        </p:txBody>
+      </p:sp>
+      <p:cxnSp>
+        <p:nvCxnSpPr>
+          <p:cNvPr id="56" name="直線單箭頭接點 55">
+            <a:extLst>
+              <a:ext uri="{FF2B5EF4-FFF2-40B4-BE49-F238E27FC236}">
+                <a16:creationId xmlns:a16="http://schemas.microsoft.com/office/drawing/2014/main" id="{558D9A17-D27D-4E8E-AA6A-A9A74F6176E6}"/>
+              </a:ext>
+            </a:extLst>
+          </p:cNvPr>
+          <p:cNvCxnSpPr>
+            <a:cxnSpLocks/>
+            <a:stCxn id="43" idx="1"/>
+            <a:endCxn id="55" idx="1"/>
+          </p:cNvCxnSpPr>
+          <p:nvPr/>
+        </p:nvCxnSpPr>
+        <p:spPr>
+          <a:xfrm flipV="1">
+            <a:off x="2207566" y="5685661"/>
+            <a:ext cx="726548" cy="593"/>
+          </a:xfrm>
+          <a:prstGeom prst="straightConnector1">
+            <a:avLst/>
+          </a:prstGeom>
+          <a:ln w="76200">
+            <a:solidFill>
+              <a:srgbClr val="FFC000"/>
+            </a:solidFill>
+            <a:tailEnd type="triangle"/>
+          </a:ln>
+        </p:spPr>
+        <p:style>
+          <a:lnRef idx="1">
+            <a:schemeClr val="accent1"/>
+          </a:lnRef>
+          <a:fillRef idx="0">
+            <a:schemeClr val="accent1"/>
+          </a:fillRef>
+          <a:effectRef idx="0">
+            <a:schemeClr val="accent1"/>
+          </a:effectRef>
+          <a:fontRef idx="minor">
+            <a:schemeClr val="tx1"/>
+          </a:fontRef>
+        </p:style>
+      </p:cxnSp>
+      <p:sp>
+        <p:nvSpPr>
+          <p:cNvPr id="58" name="文字方塊 57">
+            <a:extLst>
+              <a:ext uri="{FF2B5EF4-FFF2-40B4-BE49-F238E27FC236}">
+                <a16:creationId xmlns:a16="http://schemas.microsoft.com/office/drawing/2014/main" id="{983B725C-F544-4444-A742-47F3443E3E79}"/>
+              </a:ext>
+            </a:extLst>
+          </p:cNvPr>
+          <p:cNvSpPr txBox="1"/>
+          <p:nvPr/>
+        </p:nvSpPr>
+        <p:spPr>
+          <a:xfrm>
+            <a:off x="4362137" y="4298127"/>
+            <a:ext cx="772353" cy="830997"/>
+          </a:xfrm>
+          <a:prstGeom prst="rect">
+            <a:avLst/>
+          </a:prstGeom>
+          <a:noFill/>
+        </p:spPr>
+        <p:txBody>
+          <a:bodyPr wrap="square" rtlCol="0">
+            <a:spAutoFit/>
+          </a:bodyPr>
+          <a:lstStyle/>
+          <a:p>
+            <a:pPr algn="ctr"/>
+            <a:r>
+              <a:rPr lang="en-US" altLang="zh-TW" dirty="0">
+                <a:latin typeface="微軟正黑體" panose="020B0604030504040204" pitchFamily="34" charset="-120"/>
+                <a:ea typeface="微軟正黑體" panose="020B0604030504040204" pitchFamily="34" charset="-120"/>
+              </a:rPr>
+              <a:t>Alice</a:t>
+            </a:r>
+          </a:p>
+          <a:p>
+            <a:pPr algn="ctr"/>
+            <a:endParaRPr lang="en-US" altLang="zh-TW" sz="1200" dirty="0">
+              <a:latin typeface="微軟正黑體" panose="020B0604030504040204" pitchFamily="34" charset="-120"/>
+              <a:ea typeface="微軟正黑體" panose="020B0604030504040204" pitchFamily="34" charset="-120"/>
+            </a:endParaRPr>
+          </a:p>
+          <a:p>
+            <a:pPr algn="ctr"/>
+            <a:r>
+              <a:rPr lang="zh-TW" altLang="en-US" dirty="0">
+                <a:latin typeface="微軟正黑體" panose="020B0604030504040204" pitchFamily="34" charset="-120"/>
+                <a:ea typeface="微軟正黑體" panose="020B0604030504040204" pitchFamily="34" charset="-120"/>
+              </a:rPr>
+              <a:t>私鑰</a:t>
+            </a:r>
+          </a:p>
+        </p:txBody>
+      </p:sp>
+      <p:sp>
+        <p:nvSpPr>
+          <p:cNvPr id="61" name="矩形 60">
+            <a:extLst>
+              <a:ext uri="{FF2B5EF4-FFF2-40B4-BE49-F238E27FC236}">
+                <a16:creationId xmlns:a16="http://schemas.microsoft.com/office/drawing/2014/main" id="{A9F87352-024F-4B30-84F1-A6D0F0CCFB22}"/>
+              </a:ext>
+            </a:extLst>
+          </p:cNvPr>
+          <p:cNvSpPr/>
+          <p:nvPr/>
+        </p:nvSpPr>
+        <p:spPr>
+          <a:xfrm>
+            <a:off x="3969662" y="5362494"/>
+            <a:ext cx="1570120" cy="646331"/>
+          </a:xfrm>
+          <a:prstGeom prst="rect">
+            <a:avLst/>
+          </a:prstGeom>
+          <a:solidFill>
+            <a:srgbClr val="FFFF00"/>
+          </a:solidFill>
+        </p:spPr>
+        <p:style>
+          <a:lnRef idx="2">
+            <a:schemeClr val="accent1">
+              <a:shade val="50000"/>
+            </a:schemeClr>
+          </a:lnRef>
+          <a:fillRef idx="1">
+            <a:schemeClr val="accent1"/>
+          </a:fillRef>
+          <a:effectRef idx="0">
+            <a:schemeClr val="accent1"/>
+          </a:effectRef>
+          <a:fontRef idx="minor">
+            <a:schemeClr val="lt1"/>
+          </a:fontRef>
+        </p:style>
+        <p:txBody>
+          <a:bodyPr rtlCol="0" anchor="ctr"/>
+          <a:lstStyle/>
+          <a:p>
+            <a:pPr algn="ctr"/>
+            <a:r>
+              <a:rPr lang="en-US" altLang="zh-TW" dirty="0">
+                <a:solidFill>
+                  <a:schemeClr val="tx1"/>
+                </a:solidFill>
+                <a:latin typeface="微軟正黑體" panose="020B0604030504040204" pitchFamily="34" charset="-120"/>
+                <a:ea typeface="微軟正黑體" panose="020B0604030504040204" pitchFamily="34" charset="-120"/>
+              </a:rPr>
+              <a:t>Alice</a:t>
+            </a:r>
+            <a:r>
+              <a:rPr lang="zh-TW" altLang="en-US" dirty="0">
+                <a:solidFill>
+                  <a:schemeClr val="tx1"/>
+                </a:solidFill>
+                <a:latin typeface="微軟正黑體" panose="020B0604030504040204" pitchFamily="34" charset="-120"/>
+                <a:ea typeface="微軟正黑體" panose="020B0604030504040204" pitchFamily="34" charset="-120"/>
+              </a:rPr>
+              <a:t>支付</a:t>
+            </a:r>
+            <a:r>
+              <a:rPr lang="en-US" altLang="zh-TW" dirty="0">
+                <a:solidFill>
+                  <a:schemeClr val="tx1"/>
+                </a:solidFill>
+                <a:latin typeface="微軟正黑體" panose="020B0604030504040204" pitchFamily="34" charset="-120"/>
+                <a:ea typeface="微軟正黑體" panose="020B0604030504040204" pitchFamily="34" charset="-120"/>
+              </a:rPr>
+              <a:t>10BTC</a:t>
+            </a:r>
+            <a:r>
+              <a:rPr lang="zh-TW" altLang="en-US" dirty="0">
+                <a:solidFill>
+                  <a:schemeClr val="tx1"/>
+                </a:solidFill>
+                <a:latin typeface="微軟正黑體" panose="020B0604030504040204" pitchFamily="34" charset="-120"/>
+                <a:ea typeface="微軟正黑體" panose="020B0604030504040204" pitchFamily="34" charset="-120"/>
+              </a:rPr>
+              <a:t>給</a:t>
+            </a:r>
+            <a:r>
+              <a:rPr lang="en-US" altLang="zh-TW" dirty="0">
+                <a:solidFill>
+                  <a:schemeClr val="tx1"/>
+                </a:solidFill>
+                <a:latin typeface="微軟正黑體" panose="020B0604030504040204" pitchFamily="34" charset="-120"/>
+                <a:ea typeface="微軟正黑體" panose="020B0604030504040204" pitchFamily="34" charset="-120"/>
+              </a:rPr>
+              <a:t>Bob</a:t>
+            </a:r>
+            <a:endParaRPr lang="zh-TW" altLang="en-US" dirty="0">
+              <a:solidFill>
+                <a:schemeClr val="tx1"/>
+              </a:solidFill>
+              <a:latin typeface="微軟正黑體" panose="020B0604030504040204" pitchFamily="34" charset="-120"/>
+              <a:ea typeface="微軟正黑體" panose="020B0604030504040204" pitchFamily="34" charset="-120"/>
+            </a:endParaRPr>
+          </a:p>
+        </p:txBody>
+      </p:sp>
+      <p:sp>
+        <p:nvSpPr>
+          <p:cNvPr id="62" name="矩形 61">
+            <a:extLst>
+              <a:ext uri="{FF2B5EF4-FFF2-40B4-BE49-F238E27FC236}">
+                <a16:creationId xmlns:a16="http://schemas.microsoft.com/office/drawing/2014/main" id="{50AF4B78-1D94-45CE-B432-13C87715D004}"/>
+              </a:ext>
+            </a:extLst>
+          </p:cNvPr>
+          <p:cNvSpPr/>
+          <p:nvPr/>
+        </p:nvSpPr>
+        <p:spPr>
+          <a:xfrm>
+            <a:off x="6254031" y="5391413"/>
+            <a:ext cx="734496" cy="646331"/>
+          </a:xfrm>
+          <a:prstGeom prst="rect">
+            <a:avLst/>
+          </a:prstGeom>
+          <a:solidFill>
+            <a:srgbClr val="FFC000"/>
+          </a:solidFill>
+        </p:spPr>
+        <p:style>
+          <a:lnRef idx="2">
+            <a:schemeClr val="accent1">
+              <a:shade val="50000"/>
+            </a:schemeClr>
+          </a:lnRef>
+          <a:fillRef idx="1">
+            <a:schemeClr val="accent1"/>
+          </a:fillRef>
+          <a:effectRef idx="0">
+            <a:schemeClr val="accent1"/>
+          </a:effectRef>
+          <a:fontRef idx="minor">
+            <a:schemeClr val="lt1"/>
+          </a:fontRef>
+        </p:style>
+        <p:txBody>
+          <a:bodyPr rtlCol="0" anchor="ctr"/>
+          <a:lstStyle/>
+          <a:p>
+            <a:pPr algn="ctr"/>
+            <a:r>
+              <a:rPr lang="en-US" altLang="zh-TW" dirty="0">
+                <a:solidFill>
+                  <a:schemeClr val="tx1"/>
+                </a:solidFill>
+                <a:latin typeface="微軟正黑體" panose="020B0604030504040204" pitchFamily="34" charset="-120"/>
+                <a:ea typeface="微軟正黑體" panose="020B0604030504040204" pitchFamily="34" charset="-120"/>
+              </a:rPr>
+              <a:t>Hash</a:t>
+            </a:r>
+          </a:p>
+          <a:p>
+            <a:pPr algn="ctr"/>
+            <a:r>
+              <a:rPr lang="zh-TW" altLang="en-US" dirty="0">
+                <a:solidFill>
+                  <a:schemeClr val="tx1"/>
+                </a:solidFill>
+                <a:latin typeface="微軟正黑體" panose="020B0604030504040204" pitchFamily="34" charset="-120"/>
+                <a:ea typeface="微軟正黑體" panose="020B0604030504040204" pitchFamily="34" charset="-120"/>
+              </a:rPr>
+              <a:t>訊息</a:t>
+            </a:r>
+          </a:p>
+        </p:txBody>
+      </p:sp>
+      <p:cxnSp>
+        <p:nvCxnSpPr>
+          <p:cNvPr id="63" name="直線單箭頭接點 62">
+            <a:extLst>
+              <a:ext uri="{FF2B5EF4-FFF2-40B4-BE49-F238E27FC236}">
+                <a16:creationId xmlns:a16="http://schemas.microsoft.com/office/drawing/2014/main" id="{04340D2E-572A-4A0F-A027-5B6648B8F9C0}"/>
+              </a:ext>
+            </a:extLst>
+          </p:cNvPr>
+          <p:cNvCxnSpPr>
+            <a:cxnSpLocks/>
+          </p:cNvCxnSpPr>
+          <p:nvPr/>
+        </p:nvCxnSpPr>
+        <p:spPr>
+          <a:xfrm flipV="1">
+            <a:off x="5539782" y="5680535"/>
+            <a:ext cx="750818" cy="5123"/>
+          </a:xfrm>
+          <a:prstGeom prst="straightConnector1">
+            <a:avLst/>
+          </a:prstGeom>
+          <a:ln w="76200">
+            <a:solidFill>
+              <a:srgbClr val="FFC000"/>
+            </a:solidFill>
+            <a:tailEnd type="triangle"/>
+          </a:ln>
+        </p:spPr>
+        <p:style>
+          <a:lnRef idx="1">
+            <a:schemeClr val="accent1"/>
+          </a:lnRef>
+          <a:fillRef idx="0">
+            <a:schemeClr val="accent1"/>
+          </a:fillRef>
+          <a:effectRef idx="0">
+            <a:schemeClr val="accent1"/>
+          </a:effectRef>
+          <a:fontRef idx="minor">
+            <a:schemeClr val="tx1"/>
+          </a:fontRef>
+        </p:style>
+      </p:cxnSp>
+      <p:sp>
+        <p:nvSpPr>
+          <p:cNvPr id="64" name="文字方塊 63">
+            <a:extLst>
+              <a:ext uri="{FF2B5EF4-FFF2-40B4-BE49-F238E27FC236}">
+                <a16:creationId xmlns:a16="http://schemas.microsoft.com/office/drawing/2014/main" id="{752FF04F-928D-43BB-A229-9859AEA59C3F}"/>
+              </a:ext>
+            </a:extLst>
+          </p:cNvPr>
+          <p:cNvSpPr txBox="1"/>
+          <p:nvPr/>
+        </p:nvSpPr>
+        <p:spPr>
+          <a:xfrm>
+            <a:off x="5539327" y="5285457"/>
+            <a:ext cx="734496" cy="369332"/>
+          </a:xfrm>
+          <a:prstGeom prst="rect">
+            <a:avLst/>
+          </a:prstGeom>
+          <a:noFill/>
+        </p:spPr>
+        <p:txBody>
+          <a:bodyPr wrap="none" rtlCol="0">
+            <a:spAutoFit/>
+          </a:bodyPr>
+          <a:lstStyle/>
+          <a:p>
+            <a:r>
+              <a:rPr lang="en-US" altLang="zh-TW" dirty="0">
+                <a:latin typeface="微軟正黑體" panose="020B0604030504040204" pitchFamily="34" charset="-120"/>
+                <a:ea typeface="微軟正黑體" panose="020B0604030504040204" pitchFamily="34" charset="-120"/>
+              </a:rPr>
+              <a:t>Hash</a:t>
+            </a:r>
+            <a:endParaRPr lang="zh-TW" altLang="en-US" dirty="0">
+              <a:latin typeface="微軟正黑體" panose="020B0604030504040204" pitchFamily="34" charset="-120"/>
+              <a:ea typeface="微軟正黑體" panose="020B0604030504040204" pitchFamily="34" charset="-120"/>
+            </a:endParaRPr>
+          </a:p>
+        </p:txBody>
+      </p:sp>
+      <p:sp>
+        <p:nvSpPr>
+          <p:cNvPr id="65" name="矩形 64">
+            <a:extLst>
+              <a:ext uri="{FF2B5EF4-FFF2-40B4-BE49-F238E27FC236}">
+                <a16:creationId xmlns:a16="http://schemas.microsoft.com/office/drawing/2014/main" id="{020C48F1-0203-4EBC-B6C5-05A124854908}"/>
+              </a:ext>
+            </a:extLst>
+          </p:cNvPr>
+          <p:cNvSpPr/>
+          <p:nvPr/>
+        </p:nvSpPr>
+        <p:spPr>
+          <a:xfrm>
+            <a:off x="8002297" y="5368626"/>
+            <a:ext cx="798532" cy="646331"/>
+          </a:xfrm>
+          <a:prstGeom prst="rect">
+            <a:avLst/>
+          </a:prstGeom>
+          <a:solidFill>
+            <a:srgbClr val="FFFF00"/>
+          </a:solidFill>
+        </p:spPr>
+        <p:style>
+          <a:lnRef idx="2">
+            <a:schemeClr val="accent1">
+              <a:shade val="50000"/>
+            </a:schemeClr>
+          </a:lnRef>
+          <a:fillRef idx="1">
+            <a:schemeClr val="accent1"/>
+          </a:fillRef>
+          <a:effectRef idx="0">
+            <a:schemeClr val="accent1"/>
+          </a:effectRef>
+          <a:fontRef idx="minor">
+            <a:schemeClr val="lt1"/>
+          </a:fontRef>
+        </p:style>
+        <p:txBody>
+          <a:bodyPr rtlCol="0" anchor="ctr"/>
+          <a:lstStyle/>
+          <a:p>
+            <a:pPr algn="ctr"/>
+            <a:r>
+              <a:rPr lang="en-US" altLang="zh-TW" dirty="0">
+                <a:solidFill>
+                  <a:schemeClr val="tx1"/>
+                </a:solidFill>
+                <a:latin typeface="微軟正黑體" panose="020B0604030504040204" pitchFamily="34" charset="-120"/>
+                <a:ea typeface="微軟正黑體" panose="020B0604030504040204" pitchFamily="34" charset="-120"/>
+              </a:rPr>
+              <a:t>Hash</a:t>
+            </a:r>
+            <a:r>
+              <a:rPr lang="zh-TW" altLang="en-US" dirty="0">
+                <a:solidFill>
+                  <a:schemeClr val="tx1"/>
+                </a:solidFill>
+                <a:latin typeface="微軟正黑體" panose="020B0604030504040204" pitchFamily="34" charset="-120"/>
+                <a:ea typeface="微軟正黑體" panose="020B0604030504040204" pitchFamily="34" charset="-120"/>
+              </a:rPr>
+              <a:t>訊息</a:t>
+            </a:r>
+          </a:p>
+        </p:txBody>
+      </p:sp>
+      <p:cxnSp>
+        <p:nvCxnSpPr>
+          <p:cNvPr id="66" name="直線單箭頭接點 65">
+            <a:extLst>
+              <a:ext uri="{FF2B5EF4-FFF2-40B4-BE49-F238E27FC236}">
+                <a16:creationId xmlns:a16="http://schemas.microsoft.com/office/drawing/2014/main" id="{75C60534-0332-4779-B837-0636F9C01BAB}"/>
+              </a:ext>
+            </a:extLst>
+          </p:cNvPr>
+          <p:cNvCxnSpPr>
+            <a:cxnSpLocks/>
+          </p:cNvCxnSpPr>
+          <p:nvPr/>
+        </p:nvCxnSpPr>
+        <p:spPr>
+          <a:xfrm flipV="1">
+            <a:off x="6951958" y="5730539"/>
+            <a:ext cx="1087442" cy="1"/>
+          </a:xfrm>
+          <a:prstGeom prst="straightConnector1">
+            <a:avLst/>
+          </a:prstGeom>
+          <a:ln w="76200">
+            <a:solidFill>
+              <a:srgbClr val="FFC000"/>
+            </a:solidFill>
+            <a:headEnd type="triangle" w="med" len="med"/>
+            <a:tailEnd type="triangle" w="med" len="med"/>
+          </a:ln>
+        </p:spPr>
+        <p:style>
+          <a:lnRef idx="1">
+            <a:schemeClr val="accent1"/>
+          </a:lnRef>
+          <a:fillRef idx="0">
+            <a:schemeClr val="accent1"/>
+          </a:fillRef>
+          <a:effectRef idx="0">
+            <a:schemeClr val="accent1"/>
+          </a:effectRef>
+          <a:fontRef idx="minor">
+            <a:schemeClr val="tx1"/>
+          </a:fontRef>
+        </p:style>
+      </p:cxnSp>
+      <p:sp>
+        <p:nvSpPr>
+          <p:cNvPr id="68" name="文字方塊 67">
+            <a:extLst>
+              <a:ext uri="{FF2B5EF4-FFF2-40B4-BE49-F238E27FC236}">
+                <a16:creationId xmlns:a16="http://schemas.microsoft.com/office/drawing/2014/main" id="{62127748-C6BF-49B6-A077-17C265BF508F}"/>
+              </a:ext>
+            </a:extLst>
+          </p:cNvPr>
+          <p:cNvSpPr txBox="1"/>
+          <p:nvPr/>
+        </p:nvSpPr>
+        <p:spPr>
+          <a:xfrm>
+            <a:off x="7121962" y="5301533"/>
+            <a:ext cx="646331" cy="800219"/>
+          </a:xfrm>
+          <a:prstGeom prst="rect">
+            <a:avLst/>
+          </a:prstGeom>
+          <a:noFill/>
+        </p:spPr>
+        <p:txBody>
+          <a:bodyPr wrap="none" rtlCol="0">
+            <a:spAutoFit/>
+          </a:bodyPr>
+          <a:lstStyle/>
+          <a:p>
+            <a:r>
+              <a:rPr lang="zh-TW" altLang="en-US" dirty="0">
+                <a:latin typeface="微軟正黑體" panose="020B0604030504040204" pitchFamily="34" charset="-120"/>
+                <a:ea typeface="微軟正黑體" panose="020B0604030504040204" pitchFamily="34" charset="-120"/>
+              </a:rPr>
+              <a:t>比對</a:t>
+            </a:r>
+            <a:endParaRPr lang="en-US" altLang="zh-TW" dirty="0">
+              <a:latin typeface="微軟正黑體" panose="020B0604030504040204" pitchFamily="34" charset="-120"/>
+              <a:ea typeface="微軟正黑體" panose="020B0604030504040204" pitchFamily="34" charset="-120"/>
+            </a:endParaRPr>
+          </a:p>
+          <a:p>
+            <a:endParaRPr lang="en-US" altLang="zh-TW" sz="1000" dirty="0">
+              <a:latin typeface="微軟正黑體" panose="020B0604030504040204" pitchFamily="34" charset="-120"/>
+              <a:ea typeface="微軟正黑體" panose="020B0604030504040204" pitchFamily="34" charset="-120"/>
+            </a:endParaRPr>
+          </a:p>
+          <a:p>
+            <a:r>
+              <a:rPr lang="zh-TW" altLang="en-US" dirty="0">
+                <a:latin typeface="微軟正黑體" panose="020B0604030504040204" pitchFamily="34" charset="-120"/>
+                <a:ea typeface="微軟正黑體" panose="020B0604030504040204" pitchFamily="34" charset="-120"/>
+              </a:rPr>
+              <a:t>結果</a:t>
+            </a:r>
+          </a:p>
+        </p:txBody>
+      </p:sp>
     </p:spTree>
     <p:extLst>
       <p:ext uri="{BB962C8B-B14F-4D97-AF65-F5344CB8AC3E}">
-        <p14:creationId xmlns:p14="http://schemas.microsoft.com/office/powerpoint/2010/main" val="1983479516"/>
+        <p14:creationId xmlns:p14="http://schemas.microsoft.com/office/powerpoint/2010/main" val="1767052522"/>
       </p:ext>
     </p:extLst>
   </p:cSld>
@@ -6320,7 +8457,7 @@
           <p:cNvPr id="2" name="日期版面配置區 1">
             <a:extLst>
               <a:ext uri="{FF2B5EF4-FFF2-40B4-BE49-F238E27FC236}">
-                <a16:creationId xmlns:a16="http://schemas.microsoft.com/office/drawing/2014/main" id="{0D709422-3E55-4FAB-A860-4B85089985FD}"/>
+                <a16:creationId xmlns:a16="http://schemas.microsoft.com/office/drawing/2014/main" id="{01D114AD-EEEE-4BDB-B543-C6489AA5BF9A}"/>
               </a:ext>
             </a:extLst>
           </p:cNvPr>
@@ -6338,6 +8475,7 @@
           <a:p>
             <a:fld id="{FC17B66F-C697-4C80-BD72-B3BAB8A0AD6D}" type="datetime1">
               <a:rPr lang="zh-TW" altLang="en-US" smtClean="0"/>
+              <a:pPr/>
               <a:t>2019/7/13</a:t>
             </a:fld>
             <a:endParaRPr lang="zh-TW" altLang="en-US" dirty="0"/>
@@ -6349,7 +8487,7 @@
           <p:cNvPr id="3" name="投影片編號版面配置區 2">
             <a:extLst>
               <a:ext uri="{FF2B5EF4-FFF2-40B4-BE49-F238E27FC236}">
-                <a16:creationId xmlns:a16="http://schemas.microsoft.com/office/drawing/2014/main" id="{832E9F48-B293-455F-937B-EC56F369C183}"/>
+                <a16:creationId xmlns:a16="http://schemas.microsoft.com/office/drawing/2014/main" id="{3EC4EDB2-A60D-4FD0-910B-D01783F71324}"/>
               </a:ext>
             </a:extLst>
           </p:cNvPr>
@@ -6379,7 +8517,7 @@
           <p:cNvPr id="4" name="文字方塊 3">
             <a:extLst>
               <a:ext uri="{FF2B5EF4-FFF2-40B4-BE49-F238E27FC236}">
-                <a16:creationId xmlns:a16="http://schemas.microsoft.com/office/drawing/2014/main" id="{4E4938D5-DB6A-4E49-8EB7-7401C16E73E2}"/>
+                <a16:creationId xmlns:a16="http://schemas.microsoft.com/office/drawing/2014/main" id="{994364B0-BBDF-440D-9A7A-1431E4B1993A}"/>
               </a:ext>
             </a:extLst>
           </p:cNvPr>
@@ -6388,8 +8526,8 @@
         </p:nvSpPr>
         <p:spPr>
           <a:xfrm>
-            <a:off x="969479" y="1902181"/>
-            <a:ext cx="7534691" cy="2862322"/>
+            <a:off x="596347" y="450574"/>
+            <a:ext cx="3877985" cy="646331"/>
           </a:xfrm>
           <a:prstGeom prst="rect">
             <a:avLst/>
@@ -6403,246 +8541,140 @@
           <a:lstStyle/>
           <a:p>
             <a:r>
-              <a:rPr lang="zh-TW" altLang="en-US" sz="2400" dirty="0">
-                <a:latin typeface="微軟正黑體" panose="020B0604030504040204" pitchFamily="34" charset="-120"/>
-                <a:ea typeface="微軟正黑體" panose="020B0604030504040204" pitchFamily="34" charset="-120"/>
-              </a:rPr>
-              <a:t>比特幣具有總量有限，</a:t>
-            </a:r>
-            <a:endParaRPr lang="en-US" altLang="zh-TW" sz="2400" dirty="0">
+              <a:rPr lang="zh-TW" altLang="en-US" sz="3600" dirty="0">
+                <a:latin typeface="微軟正黑體" panose="020B0604030504040204" pitchFamily="34" charset="-120"/>
+                <a:ea typeface="微軟正黑體" panose="020B0604030504040204" pitchFamily="34" charset="-120"/>
+              </a:rPr>
+              <a:t>難度係數調整公式</a:t>
+            </a:r>
+          </a:p>
+        </p:txBody>
+      </p:sp>
+      <p:sp>
+        <p:nvSpPr>
+          <p:cNvPr id="5" name="文字方塊 4">
+            <a:extLst>
+              <a:ext uri="{FF2B5EF4-FFF2-40B4-BE49-F238E27FC236}">
+                <a16:creationId xmlns:a16="http://schemas.microsoft.com/office/drawing/2014/main" id="{E8DA9F76-D69C-4ED7-B10B-BCF4699A73D4}"/>
+              </a:ext>
+            </a:extLst>
+          </p:cNvPr>
+          <p:cNvSpPr txBox="1"/>
+          <p:nvPr/>
+        </p:nvSpPr>
+        <p:spPr>
+          <a:xfrm>
+            <a:off x="790825" y="1325217"/>
+            <a:ext cx="6795450" cy="1754326"/>
+          </a:xfrm>
+          <a:prstGeom prst="rect">
+            <a:avLst/>
+          </a:prstGeom>
+          <a:noFill/>
+        </p:spPr>
+        <p:txBody>
+          <a:bodyPr wrap="none" rtlCol="0">
+            <a:spAutoFit/>
+          </a:bodyPr>
+          <a:lstStyle/>
+          <a:p>
+            <a:r>
+              <a:rPr lang="zh-TW" altLang="en-US" sz="3600" dirty="0">
+                <a:latin typeface="微軟正黑體" panose="020B0604030504040204" pitchFamily="34" charset="-120"/>
+                <a:ea typeface="微軟正黑體" panose="020B0604030504040204" pitchFamily="34" charset="-120"/>
+              </a:rPr>
+              <a:t>每</a:t>
+            </a:r>
+            <a:r>
+              <a:rPr lang="en-US" altLang="zh-TW" sz="3600" dirty="0">
+                <a:latin typeface="微軟正黑體" panose="020B0604030504040204" pitchFamily="34" charset="-120"/>
+                <a:ea typeface="微軟正黑體" panose="020B0604030504040204" pitchFamily="34" charset="-120"/>
+              </a:rPr>
+              <a:t>10</a:t>
+            </a:r>
+            <a:r>
+              <a:rPr lang="zh-TW" altLang="en-US" sz="3600" dirty="0">
+                <a:latin typeface="微軟正黑體" panose="020B0604030504040204" pitchFamily="34" charset="-120"/>
+                <a:ea typeface="微軟正黑體" panose="020B0604030504040204" pitchFamily="34" charset="-120"/>
+              </a:rPr>
+              <a:t>分鐘出塊一次，</a:t>
+            </a:r>
+            <a:endParaRPr lang="en-US" altLang="zh-TW" sz="3600" dirty="0">
               <a:latin typeface="微軟正黑體" panose="020B0604030504040204" pitchFamily="34" charset="-120"/>
               <a:ea typeface="微軟正黑體" panose="020B0604030504040204" pitchFamily="34" charset="-120"/>
             </a:endParaRPr>
           </a:p>
           <a:p>
             <a:r>
-              <a:rPr lang="zh-TW" altLang="en-US" sz="2400" dirty="0">
-                <a:latin typeface="微軟正黑體" panose="020B0604030504040204" pitchFamily="34" charset="-120"/>
-                <a:ea typeface="微軟正黑體" panose="020B0604030504040204" pitchFamily="34" charset="-120"/>
-              </a:rPr>
-              <a:t>前</a:t>
-            </a:r>
-            <a:r>
-              <a:rPr lang="en-US" altLang="zh-TW" sz="2400" dirty="0">
-                <a:latin typeface="微軟正黑體" panose="020B0604030504040204" pitchFamily="34" charset="-120"/>
-                <a:ea typeface="微軟正黑體" panose="020B0604030504040204" pitchFamily="34" charset="-120"/>
-              </a:rPr>
-              <a:t>4</a:t>
-            </a:r>
-            <a:r>
-              <a:rPr lang="zh-TW" altLang="en-US" sz="2400" dirty="0">
-                <a:latin typeface="微軟正黑體" panose="020B0604030504040204" pitchFamily="34" charset="-120"/>
-                <a:ea typeface="微軟正黑體" panose="020B0604030504040204" pitchFamily="34" charset="-120"/>
-              </a:rPr>
-              <a:t>年總額將產生</a:t>
-            </a:r>
-            <a:r>
-              <a:rPr lang="en-US" altLang="zh-TW" sz="2400" dirty="0">
-                <a:latin typeface="微軟正黑體" panose="020B0604030504040204" pitchFamily="34" charset="-120"/>
-                <a:ea typeface="微軟正黑體" panose="020B0604030504040204" pitchFamily="34" charset="-120"/>
-              </a:rPr>
-              <a:t>10500000BTC</a:t>
-            </a:r>
-            <a:r>
-              <a:rPr lang="zh-TW" altLang="en-US" sz="2400" dirty="0">
-                <a:latin typeface="微軟正黑體" panose="020B0604030504040204" pitchFamily="34" charset="-120"/>
-                <a:ea typeface="微軟正黑體" panose="020B0604030504040204" pitchFamily="34" charset="-120"/>
-              </a:rPr>
-              <a:t>，</a:t>
-            </a:r>
-            <a:endParaRPr lang="en-US" altLang="zh-TW" sz="2400" dirty="0">
+              <a:rPr lang="zh-TW" altLang="en-US" sz="3600" dirty="0">
+                <a:latin typeface="微軟正黑體" panose="020B0604030504040204" pitchFamily="34" charset="-120"/>
+                <a:ea typeface="微軟正黑體" panose="020B0604030504040204" pitchFamily="34" charset="-120"/>
+              </a:rPr>
+              <a:t>每</a:t>
+            </a:r>
+            <a:r>
+              <a:rPr lang="en-US" altLang="zh-TW" sz="3600" dirty="0">
+                <a:latin typeface="微軟正黑體" panose="020B0604030504040204" pitchFamily="34" charset="-120"/>
+                <a:ea typeface="微軟正黑體" panose="020B0604030504040204" pitchFamily="34" charset="-120"/>
+              </a:rPr>
+              <a:t>2016</a:t>
+            </a:r>
+            <a:r>
+              <a:rPr lang="zh-TW" altLang="en-US" sz="3600" dirty="0">
+                <a:latin typeface="微軟正黑體" panose="020B0604030504040204" pitchFamily="34" charset="-120"/>
+                <a:ea typeface="微軟正黑體" panose="020B0604030504040204" pitchFamily="34" charset="-120"/>
+              </a:rPr>
+              <a:t>個區塊調整難度係數一次</a:t>
+            </a:r>
+            <a:endParaRPr lang="en-US" altLang="zh-TW" sz="3600" dirty="0">
               <a:latin typeface="微軟正黑體" panose="020B0604030504040204" pitchFamily="34" charset="-120"/>
               <a:ea typeface="微軟正黑體" panose="020B0604030504040204" pitchFamily="34" charset="-120"/>
             </a:endParaRPr>
           </a:p>
           <a:p>
-            <a:r>
-              <a:rPr lang="zh-TW" altLang="en-US" sz="2400" dirty="0">
-                <a:latin typeface="微軟正黑體" panose="020B0604030504040204" pitchFamily="34" charset="-120"/>
-                <a:ea typeface="微軟正黑體" panose="020B0604030504040204" pitchFamily="34" charset="-120"/>
-              </a:rPr>
-              <a:t>每隔</a:t>
-            </a:r>
-            <a:r>
-              <a:rPr lang="en-US" altLang="zh-TW" sz="2400" dirty="0">
-                <a:latin typeface="微軟正黑體" panose="020B0604030504040204" pitchFamily="34" charset="-120"/>
-                <a:ea typeface="微軟正黑體" panose="020B0604030504040204" pitchFamily="34" charset="-120"/>
-              </a:rPr>
-              <a:t>4</a:t>
-            </a:r>
-            <a:r>
-              <a:rPr lang="zh-TW" altLang="en-US" sz="2400" dirty="0">
-                <a:latin typeface="微軟正黑體" panose="020B0604030504040204" pitchFamily="34" charset="-120"/>
-                <a:ea typeface="微軟正黑體" panose="020B0604030504040204" pitchFamily="34" charset="-120"/>
-              </a:rPr>
-              <a:t>年產出數額減半，</a:t>
-            </a:r>
-            <a:endParaRPr lang="en-US" altLang="zh-TW" sz="2400" dirty="0">
+            <a:endParaRPr lang="zh-TW" altLang="en-US" sz="3600" dirty="0">
               <a:latin typeface="微軟正黑體" panose="020B0604030504040204" pitchFamily="34" charset="-120"/>
               <a:ea typeface="微軟正黑體" panose="020B0604030504040204" pitchFamily="34" charset="-120"/>
             </a:endParaRPr>
           </a:p>
-          <a:p>
-            <a:r>
-              <a:rPr lang="zh-TW" altLang="en-US" sz="2400" dirty="0">
-                <a:latin typeface="微軟正黑體" panose="020B0604030504040204" pitchFamily="34" charset="-120"/>
-                <a:ea typeface="微軟正黑體" panose="020B0604030504040204" pitchFamily="34" charset="-120"/>
-              </a:rPr>
-              <a:t>在第</a:t>
-            </a:r>
-            <a:r>
-              <a:rPr lang="en-US" altLang="zh-TW" sz="2400" dirty="0">
-                <a:latin typeface="微軟正黑體" panose="020B0604030504040204" pitchFamily="34" charset="-120"/>
-                <a:ea typeface="微軟正黑體" panose="020B0604030504040204" pitchFamily="34" charset="-120"/>
-              </a:rPr>
-              <a:t>4</a:t>
-            </a:r>
-            <a:r>
-              <a:rPr lang="zh-TW" altLang="en-US" sz="2400" dirty="0">
-                <a:latin typeface="微軟正黑體" panose="020B0604030504040204" pitchFamily="34" charset="-120"/>
-                <a:ea typeface="微軟正黑體" panose="020B0604030504040204" pitchFamily="34" charset="-120"/>
-              </a:rPr>
-              <a:t>年至第</a:t>
-            </a:r>
-            <a:r>
-              <a:rPr lang="en-US" altLang="zh-TW" sz="2400" dirty="0">
-                <a:latin typeface="微軟正黑體" panose="020B0604030504040204" pitchFamily="34" charset="-120"/>
-                <a:ea typeface="微軟正黑體" panose="020B0604030504040204" pitchFamily="34" charset="-120"/>
-              </a:rPr>
-              <a:t>8</a:t>
-            </a:r>
-            <a:r>
-              <a:rPr lang="zh-TW" altLang="en-US" sz="2400" dirty="0">
-                <a:latin typeface="微軟正黑體" panose="020B0604030504040204" pitchFamily="34" charset="-120"/>
-                <a:ea typeface="微軟正黑體" panose="020B0604030504040204" pitchFamily="34" charset="-120"/>
-              </a:rPr>
-              <a:t>年會產生</a:t>
-            </a:r>
-            <a:r>
-              <a:rPr lang="en-US" altLang="zh-TW" sz="2400" dirty="0">
-                <a:latin typeface="微軟正黑體" panose="020B0604030504040204" pitchFamily="34" charset="-120"/>
-                <a:ea typeface="微軟正黑體" panose="020B0604030504040204" pitchFamily="34" charset="-120"/>
-              </a:rPr>
-              <a:t>5250000BTC</a:t>
-            </a:r>
-            <a:r>
-              <a:rPr lang="zh-TW" altLang="en-US" sz="2400" dirty="0">
-                <a:latin typeface="微軟正黑體" panose="020B0604030504040204" pitchFamily="34" charset="-120"/>
-                <a:ea typeface="微軟正黑體" panose="020B0604030504040204" pitchFamily="34" charset="-120"/>
-              </a:rPr>
-              <a:t>，</a:t>
-            </a:r>
-            <a:endParaRPr lang="en-US" altLang="zh-TW" sz="2400" dirty="0">
-              <a:latin typeface="微軟正黑體" panose="020B0604030504040204" pitchFamily="34" charset="-120"/>
-              <a:ea typeface="微軟正黑體" panose="020B0604030504040204" pitchFamily="34" charset="-120"/>
-            </a:endParaRPr>
-          </a:p>
-          <a:p>
-            <a:r>
-              <a:rPr lang="zh-TW" altLang="en-US" sz="2400" dirty="0">
-                <a:latin typeface="微軟正黑體" panose="020B0604030504040204" pitchFamily="34" charset="-120"/>
-                <a:ea typeface="微軟正黑體" panose="020B0604030504040204" pitchFamily="34" charset="-120"/>
-              </a:rPr>
-              <a:t>第</a:t>
-            </a:r>
-            <a:r>
-              <a:rPr lang="en-US" altLang="zh-TW" sz="2400" dirty="0">
-                <a:latin typeface="微軟正黑體" panose="020B0604030504040204" pitchFamily="34" charset="-120"/>
-                <a:ea typeface="微軟正黑體" panose="020B0604030504040204" pitchFamily="34" charset="-120"/>
-              </a:rPr>
-              <a:t>8</a:t>
-            </a:r>
-            <a:r>
-              <a:rPr lang="zh-TW" altLang="en-US" sz="2400" dirty="0">
-                <a:latin typeface="微軟正黑體" panose="020B0604030504040204" pitchFamily="34" charset="-120"/>
-                <a:ea typeface="微軟正黑體" panose="020B0604030504040204" pitchFamily="34" charset="-120"/>
-              </a:rPr>
-              <a:t>至</a:t>
-            </a:r>
-            <a:r>
-              <a:rPr lang="en-US" altLang="zh-TW" sz="2400" dirty="0">
-                <a:latin typeface="微軟正黑體" panose="020B0604030504040204" pitchFamily="34" charset="-120"/>
-                <a:ea typeface="微軟正黑體" panose="020B0604030504040204" pitchFamily="34" charset="-120"/>
-              </a:rPr>
-              <a:t>12</a:t>
-            </a:r>
-            <a:r>
-              <a:rPr lang="zh-TW" altLang="en-US" sz="2400" dirty="0">
-                <a:latin typeface="微軟正黑體" panose="020B0604030504040204" pitchFamily="34" charset="-120"/>
-                <a:ea typeface="微軟正黑體" panose="020B0604030504040204" pitchFamily="34" charset="-120"/>
-              </a:rPr>
-              <a:t>年則只有</a:t>
-            </a:r>
-            <a:r>
-              <a:rPr lang="en-US" altLang="zh-TW" sz="2400" dirty="0">
-                <a:latin typeface="微軟正黑體" panose="020B0604030504040204" pitchFamily="34" charset="-120"/>
-                <a:ea typeface="微軟正黑體" panose="020B0604030504040204" pitchFamily="34" charset="-120"/>
-              </a:rPr>
-              <a:t>2625000BTC</a:t>
-            </a:r>
-            <a:r>
-              <a:rPr lang="zh-TW" altLang="en-US" sz="2400" dirty="0">
-                <a:latin typeface="微軟正黑體" panose="020B0604030504040204" pitchFamily="34" charset="-120"/>
-                <a:ea typeface="微軟正黑體" panose="020B0604030504040204" pitchFamily="34" charset="-120"/>
-              </a:rPr>
-              <a:t>，如此類推。</a:t>
-            </a:r>
-            <a:endParaRPr lang="en-US" altLang="zh-TW" sz="2400" dirty="0">
-              <a:latin typeface="微軟正黑體" panose="020B0604030504040204" pitchFamily="34" charset="-120"/>
-              <a:ea typeface="微軟正黑體" panose="020B0604030504040204" pitchFamily="34" charset="-120"/>
-            </a:endParaRPr>
-          </a:p>
-          <a:p>
-            <a:r>
-              <a:rPr lang="zh-TW" altLang="en-US" sz="2400" dirty="0">
-                <a:latin typeface="微軟正黑體" panose="020B0604030504040204" pitchFamily="34" charset="-120"/>
-                <a:ea typeface="微軟正黑體" panose="020B0604030504040204" pitchFamily="34" charset="-120"/>
-              </a:rPr>
-              <a:t>到最後，</a:t>
-            </a:r>
-            <a:endParaRPr lang="en-US" altLang="zh-TW" sz="2400" dirty="0">
-              <a:latin typeface="微軟正黑體" panose="020B0604030504040204" pitchFamily="34" charset="-120"/>
-              <a:ea typeface="微軟正黑體" panose="020B0604030504040204" pitchFamily="34" charset="-120"/>
-            </a:endParaRPr>
-          </a:p>
-          <a:p>
-            <a:r>
-              <a:rPr lang="zh-TW" altLang="en-US" sz="2400" dirty="0">
-                <a:latin typeface="微軟正黑體" panose="020B0604030504040204" pitchFamily="34" charset="-120"/>
-                <a:ea typeface="微軟正黑體" panose="020B0604030504040204" pitchFamily="34" charset="-120"/>
-              </a:rPr>
-              <a:t>總共產生的比特幣數量為接近</a:t>
-            </a:r>
-            <a:r>
-              <a:rPr lang="en-US" altLang="zh-TW" sz="3600" b="1" dirty="0">
-                <a:solidFill>
-                  <a:srgbClr val="FF0000"/>
-                </a:solidFill>
-                <a:latin typeface="微軟正黑體" panose="020B0604030504040204" pitchFamily="34" charset="-120"/>
-                <a:ea typeface="微軟正黑體" panose="020B0604030504040204" pitchFamily="34" charset="-120"/>
-              </a:rPr>
-              <a:t>21000000BTC</a:t>
-            </a:r>
-            <a:r>
-              <a:rPr lang="zh-TW" altLang="en-US" sz="2400" b="1" dirty="0">
-                <a:latin typeface="微軟正黑體" panose="020B0604030504040204" pitchFamily="34" charset="-120"/>
-                <a:ea typeface="微軟正黑體" panose="020B0604030504040204" pitchFamily="34" charset="-120"/>
-              </a:rPr>
-              <a:t>。</a:t>
-            </a:r>
-            <a:endParaRPr lang="zh-TW" altLang="en-US" sz="2400" dirty="0">
-              <a:latin typeface="微軟正黑體" panose="020B0604030504040204" pitchFamily="34" charset="-120"/>
-              <a:ea typeface="微軟正黑體" panose="020B0604030504040204" pitchFamily="34" charset="-120"/>
-            </a:endParaRPr>
-          </a:p>
-        </p:txBody>
-      </p:sp>
-      <p:sp>
-        <p:nvSpPr>
-          <p:cNvPr id="5" name="文字方塊 4">
-            <a:extLst>
-              <a:ext uri="{FF2B5EF4-FFF2-40B4-BE49-F238E27FC236}">
-                <a16:creationId xmlns:a16="http://schemas.microsoft.com/office/drawing/2014/main" id="{2226A3CB-12B5-4528-ACA4-4FAF6BCD3524}"/>
+        </p:txBody>
+      </p:sp>
+      <p:pic>
+        <p:nvPicPr>
+          <p:cNvPr id="6" name="圖片 5">
+            <a:extLst>
+              <a:ext uri="{FF2B5EF4-FFF2-40B4-BE49-F238E27FC236}">
+                <a16:creationId xmlns:a16="http://schemas.microsoft.com/office/drawing/2014/main" id="{A21A97DD-EE71-4F55-94B6-7C3C6EAD920D}"/>
+              </a:ext>
+            </a:extLst>
+          </p:cNvPr>
+          <p:cNvPicPr>
+            <a:picLocks noChangeAspect="1"/>
+          </p:cNvPicPr>
+          <p:nvPr/>
+        </p:nvPicPr>
+        <p:blipFill>
+          <a:blip r:embed="rId2"/>
+          <a:stretch>
+            <a:fillRect/>
+          </a:stretch>
+        </p:blipFill>
+        <p:spPr>
+          <a:xfrm>
+            <a:off x="596347" y="2828835"/>
+            <a:ext cx="7917961" cy="1200329"/>
+          </a:xfrm>
+          <a:prstGeom prst="rect">
+            <a:avLst/>
+          </a:prstGeom>
+        </p:spPr>
+      </p:pic>
+      <p:sp>
+        <p:nvSpPr>
+          <p:cNvPr id="7" name="文字方塊 6">
+            <a:extLst>
+              <a:ext uri="{FF2B5EF4-FFF2-40B4-BE49-F238E27FC236}">
+                <a16:creationId xmlns:a16="http://schemas.microsoft.com/office/drawing/2014/main" id="{6E50B396-30BC-486F-9D40-C08EBA36BE3E}"/>
               </a:ext>
             </a:extLst>
           </p:cNvPr>
@@ -6651,8 +8683,8 @@
         </p:nvSpPr>
         <p:spPr>
           <a:xfrm>
-            <a:off x="699399" y="583095"/>
-            <a:ext cx="3877985" cy="646331"/>
+            <a:off x="943110" y="4400333"/>
+            <a:ext cx="6643165" cy="584775"/>
           </a:xfrm>
           <a:prstGeom prst="rect">
             <a:avLst/>
@@ -6666,19 +8698,84 @@
           <a:lstStyle/>
           <a:p>
             <a:r>
-              <a:rPr lang="zh-TW" altLang="en-US" sz="3600" dirty="0">
-                <a:latin typeface="微軟正黑體" panose="020B0604030504040204" pitchFamily="34" charset="-120"/>
-                <a:ea typeface="微軟正黑體" panose="020B0604030504040204" pitchFamily="34" charset="-120"/>
-              </a:rPr>
-              <a:t>比特幣為通貨緊縮</a:t>
-            </a:r>
-          </a:p>
-        </p:txBody>
-      </p:sp>
+              <a:rPr lang="zh-TW" altLang="en-US" sz="3200" dirty="0">
+                <a:latin typeface="微軟正黑體" panose="020B0604030504040204" pitchFamily="34" charset="-120"/>
+                <a:ea typeface="微軟正黑體" panose="020B0604030504040204" pitchFamily="34" charset="-120"/>
+              </a:rPr>
+              <a:t>比特幣的交易速度 </a:t>
+            </a:r>
+            <a:r>
+              <a:rPr lang="en-US" altLang="zh-TW" sz="3200" dirty="0">
+                <a:latin typeface="微軟正黑體" panose="020B0604030504040204" pitchFamily="34" charset="-120"/>
+                <a:ea typeface="微軟正黑體" panose="020B0604030504040204" pitchFamily="34" charset="-120"/>
+              </a:rPr>
+              <a:t>= 7 tps(</a:t>
+            </a:r>
+            <a:r>
+              <a:rPr lang="zh-TW" altLang="en-US" sz="3200" dirty="0">
+                <a:latin typeface="微軟正黑體" panose="020B0604030504040204" pitchFamily="34" charset="-120"/>
+                <a:ea typeface="微軟正黑體" panose="020B0604030504040204" pitchFamily="34" charset="-120"/>
+              </a:rPr>
+              <a:t>每秒</a:t>
+            </a:r>
+            <a:r>
+              <a:rPr lang="en-US" altLang="zh-TW" sz="3200" dirty="0">
+                <a:latin typeface="微軟正黑體" panose="020B0604030504040204" pitchFamily="34" charset="-120"/>
+                <a:ea typeface="微軟正黑體" panose="020B0604030504040204" pitchFamily="34" charset="-120"/>
+              </a:rPr>
+              <a:t>7</a:t>
+            </a:r>
+            <a:r>
+              <a:rPr lang="zh-TW" altLang="en-US" sz="3200" dirty="0">
+                <a:latin typeface="微軟正黑體" panose="020B0604030504040204" pitchFamily="34" charset="-120"/>
+                <a:ea typeface="微軟正黑體" panose="020B0604030504040204" pitchFamily="34" charset="-120"/>
+              </a:rPr>
+              <a:t>筆</a:t>
+            </a:r>
+            <a:r>
+              <a:rPr lang="en-US" altLang="zh-TW" sz="3200" dirty="0">
+                <a:latin typeface="微軟正黑體" panose="020B0604030504040204" pitchFamily="34" charset="-120"/>
+                <a:ea typeface="微軟正黑體" panose="020B0604030504040204" pitchFamily="34" charset="-120"/>
+              </a:rPr>
+              <a:t>)</a:t>
+            </a:r>
+          </a:p>
+        </p:txBody>
+      </p:sp>
+      <p:pic>
+        <p:nvPicPr>
+          <p:cNvPr id="12" name="圖片 11">
+            <a:extLst>
+              <a:ext uri="{FF2B5EF4-FFF2-40B4-BE49-F238E27FC236}">
+                <a16:creationId xmlns:a16="http://schemas.microsoft.com/office/drawing/2014/main" id="{C00EA054-1F47-4635-906F-A4B95E314715}"/>
+              </a:ext>
+            </a:extLst>
+          </p:cNvPr>
+          <p:cNvPicPr>
+            <a:picLocks noChangeAspect="1"/>
+          </p:cNvPicPr>
+          <p:nvPr/>
+        </p:nvPicPr>
+        <p:blipFill>
+          <a:blip r:embed="rId3"/>
+          <a:stretch>
+            <a:fillRect/>
+          </a:stretch>
+        </p:blipFill>
+        <p:spPr>
+          <a:xfrm>
+            <a:off x="140909" y="5356277"/>
+            <a:ext cx="8764966" cy="498954"/>
+          </a:xfrm>
+          <a:prstGeom prst="rect">
+            <a:avLst/>
+          </a:prstGeom>
+        </p:spPr>
+      </p:pic>
     </p:spTree>
     <p:extLst>
       <p:ext uri="{BB962C8B-B14F-4D97-AF65-F5344CB8AC3E}">
-        <p14:creationId xmlns:p14="http://schemas.microsoft.com/office/powerpoint/2010/main" val="1388552465"/>
+        <p14:creationId xmlns:p14="http://schemas.microsoft.com/office/powerpoint/2010/main" val="1983479516"/>
       </p:ext>
     </p:extLst>
   </p:cSld>
@@ -7100,7 +9197,7 @@
           <p:cNvPr id="2" name="日期版面配置區 1">
             <a:extLst>
               <a:ext uri="{FF2B5EF4-FFF2-40B4-BE49-F238E27FC236}">
-                <a16:creationId xmlns:a16="http://schemas.microsoft.com/office/drawing/2014/main" id="{9DC0465C-D80B-4FE1-B408-55413FDD6E79}"/>
+                <a16:creationId xmlns:a16="http://schemas.microsoft.com/office/drawing/2014/main" id="{0D709422-3E55-4FAB-A860-4B85089985FD}"/>
               </a:ext>
             </a:extLst>
           </p:cNvPr>
@@ -7129,7 +9226,7 @@
           <p:cNvPr id="3" name="投影片編號版面配置區 2">
             <a:extLst>
               <a:ext uri="{FF2B5EF4-FFF2-40B4-BE49-F238E27FC236}">
-                <a16:creationId xmlns:a16="http://schemas.microsoft.com/office/drawing/2014/main" id="{F64BECB2-73EA-472A-9764-2AE7FE546356}"/>
+                <a16:creationId xmlns:a16="http://schemas.microsoft.com/office/drawing/2014/main" id="{832E9F48-B293-455F-937B-EC56F369C183}"/>
               </a:ext>
             </a:extLst>
           </p:cNvPr>
@@ -7159,7 +9256,7 @@
           <p:cNvPr id="4" name="文字方塊 3">
             <a:extLst>
               <a:ext uri="{FF2B5EF4-FFF2-40B4-BE49-F238E27FC236}">
-                <a16:creationId xmlns:a16="http://schemas.microsoft.com/office/drawing/2014/main" id="{2395C096-F00F-44F1-9817-2044C811AB3B}"/>
+                <a16:creationId xmlns:a16="http://schemas.microsoft.com/office/drawing/2014/main" id="{4E4938D5-DB6A-4E49-8EB7-7401C16E73E2}"/>
               </a:ext>
             </a:extLst>
           </p:cNvPr>
@@ -7168,8 +9265,8 @@
         </p:nvSpPr>
         <p:spPr>
           <a:xfrm>
-            <a:off x="682615" y="357809"/>
-            <a:ext cx="3416320" cy="646331"/>
+            <a:off x="969479" y="1902181"/>
+            <a:ext cx="7534691" cy="2862322"/>
           </a:xfrm>
           <a:prstGeom prst="rect">
             <a:avLst/>
@@ -7183,12 +9280,237 @@
           <a:lstStyle/>
           <a:p>
             <a:r>
-              <a:rPr lang="zh-TW" altLang="en-US" sz="3600" dirty="0">
-                <a:latin typeface="微軟正黑體" panose="020B0604030504040204" pitchFamily="34" charset="-120"/>
-                <a:ea typeface="微軟正黑體" panose="020B0604030504040204" pitchFamily="34" charset="-120"/>
-              </a:rPr>
-              <a:t>比特幣如何產生</a:t>
-            </a:r>
+              <a:rPr lang="zh-TW" altLang="en-US" sz="2400" dirty="0">
+                <a:latin typeface="微軟正黑體" panose="020B0604030504040204" pitchFamily="34" charset="-120"/>
+                <a:ea typeface="微軟正黑體" panose="020B0604030504040204" pitchFamily="34" charset="-120"/>
+              </a:rPr>
+              <a:t>比特幣具有總量有限，</a:t>
+            </a:r>
+            <a:endParaRPr lang="en-US" altLang="zh-TW" sz="2400" dirty="0">
+              <a:latin typeface="微軟正黑體" panose="020B0604030504040204" pitchFamily="34" charset="-120"/>
+              <a:ea typeface="微軟正黑體" panose="020B0604030504040204" pitchFamily="34" charset="-120"/>
+            </a:endParaRPr>
+          </a:p>
+          <a:p>
+            <a:r>
+              <a:rPr lang="zh-TW" altLang="en-US" sz="2400" dirty="0">
+                <a:latin typeface="微軟正黑體" panose="020B0604030504040204" pitchFamily="34" charset="-120"/>
+                <a:ea typeface="微軟正黑體" panose="020B0604030504040204" pitchFamily="34" charset="-120"/>
+              </a:rPr>
+              <a:t>前</a:t>
+            </a:r>
+            <a:r>
+              <a:rPr lang="en-US" altLang="zh-TW" sz="2400" dirty="0">
+                <a:latin typeface="微軟正黑體" panose="020B0604030504040204" pitchFamily="34" charset="-120"/>
+                <a:ea typeface="微軟正黑體" panose="020B0604030504040204" pitchFamily="34" charset="-120"/>
+              </a:rPr>
+              <a:t>4</a:t>
+            </a:r>
+            <a:r>
+              <a:rPr lang="zh-TW" altLang="en-US" sz="2400" dirty="0">
+                <a:latin typeface="微軟正黑體" panose="020B0604030504040204" pitchFamily="34" charset="-120"/>
+                <a:ea typeface="微軟正黑體" panose="020B0604030504040204" pitchFamily="34" charset="-120"/>
+              </a:rPr>
+              <a:t>年總額將產生</a:t>
+            </a:r>
+            <a:r>
+              <a:rPr lang="en-US" altLang="zh-TW" sz="2400" dirty="0">
+                <a:latin typeface="微軟正黑體" panose="020B0604030504040204" pitchFamily="34" charset="-120"/>
+                <a:ea typeface="微軟正黑體" panose="020B0604030504040204" pitchFamily="34" charset="-120"/>
+              </a:rPr>
+              <a:t>10500000BTC</a:t>
+            </a:r>
+            <a:r>
+              <a:rPr lang="zh-TW" altLang="en-US" sz="2400" dirty="0">
+                <a:latin typeface="微軟正黑體" panose="020B0604030504040204" pitchFamily="34" charset="-120"/>
+                <a:ea typeface="微軟正黑體" panose="020B0604030504040204" pitchFamily="34" charset="-120"/>
+              </a:rPr>
+              <a:t>，</a:t>
+            </a:r>
+            <a:endParaRPr lang="en-US" altLang="zh-TW" sz="2400" dirty="0">
+              <a:latin typeface="微軟正黑體" panose="020B0604030504040204" pitchFamily="34" charset="-120"/>
+              <a:ea typeface="微軟正黑體" panose="020B0604030504040204" pitchFamily="34" charset="-120"/>
+            </a:endParaRPr>
+          </a:p>
+          <a:p>
+            <a:r>
+              <a:rPr lang="zh-TW" altLang="en-US" sz="2400" dirty="0">
+                <a:latin typeface="微軟正黑體" panose="020B0604030504040204" pitchFamily="34" charset="-120"/>
+                <a:ea typeface="微軟正黑體" panose="020B0604030504040204" pitchFamily="34" charset="-120"/>
+              </a:rPr>
+              <a:t>每隔</a:t>
+            </a:r>
+            <a:r>
+              <a:rPr lang="en-US" altLang="zh-TW" sz="2400" dirty="0">
+                <a:latin typeface="微軟正黑體" panose="020B0604030504040204" pitchFamily="34" charset="-120"/>
+                <a:ea typeface="微軟正黑體" panose="020B0604030504040204" pitchFamily="34" charset="-120"/>
+              </a:rPr>
+              <a:t>4</a:t>
+            </a:r>
+            <a:r>
+              <a:rPr lang="zh-TW" altLang="en-US" sz="2400" dirty="0">
+                <a:latin typeface="微軟正黑體" panose="020B0604030504040204" pitchFamily="34" charset="-120"/>
+                <a:ea typeface="微軟正黑體" panose="020B0604030504040204" pitchFamily="34" charset="-120"/>
+              </a:rPr>
+              <a:t>年產出數額減半，</a:t>
+            </a:r>
+            <a:endParaRPr lang="en-US" altLang="zh-TW" sz="2400" dirty="0">
+              <a:latin typeface="微軟正黑體" panose="020B0604030504040204" pitchFamily="34" charset="-120"/>
+              <a:ea typeface="微軟正黑體" panose="020B0604030504040204" pitchFamily="34" charset="-120"/>
+            </a:endParaRPr>
+          </a:p>
+          <a:p>
+            <a:r>
+              <a:rPr lang="zh-TW" altLang="en-US" sz="2400" dirty="0">
+                <a:latin typeface="微軟正黑體" panose="020B0604030504040204" pitchFamily="34" charset="-120"/>
+                <a:ea typeface="微軟正黑體" panose="020B0604030504040204" pitchFamily="34" charset="-120"/>
+              </a:rPr>
+              <a:t>在第</a:t>
+            </a:r>
+            <a:r>
+              <a:rPr lang="en-US" altLang="zh-TW" sz="2400" dirty="0">
+                <a:latin typeface="微軟正黑體" panose="020B0604030504040204" pitchFamily="34" charset="-120"/>
+                <a:ea typeface="微軟正黑體" panose="020B0604030504040204" pitchFamily="34" charset="-120"/>
+              </a:rPr>
+              <a:t>4</a:t>
+            </a:r>
+            <a:r>
+              <a:rPr lang="zh-TW" altLang="en-US" sz="2400" dirty="0">
+                <a:latin typeface="微軟正黑體" panose="020B0604030504040204" pitchFamily="34" charset="-120"/>
+                <a:ea typeface="微軟正黑體" panose="020B0604030504040204" pitchFamily="34" charset="-120"/>
+              </a:rPr>
+              <a:t>年至第</a:t>
+            </a:r>
+            <a:r>
+              <a:rPr lang="en-US" altLang="zh-TW" sz="2400" dirty="0">
+                <a:latin typeface="微軟正黑體" panose="020B0604030504040204" pitchFamily="34" charset="-120"/>
+                <a:ea typeface="微軟正黑體" panose="020B0604030504040204" pitchFamily="34" charset="-120"/>
+              </a:rPr>
+              <a:t>8</a:t>
+            </a:r>
+            <a:r>
+              <a:rPr lang="zh-TW" altLang="en-US" sz="2400" dirty="0">
+                <a:latin typeface="微軟正黑體" panose="020B0604030504040204" pitchFamily="34" charset="-120"/>
+                <a:ea typeface="微軟正黑體" panose="020B0604030504040204" pitchFamily="34" charset="-120"/>
+              </a:rPr>
+              <a:t>年會產生</a:t>
+            </a:r>
+            <a:r>
+              <a:rPr lang="en-US" altLang="zh-TW" sz="2400" dirty="0">
+                <a:latin typeface="微軟正黑體" panose="020B0604030504040204" pitchFamily="34" charset="-120"/>
+                <a:ea typeface="微軟正黑體" panose="020B0604030504040204" pitchFamily="34" charset="-120"/>
+              </a:rPr>
+              <a:t>5250000BTC</a:t>
+            </a:r>
+            <a:r>
+              <a:rPr lang="zh-TW" altLang="en-US" sz="2400" dirty="0">
+                <a:latin typeface="微軟正黑體" panose="020B0604030504040204" pitchFamily="34" charset="-120"/>
+                <a:ea typeface="微軟正黑體" panose="020B0604030504040204" pitchFamily="34" charset="-120"/>
+              </a:rPr>
+              <a:t>，</a:t>
+            </a:r>
+            <a:endParaRPr lang="en-US" altLang="zh-TW" sz="2400" dirty="0">
+              <a:latin typeface="微軟正黑體" panose="020B0604030504040204" pitchFamily="34" charset="-120"/>
+              <a:ea typeface="微軟正黑體" panose="020B0604030504040204" pitchFamily="34" charset="-120"/>
+            </a:endParaRPr>
+          </a:p>
+          <a:p>
+            <a:r>
+              <a:rPr lang="zh-TW" altLang="en-US" sz="2400" dirty="0">
+                <a:latin typeface="微軟正黑體" panose="020B0604030504040204" pitchFamily="34" charset="-120"/>
+                <a:ea typeface="微軟正黑體" panose="020B0604030504040204" pitchFamily="34" charset="-120"/>
+              </a:rPr>
+              <a:t>第</a:t>
+            </a:r>
+            <a:r>
+              <a:rPr lang="en-US" altLang="zh-TW" sz="2400" dirty="0">
+                <a:latin typeface="微軟正黑體" panose="020B0604030504040204" pitchFamily="34" charset="-120"/>
+                <a:ea typeface="微軟正黑體" panose="020B0604030504040204" pitchFamily="34" charset="-120"/>
+              </a:rPr>
+              <a:t>8</a:t>
+            </a:r>
+            <a:r>
+              <a:rPr lang="zh-TW" altLang="en-US" sz="2400" dirty="0">
+                <a:latin typeface="微軟正黑體" panose="020B0604030504040204" pitchFamily="34" charset="-120"/>
+                <a:ea typeface="微軟正黑體" panose="020B0604030504040204" pitchFamily="34" charset="-120"/>
+              </a:rPr>
+              <a:t>至</a:t>
+            </a:r>
+            <a:r>
+              <a:rPr lang="en-US" altLang="zh-TW" sz="2400" dirty="0">
+                <a:latin typeface="微軟正黑體" panose="020B0604030504040204" pitchFamily="34" charset="-120"/>
+                <a:ea typeface="微軟正黑體" panose="020B0604030504040204" pitchFamily="34" charset="-120"/>
+              </a:rPr>
+              <a:t>12</a:t>
+            </a:r>
+            <a:r>
+              <a:rPr lang="zh-TW" altLang="en-US" sz="2400" dirty="0">
+                <a:latin typeface="微軟正黑體" panose="020B0604030504040204" pitchFamily="34" charset="-120"/>
+                <a:ea typeface="微軟正黑體" panose="020B0604030504040204" pitchFamily="34" charset="-120"/>
+              </a:rPr>
+              <a:t>年則只有</a:t>
+            </a:r>
+            <a:r>
+              <a:rPr lang="en-US" altLang="zh-TW" sz="2400" dirty="0">
+                <a:latin typeface="微軟正黑體" panose="020B0604030504040204" pitchFamily="34" charset="-120"/>
+                <a:ea typeface="微軟正黑體" panose="020B0604030504040204" pitchFamily="34" charset="-120"/>
+              </a:rPr>
+              <a:t>2625000BTC</a:t>
+            </a:r>
+            <a:r>
+              <a:rPr lang="zh-TW" altLang="en-US" sz="2400" dirty="0">
+                <a:latin typeface="微軟正黑體" panose="020B0604030504040204" pitchFamily="34" charset="-120"/>
+                <a:ea typeface="微軟正黑體" panose="020B0604030504040204" pitchFamily="34" charset="-120"/>
+              </a:rPr>
+              <a:t>，如此類推。</a:t>
+            </a:r>
+            <a:endParaRPr lang="en-US" altLang="zh-TW" sz="2400" dirty="0">
+              <a:latin typeface="微軟正黑體" panose="020B0604030504040204" pitchFamily="34" charset="-120"/>
+              <a:ea typeface="微軟正黑體" panose="020B0604030504040204" pitchFamily="34" charset="-120"/>
+            </a:endParaRPr>
+          </a:p>
+          <a:p>
+            <a:r>
+              <a:rPr lang="zh-TW" altLang="en-US" sz="2400" dirty="0">
+                <a:latin typeface="微軟正黑體" panose="020B0604030504040204" pitchFamily="34" charset="-120"/>
+                <a:ea typeface="微軟正黑體" panose="020B0604030504040204" pitchFamily="34" charset="-120"/>
+              </a:rPr>
+              <a:t>到最後，</a:t>
+            </a:r>
+            <a:endParaRPr lang="en-US" altLang="zh-TW" sz="2400" dirty="0">
+              <a:latin typeface="微軟正黑體" panose="020B0604030504040204" pitchFamily="34" charset="-120"/>
+              <a:ea typeface="微軟正黑體" panose="020B0604030504040204" pitchFamily="34" charset="-120"/>
+            </a:endParaRPr>
+          </a:p>
+          <a:p>
+            <a:r>
+              <a:rPr lang="zh-TW" altLang="en-US" sz="2400" dirty="0">
+                <a:latin typeface="微軟正黑體" panose="020B0604030504040204" pitchFamily="34" charset="-120"/>
+                <a:ea typeface="微軟正黑體" panose="020B0604030504040204" pitchFamily="34" charset="-120"/>
+              </a:rPr>
+              <a:t>總共產生的比特幣數量為接近</a:t>
+            </a:r>
+            <a:r>
+              <a:rPr lang="en-US" altLang="zh-TW" sz="3600" b="1" dirty="0">
+                <a:solidFill>
+                  <a:srgbClr val="FF0000"/>
+                </a:solidFill>
+                <a:latin typeface="微軟正黑體" panose="020B0604030504040204" pitchFamily="34" charset="-120"/>
+                <a:ea typeface="微軟正黑體" panose="020B0604030504040204" pitchFamily="34" charset="-120"/>
+              </a:rPr>
+              <a:t>21000000BTC</a:t>
+            </a:r>
+            <a:r>
+              <a:rPr lang="zh-TW" altLang="en-US" sz="2400" b="1" dirty="0">
+                <a:latin typeface="微軟正黑體" panose="020B0604030504040204" pitchFamily="34" charset="-120"/>
+                <a:ea typeface="微軟正黑體" panose="020B0604030504040204" pitchFamily="34" charset="-120"/>
+              </a:rPr>
+              <a:t>。</a:t>
+            </a:r>
+            <a:endParaRPr lang="zh-TW" altLang="en-US" sz="2400" dirty="0">
+              <a:latin typeface="微軟正黑體" panose="020B0604030504040204" pitchFamily="34" charset="-120"/>
+              <a:ea typeface="微軟正黑體" panose="020B0604030504040204" pitchFamily="34" charset="-120"/>
+            </a:endParaRPr>
           </a:p>
         </p:txBody>
       </p:sp>
@@ -7197,7 +9519,7 @@
           <p:cNvPr id="5" name="文字方塊 4">
             <a:extLst>
               <a:ext uri="{FF2B5EF4-FFF2-40B4-BE49-F238E27FC236}">
-                <a16:creationId xmlns:a16="http://schemas.microsoft.com/office/drawing/2014/main" id="{C4BD043B-FA51-48B8-B86A-A678EFF0D126}"/>
+                <a16:creationId xmlns:a16="http://schemas.microsoft.com/office/drawing/2014/main" id="{2226A3CB-12B5-4528-ACA4-4FAF6BCD3524}"/>
               </a:ext>
             </a:extLst>
           </p:cNvPr>
@@ -7206,8 +9528,8 @@
         </p:nvSpPr>
         <p:spPr>
           <a:xfrm>
-            <a:off x="1566280" y="1086722"/>
-            <a:ext cx="5668539" cy="1631216"/>
+            <a:off x="699399" y="583095"/>
+            <a:ext cx="3877985" cy="646331"/>
           </a:xfrm>
           <a:prstGeom prst="rect">
             <a:avLst/>
@@ -7221,230 +9543,19 @@
           <a:lstStyle/>
           <a:p>
             <a:r>
-              <a:rPr lang="en-US" altLang="zh-TW" sz="2000" dirty="0">
-                <a:latin typeface="微軟正黑體" panose="020B0604030504040204" pitchFamily="34" charset="-120"/>
-                <a:ea typeface="微軟正黑體" panose="020B0604030504040204" pitchFamily="34" charset="-120"/>
-              </a:rPr>
-              <a:t>2009/01/03</a:t>
-            </a:r>
-            <a:r>
-              <a:rPr lang="zh-TW" altLang="en-US" sz="2000" dirty="0">
-                <a:latin typeface="微軟正黑體" panose="020B0604030504040204" pitchFamily="34" charset="-120"/>
-                <a:ea typeface="微軟正黑體" panose="020B0604030504040204" pitchFamily="34" charset="-120"/>
-              </a:rPr>
-              <a:t>，中本聰挖出第一個比特幣區塊，</a:t>
-            </a:r>
-            <a:endParaRPr lang="en-US" altLang="zh-TW" sz="2000" dirty="0">
-              <a:latin typeface="微軟正黑體" panose="020B0604030504040204" pitchFamily="34" charset="-120"/>
-              <a:ea typeface="微軟正黑體" panose="020B0604030504040204" pitchFamily="34" charset="-120"/>
-            </a:endParaRPr>
-          </a:p>
-          <a:p>
-            <a:r>
-              <a:rPr lang="en-US" altLang="zh-TW" sz="2000" dirty="0">
-                <a:latin typeface="微軟正黑體" panose="020B0604030504040204" pitchFamily="34" charset="-120"/>
-                <a:ea typeface="微軟正黑體" panose="020B0604030504040204" pitchFamily="34" charset="-120"/>
-              </a:rPr>
-              <a:t>                          </a:t>
-            </a:r>
-            <a:r>
-              <a:rPr lang="zh-TW" altLang="en-US" sz="2000" dirty="0">
-                <a:latin typeface="微軟正黑體" panose="020B0604030504040204" pitchFamily="34" charset="-120"/>
-                <a:ea typeface="微軟正黑體" panose="020B0604030504040204" pitchFamily="34" charset="-120"/>
-              </a:rPr>
-              <a:t>創建了首批 </a:t>
-            </a:r>
-            <a:r>
-              <a:rPr lang="en-US" altLang="zh-TW" sz="2000" dirty="0">
-                <a:latin typeface="微軟正黑體" panose="020B0604030504040204" pitchFamily="34" charset="-120"/>
-                <a:ea typeface="微軟正黑體" panose="020B0604030504040204" pitchFamily="34" charset="-120"/>
-              </a:rPr>
-              <a:t>50 </a:t>
-            </a:r>
-            <a:r>
-              <a:rPr lang="zh-TW" altLang="en-US" sz="2000" dirty="0">
-                <a:latin typeface="微軟正黑體" panose="020B0604030504040204" pitchFamily="34" charset="-120"/>
-                <a:ea typeface="微軟正黑體" panose="020B0604030504040204" pitchFamily="34" charset="-120"/>
-              </a:rPr>
-              <a:t>枚比特幣。</a:t>
-            </a:r>
-            <a:endParaRPr lang="en-US" altLang="zh-TW" sz="2000" dirty="0">
-              <a:latin typeface="微軟正黑體" panose="020B0604030504040204" pitchFamily="34" charset="-120"/>
-              <a:ea typeface="微軟正黑體" panose="020B0604030504040204" pitchFamily="34" charset="-120"/>
-            </a:endParaRPr>
-          </a:p>
-          <a:p>
-            <a:r>
-              <a:rPr lang="zh-TW" altLang="en-US" sz="2000" dirty="0">
-                <a:latin typeface="微軟正黑體" panose="020B0604030504040204" pitchFamily="34" charset="-120"/>
-                <a:ea typeface="微軟正黑體" panose="020B0604030504040204" pitchFamily="34" charset="-120"/>
-              </a:rPr>
-              <a:t>每隔 </a:t>
-            </a:r>
-            <a:r>
-              <a:rPr lang="en-US" altLang="zh-TW" sz="2000" dirty="0">
-                <a:latin typeface="微軟正黑體" panose="020B0604030504040204" pitchFamily="34" charset="-120"/>
-                <a:ea typeface="微軟正黑體" panose="020B0604030504040204" pitchFamily="34" charset="-120"/>
-              </a:rPr>
-              <a:t>210000 </a:t>
-            </a:r>
-            <a:r>
-              <a:rPr lang="zh-TW" altLang="en-US" sz="2000" dirty="0">
-                <a:latin typeface="微軟正黑體" panose="020B0604030504040204" pitchFamily="34" charset="-120"/>
-                <a:ea typeface="微軟正黑體" panose="020B0604030504040204" pitchFamily="34" charset="-120"/>
-              </a:rPr>
-              <a:t>個區塊，獎勵就會減少一半。</a:t>
-            </a:r>
-            <a:endParaRPr lang="en-US" altLang="zh-TW" sz="2000" dirty="0">
-              <a:latin typeface="微軟正黑體" panose="020B0604030504040204" pitchFamily="34" charset="-120"/>
-              <a:ea typeface="微軟正黑體" panose="020B0604030504040204" pitchFamily="34" charset="-120"/>
-            </a:endParaRPr>
-          </a:p>
-          <a:p>
-            <a:r>
-              <a:rPr lang="zh-TW" altLang="en-US" sz="2000" dirty="0">
-                <a:latin typeface="微軟正黑體" panose="020B0604030504040204" pitchFamily="34" charset="-120"/>
-                <a:ea typeface="微軟正黑體" panose="020B0604030504040204" pitchFamily="34" charset="-120"/>
-              </a:rPr>
-              <a:t>在 </a:t>
-            </a:r>
-            <a:r>
-              <a:rPr lang="en-US" altLang="zh-TW" sz="2000" dirty="0">
-                <a:latin typeface="微軟正黑體" panose="020B0604030504040204" pitchFamily="34" charset="-120"/>
-                <a:ea typeface="微軟正黑體" panose="020B0604030504040204" pitchFamily="34" charset="-120"/>
-              </a:rPr>
-              <a:t>2016 </a:t>
-            </a:r>
-            <a:r>
-              <a:rPr lang="zh-TW" altLang="en-US" sz="2000" dirty="0">
-                <a:latin typeface="微軟正黑體" panose="020B0604030504040204" pitchFamily="34" charset="-120"/>
-                <a:ea typeface="微軟正黑體" panose="020B0604030504040204" pitchFamily="34" charset="-120"/>
-              </a:rPr>
-              <a:t>年 </a:t>
-            </a:r>
-            <a:r>
-              <a:rPr lang="en-US" altLang="zh-TW" sz="2000" dirty="0">
-                <a:latin typeface="微軟正黑體" panose="020B0604030504040204" pitchFamily="34" charset="-120"/>
-                <a:ea typeface="微軟正黑體" panose="020B0604030504040204" pitchFamily="34" charset="-120"/>
-              </a:rPr>
-              <a:t>7 </a:t>
-            </a:r>
-            <a:r>
-              <a:rPr lang="zh-TW" altLang="en-US" sz="2000" dirty="0">
-                <a:latin typeface="微軟正黑體" panose="020B0604030504040204" pitchFamily="34" charset="-120"/>
-                <a:ea typeface="微軟正黑體" panose="020B0604030504040204" pitchFamily="34" charset="-120"/>
-              </a:rPr>
-              <a:t>月，獎勵已經減至 </a:t>
-            </a:r>
-            <a:r>
-              <a:rPr lang="en-US" altLang="zh-TW" sz="2000" dirty="0">
-                <a:latin typeface="微軟正黑體" panose="020B0604030504040204" pitchFamily="34" charset="-120"/>
-                <a:ea typeface="微軟正黑體" panose="020B0604030504040204" pitchFamily="34" charset="-120"/>
-              </a:rPr>
-              <a:t>12.5 </a:t>
-            </a:r>
-            <a:r>
-              <a:rPr lang="zh-TW" altLang="en-US" sz="2000" dirty="0">
-                <a:latin typeface="微軟正黑體" panose="020B0604030504040204" pitchFamily="34" charset="-120"/>
-                <a:ea typeface="微軟正黑體" panose="020B0604030504040204" pitchFamily="34" charset="-120"/>
-              </a:rPr>
-              <a:t>個比特幣。</a:t>
-            </a:r>
-            <a:endParaRPr lang="en-US" altLang="zh-TW" sz="2000" dirty="0">
-              <a:latin typeface="微軟正黑體" panose="020B0604030504040204" pitchFamily="34" charset="-120"/>
-              <a:ea typeface="微軟正黑體" panose="020B0604030504040204" pitchFamily="34" charset="-120"/>
-            </a:endParaRPr>
-          </a:p>
-          <a:p>
-            <a:r>
-              <a:rPr lang="zh-TW" altLang="en-US" sz="2000" dirty="0">
-                <a:latin typeface="微軟正黑體" panose="020B0604030504040204" pitchFamily="34" charset="-120"/>
-                <a:ea typeface="微軟正黑體" panose="020B0604030504040204" pitchFamily="34" charset="-120"/>
-              </a:rPr>
-              <a:t>最後一枚比特幣將在 </a:t>
-            </a:r>
-            <a:r>
-              <a:rPr lang="en-US" altLang="zh-TW" sz="2000" dirty="0">
-                <a:latin typeface="微軟正黑體" panose="020B0604030504040204" pitchFamily="34" charset="-120"/>
-                <a:ea typeface="微軟正黑體" panose="020B0604030504040204" pitchFamily="34" charset="-120"/>
-              </a:rPr>
-              <a:t>2140 </a:t>
-            </a:r>
-            <a:r>
-              <a:rPr lang="zh-TW" altLang="en-US" sz="2000" dirty="0">
-                <a:latin typeface="微軟正黑體" panose="020B0604030504040204" pitchFamily="34" charset="-120"/>
-                <a:ea typeface="微軟正黑體" panose="020B0604030504040204" pitchFamily="34" charset="-120"/>
-              </a:rPr>
-              <a:t>年 </a:t>
-            </a:r>
-            <a:r>
-              <a:rPr lang="en-US" altLang="zh-TW" sz="2000" dirty="0">
-                <a:latin typeface="微軟正黑體" panose="020B0604030504040204" pitchFamily="34" charset="-120"/>
-                <a:ea typeface="微軟正黑體" panose="020B0604030504040204" pitchFamily="34" charset="-120"/>
-              </a:rPr>
-              <a:t>5 </a:t>
-            </a:r>
-            <a:r>
-              <a:rPr lang="zh-TW" altLang="en-US" sz="2000" dirty="0">
-                <a:latin typeface="微軟正黑體" panose="020B0604030504040204" pitchFamily="34" charset="-120"/>
-                <a:ea typeface="微軟正黑體" panose="020B0604030504040204" pitchFamily="34" charset="-120"/>
-              </a:rPr>
-              <a:t>月份被挖出來。</a:t>
-            </a:r>
-          </a:p>
-        </p:txBody>
-      </p:sp>
-      <p:pic>
-        <p:nvPicPr>
-          <p:cNvPr id="1026" name="Picture 2" descr="https://inside-assets4.inside.com.tw/2018/04/1d067f3721f10f0a76439de9860a4e54.png?auto=compress&amp;fit=max&amp;w=730">
-            <a:extLst>
-              <a:ext uri="{FF2B5EF4-FFF2-40B4-BE49-F238E27FC236}">
-                <a16:creationId xmlns:a16="http://schemas.microsoft.com/office/drawing/2014/main" id="{B5F529B5-0E5D-4870-8B55-EF5B6CFCDF9B}"/>
-              </a:ext>
-            </a:extLst>
-          </p:cNvPr>
-          <p:cNvPicPr>
-            <a:picLocks noChangeAspect="1" noChangeArrowheads="1"/>
-          </p:cNvPicPr>
-          <p:nvPr/>
-        </p:nvPicPr>
-        <p:blipFill>
-          <a:blip r:embed="rId2">
-            <a:extLst>
-              <a:ext uri="{28A0092B-C50C-407E-A947-70E740481C1C}">
-                <a14:useLocalDpi xmlns:a14="http://schemas.microsoft.com/office/drawing/2010/main" val="0"/>
-              </a:ext>
-            </a:extLst>
-          </a:blip>
-          <a:srcRect/>
-          <a:stretch>
-            <a:fillRect/>
-          </a:stretch>
-        </p:blipFill>
-        <p:spPr bwMode="auto">
-          <a:xfrm>
-            <a:off x="923925" y="2717938"/>
-            <a:ext cx="6953250" cy="3609975"/>
-          </a:xfrm>
-          <a:prstGeom prst="rect">
-            <a:avLst/>
-          </a:prstGeom>
-          <a:noFill/>
-          <a:extLst>
-            <a:ext uri="{909E8E84-426E-40DD-AFC4-6F175D3DCCD1}">
-              <a14:hiddenFill xmlns:a14="http://schemas.microsoft.com/office/drawing/2010/main">
-                <a:solidFill>
-                  <a:srgbClr val="FFFFFF"/>
-                </a:solidFill>
-              </a14:hiddenFill>
-            </a:ext>
-          </a:extLst>
-        </p:spPr>
-      </p:pic>
+              <a:rPr lang="zh-TW" altLang="en-US" sz="3600" dirty="0">
+                <a:latin typeface="微軟正黑體" panose="020B0604030504040204" pitchFamily="34" charset="-120"/>
+                <a:ea typeface="微軟正黑體" panose="020B0604030504040204" pitchFamily="34" charset="-120"/>
+              </a:rPr>
+              <a:t>比特幣為通貨緊縮</a:t>
+            </a:r>
+          </a:p>
+        </p:txBody>
+      </p:sp>
     </p:spTree>
     <p:extLst>
       <p:ext uri="{BB962C8B-B14F-4D97-AF65-F5344CB8AC3E}">
-        <p14:creationId xmlns:p14="http://schemas.microsoft.com/office/powerpoint/2010/main" val="4255968619"/>
+        <p14:creationId xmlns:p14="http://schemas.microsoft.com/office/powerpoint/2010/main" val="1388552465"/>
       </p:ext>
     </p:extLst>
   </p:cSld>
@@ -7476,7 +9587,7 @@
           <p:cNvPr id="2" name="日期版面配置區 1">
             <a:extLst>
               <a:ext uri="{FF2B5EF4-FFF2-40B4-BE49-F238E27FC236}">
-                <a16:creationId xmlns:a16="http://schemas.microsoft.com/office/drawing/2014/main" id="{45061999-6D2B-4DE8-8316-67BEC8889229}"/>
+                <a16:creationId xmlns:a16="http://schemas.microsoft.com/office/drawing/2014/main" id="{9DC0465C-D80B-4FE1-B408-55413FDD6E79}"/>
               </a:ext>
             </a:extLst>
           </p:cNvPr>
@@ -7505,7 +9616,7 @@
           <p:cNvPr id="3" name="投影片編號版面配置區 2">
             <a:extLst>
               <a:ext uri="{FF2B5EF4-FFF2-40B4-BE49-F238E27FC236}">
-                <a16:creationId xmlns:a16="http://schemas.microsoft.com/office/drawing/2014/main" id="{DC36E890-E475-4EE7-8566-E67220B79BF4}"/>
+                <a16:creationId xmlns:a16="http://schemas.microsoft.com/office/drawing/2014/main" id="{F64BECB2-73EA-472A-9764-2AE7FE546356}"/>
               </a:ext>
             </a:extLst>
           </p:cNvPr>
@@ -7532,70 +9643,295 @@
       </p:sp>
       <p:sp>
         <p:nvSpPr>
-          <p:cNvPr id="4" name="矩形 3">
-            <a:extLst>
-              <a:ext uri="{FF2B5EF4-FFF2-40B4-BE49-F238E27FC236}">
-                <a16:creationId xmlns:a16="http://schemas.microsoft.com/office/drawing/2014/main" id="{F2BB8BEB-9643-4D7B-BE26-B7CCAB7A04C8}"/>
-              </a:ext>
-            </a:extLst>
-          </p:cNvPr>
-          <p:cNvSpPr/>
-          <p:nvPr/>
-        </p:nvSpPr>
-        <p:spPr>
-          <a:xfrm>
-            <a:off x="132523" y="1224025"/>
-            <a:ext cx="8613912" cy="3139321"/>
+          <p:cNvPr id="4" name="文字方塊 3">
+            <a:extLst>
+              <a:ext uri="{FF2B5EF4-FFF2-40B4-BE49-F238E27FC236}">
+                <a16:creationId xmlns:a16="http://schemas.microsoft.com/office/drawing/2014/main" id="{2395C096-F00F-44F1-9817-2044C811AB3B}"/>
+              </a:ext>
+            </a:extLst>
+          </p:cNvPr>
+          <p:cNvSpPr txBox="1"/>
+          <p:nvPr/>
+        </p:nvSpPr>
+        <p:spPr>
+          <a:xfrm>
+            <a:off x="682615" y="357809"/>
+            <a:ext cx="3416320" cy="646331"/>
           </a:xfrm>
           <a:prstGeom prst="rect">
             <a:avLst/>
           </a:prstGeom>
-        </p:spPr>
-        <p:txBody>
-          <a:bodyPr wrap="square">
+          <a:noFill/>
+        </p:spPr>
+        <p:txBody>
+          <a:bodyPr wrap="none" rtlCol="0">
             <a:spAutoFit/>
           </a:bodyPr>
           <a:lstStyle/>
           <a:p>
-            <a:pPr algn="ctr"/>
-            <a:r>
-              <a:rPr lang="en-US" altLang="zh-TW" sz="6600" dirty="0">
-                <a:latin typeface="微軟正黑體" panose="020B0604030504040204" pitchFamily="34" charset="-120"/>
-                <a:ea typeface="微軟正黑體" panose="020B0604030504040204" pitchFamily="34" charset="-120"/>
-              </a:rPr>
-              <a:t>DEMO</a:t>
-            </a:r>
-          </a:p>
-          <a:p>
-            <a:pPr algn="ctr"/>
-            <a:r>
-              <a:rPr lang="zh-TW" altLang="en-US" sz="6600" dirty="0">
-                <a:latin typeface="微軟正黑體" panose="020B0604030504040204" pitchFamily="34" charset="-120"/>
-                <a:ea typeface="微軟正黑體" panose="020B0604030504040204" pitchFamily="34" charset="-120"/>
-              </a:rPr>
-              <a:t>查看區塊高度</a:t>
-            </a:r>
-            <a:endParaRPr lang="en-US" altLang="zh-TW" sz="6600" dirty="0">
+            <a:r>
+              <a:rPr lang="zh-TW" altLang="en-US" sz="3600" dirty="0">
+                <a:latin typeface="微軟正黑體" panose="020B0604030504040204" pitchFamily="34" charset="-120"/>
+                <a:ea typeface="微軟正黑體" panose="020B0604030504040204" pitchFamily="34" charset="-120"/>
+              </a:rPr>
+              <a:t>比特幣如何產生</a:t>
+            </a:r>
+          </a:p>
+        </p:txBody>
+      </p:sp>
+      <p:sp>
+        <p:nvSpPr>
+          <p:cNvPr id="5" name="文字方塊 4">
+            <a:extLst>
+              <a:ext uri="{FF2B5EF4-FFF2-40B4-BE49-F238E27FC236}">
+                <a16:creationId xmlns:a16="http://schemas.microsoft.com/office/drawing/2014/main" id="{C4BD043B-FA51-48B8-B86A-A678EFF0D126}"/>
+              </a:ext>
+            </a:extLst>
+          </p:cNvPr>
+          <p:cNvSpPr txBox="1"/>
+          <p:nvPr/>
+        </p:nvSpPr>
+        <p:spPr>
+          <a:xfrm>
+            <a:off x="1566280" y="1086722"/>
+            <a:ext cx="5668539" cy="1631216"/>
+          </a:xfrm>
+          <a:prstGeom prst="rect">
+            <a:avLst/>
+          </a:prstGeom>
+          <a:noFill/>
+        </p:spPr>
+        <p:txBody>
+          <a:bodyPr wrap="none" rtlCol="0">
+            <a:spAutoFit/>
+          </a:bodyPr>
+          <a:lstStyle/>
+          <a:p>
+            <a:r>
+              <a:rPr lang="en-US" altLang="zh-TW" sz="2000" dirty="0">
+                <a:latin typeface="微軟正黑體" panose="020B0604030504040204" pitchFamily="34" charset="-120"/>
+                <a:ea typeface="微軟正黑體" panose="020B0604030504040204" pitchFamily="34" charset="-120"/>
+              </a:rPr>
+              <a:t>2009/01/03</a:t>
+            </a:r>
+            <a:r>
+              <a:rPr lang="zh-TW" altLang="en-US" sz="2000" dirty="0">
+                <a:latin typeface="微軟正黑體" panose="020B0604030504040204" pitchFamily="34" charset="-120"/>
+                <a:ea typeface="微軟正黑體" panose="020B0604030504040204" pitchFamily="34" charset="-120"/>
+              </a:rPr>
+              <a:t>，中本聰挖出第一個比特幣區塊，</a:t>
+            </a:r>
+            <a:endParaRPr lang="en-US" altLang="zh-TW" sz="2000" dirty="0">
               <a:latin typeface="微軟正黑體" panose="020B0604030504040204" pitchFamily="34" charset="-120"/>
               <a:ea typeface="微軟正黑體" panose="020B0604030504040204" pitchFamily="34" charset="-120"/>
             </a:endParaRPr>
           </a:p>
           <a:p>
-            <a:pPr algn="ctr"/>
-            <a:r>
-              <a:rPr lang="zh-TW" altLang="en-US" sz="6600" dirty="0">
-                <a:latin typeface="微軟正黑體" panose="020B0604030504040204" pitchFamily="34" charset="-120"/>
-                <a:ea typeface="微軟正黑體" panose="020B0604030504040204" pitchFamily="34" charset="-120"/>
-              </a:rPr>
-              <a:t>抓取各種虛擬貨幣</a:t>
-            </a:r>
-          </a:p>
-        </p:txBody>
-      </p:sp>
+            <a:r>
+              <a:rPr lang="en-US" altLang="zh-TW" sz="2000" dirty="0">
+                <a:latin typeface="微軟正黑體" panose="020B0604030504040204" pitchFamily="34" charset="-120"/>
+                <a:ea typeface="微軟正黑體" panose="020B0604030504040204" pitchFamily="34" charset="-120"/>
+              </a:rPr>
+              <a:t>                          </a:t>
+            </a:r>
+            <a:r>
+              <a:rPr lang="zh-TW" altLang="en-US" sz="2000" dirty="0">
+                <a:latin typeface="微軟正黑體" panose="020B0604030504040204" pitchFamily="34" charset="-120"/>
+                <a:ea typeface="微軟正黑體" panose="020B0604030504040204" pitchFamily="34" charset="-120"/>
+              </a:rPr>
+              <a:t>創建了首批 </a:t>
+            </a:r>
+            <a:r>
+              <a:rPr lang="en-US" altLang="zh-TW" sz="2000" dirty="0">
+                <a:latin typeface="微軟正黑體" panose="020B0604030504040204" pitchFamily="34" charset="-120"/>
+                <a:ea typeface="微軟正黑體" panose="020B0604030504040204" pitchFamily="34" charset="-120"/>
+              </a:rPr>
+              <a:t>50 </a:t>
+            </a:r>
+            <a:r>
+              <a:rPr lang="zh-TW" altLang="en-US" sz="2000" dirty="0">
+                <a:latin typeface="微軟正黑體" panose="020B0604030504040204" pitchFamily="34" charset="-120"/>
+                <a:ea typeface="微軟正黑體" panose="020B0604030504040204" pitchFamily="34" charset="-120"/>
+              </a:rPr>
+              <a:t>枚比特幣。</a:t>
+            </a:r>
+            <a:endParaRPr lang="en-US" altLang="zh-TW" sz="2000" dirty="0">
+              <a:latin typeface="微軟正黑體" panose="020B0604030504040204" pitchFamily="34" charset="-120"/>
+              <a:ea typeface="微軟正黑體" panose="020B0604030504040204" pitchFamily="34" charset="-120"/>
+            </a:endParaRPr>
+          </a:p>
+          <a:p>
+            <a:r>
+              <a:rPr lang="zh-TW" altLang="en-US" sz="2000" dirty="0">
+                <a:latin typeface="微軟正黑體" panose="020B0604030504040204" pitchFamily="34" charset="-120"/>
+                <a:ea typeface="微軟正黑體" panose="020B0604030504040204" pitchFamily="34" charset="-120"/>
+              </a:rPr>
+              <a:t>每隔 </a:t>
+            </a:r>
+            <a:r>
+              <a:rPr lang="en-US" altLang="zh-TW" sz="2000" dirty="0">
+                <a:latin typeface="微軟正黑體" panose="020B0604030504040204" pitchFamily="34" charset="-120"/>
+                <a:ea typeface="微軟正黑體" panose="020B0604030504040204" pitchFamily="34" charset="-120"/>
+              </a:rPr>
+              <a:t>210000 </a:t>
+            </a:r>
+            <a:r>
+              <a:rPr lang="zh-TW" altLang="en-US" sz="2000" dirty="0">
+                <a:latin typeface="微軟正黑體" panose="020B0604030504040204" pitchFamily="34" charset="-120"/>
+                <a:ea typeface="微軟正黑體" panose="020B0604030504040204" pitchFamily="34" charset="-120"/>
+              </a:rPr>
+              <a:t>個區塊，獎勵就會減少一半。</a:t>
+            </a:r>
+            <a:endParaRPr lang="en-US" altLang="zh-TW" sz="2000" dirty="0">
+              <a:latin typeface="微軟正黑體" panose="020B0604030504040204" pitchFamily="34" charset="-120"/>
+              <a:ea typeface="微軟正黑體" panose="020B0604030504040204" pitchFamily="34" charset="-120"/>
+            </a:endParaRPr>
+          </a:p>
+          <a:p>
+            <a:r>
+              <a:rPr lang="zh-TW" altLang="en-US" sz="2000" dirty="0">
+                <a:latin typeface="微軟正黑體" panose="020B0604030504040204" pitchFamily="34" charset="-120"/>
+                <a:ea typeface="微軟正黑體" panose="020B0604030504040204" pitchFamily="34" charset="-120"/>
+              </a:rPr>
+              <a:t>在 </a:t>
+            </a:r>
+            <a:r>
+              <a:rPr lang="en-US" altLang="zh-TW" sz="2000" dirty="0">
+                <a:latin typeface="微軟正黑體" panose="020B0604030504040204" pitchFamily="34" charset="-120"/>
+                <a:ea typeface="微軟正黑體" panose="020B0604030504040204" pitchFamily="34" charset="-120"/>
+              </a:rPr>
+              <a:t>2016 </a:t>
+            </a:r>
+            <a:r>
+              <a:rPr lang="zh-TW" altLang="en-US" sz="2000" dirty="0">
+                <a:latin typeface="微軟正黑體" panose="020B0604030504040204" pitchFamily="34" charset="-120"/>
+                <a:ea typeface="微軟正黑體" panose="020B0604030504040204" pitchFamily="34" charset="-120"/>
+              </a:rPr>
+              <a:t>年 </a:t>
+            </a:r>
+            <a:r>
+              <a:rPr lang="en-US" altLang="zh-TW" sz="2000" dirty="0">
+                <a:latin typeface="微軟正黑體" panose="020B0604030504040204" pitchFamily="34" charset="-120"/>
+                <a:ea typeface="微軟正黑體" panose="020B0604030504040204" pitchFamily="34" charset="-120"/>
+              </a:rPr>
+              <a:t>7 </a:t>
+            </a:r>
+            <a:r>
+              <a:rPr lang="zh-TW" altLang="en-US" sz="2000" dirty="0">
+                <a:latin typeface="微軟正黑體" panose="020B0604030504040204" pitchFamily="34" charset="-120"/>
+                <a:ea typeface="微軟正黑體" panose="020B0604030504040204" pitchFamily="34" charset="-120"/>
+              </a:rPr>
+              <a:t>月，獎勵已經減至 </a:t>
+            </a:r>
+            <a:r>
+              <a:rPr lang="en-US" altLang="zh-TW" sz="2000" dirty="0">
+                <a:latin typeface="微軟正黑體" panose="020B0604030504040204" pitchFamily="34" charset="-120"/>
+                <a:ea typeface="微軟正黑體" panose="020B0604030504040204" pitchFamily="34" charset="-120"/>
+              </a:rPr>
+              <a:t>12.5 </a:t>
+            </a:r>
+            <a:r>
+              <a:rPr lang="zh-TW" altLang="en-US" sz="2000" dirty="0">
+                <a:latin typeface="微軟正黑體" panose="020B0604030504040204" pitchFamily="34" charset="-120"/>
+                <a:ea typeface="微軟正黑體" panose="020B0604030504040204" pitchFamily="34" charset="-120"/>
+              </a:rPr>
+              <a:t>個比特幣。</a:t>
+            </a:r>
+            <a:endParaRPr lang="en-US" altLang="zh-TW" sz="2000" dirty="0">
+              <a:latin typeface="微軟正黑體" panose="020B0604030504040204" pitchFamily="34" charset="-120"/>
+              <a:ea typeface="微軟正黑體" panose="020B0604030504040204" pitchFamily="34" charset="-120"/>
+            </a:endParaRPr>
+          </a:p>
+          <a:p>
+            <a:r>
+              <a:rPr lang="zh-TW" altLang="en-US" sz="2000" dirty="0">
+                <a:latin typeface="微軟正黑體" panose="020B0604030504040204" pitchFamily="34" charset="-120"/>
+                <a:ea typeface="微軟正黑體" panose="020B0604030504040204" pitchFamily="34" charset="-120"/>
+              </a:rPr>
+              <a:t>最後一枚比特幣將在 </a:t>
+            </a:r>
+            <a:r>
+              <a:rPr lang="en-US" altLang="zh-TW" sz="2000" dirty="0">
+                <a:latin typeface="微軟正黑體" panose="020B0604030504040204" pitchFamily="34" charset="-120"/>
+                <a:ea typeface="微軟正黑體" panose="020B0604030504040204" pitchFamily="34" charset="-120"/>
+              </a:rPr>
+              <a:t>2140 </a:t>
+            </a:r>
+            <a:r>
+              <a:rPr lang="zh-TW" altLang="en-US" sz="2000" dirty="0">
+                <a:latin typeface="微軟正黑體" panose="020B0604030504040204" pitchFamily="34" charset="-120"/>
+                <a:ea typeface="微軟正黑體" panose="020B0604030504040204" pitchFamily="34" charset="-120"/>
+              </a:rPr>
+              <a:t>年 </a:t>
+            </a:r>
+            <a:r>
+              <a:rPr lang="en-US" altLang="zh-TW" sz="2000" dirty="0">
+                <a:latin typeface="微軟正黑體" panose="020B0604030504040204" pitchFamily="34" charset="-120"/>
+                <a:ea typeface="微軟正黑體" panose="020B0604030504040204" pitchFamily="34" charset="-120"/>
+              </a:rPr>
+              <a:t>5 </a:t>
+            </a:r>
+            <a:r>
+              <a:rPr lang="zh-TW" altLang="en-US" sz="2000" dirty="0">
+                <a:latin typeface="微軟正黑體" panose="020B0604030504040204" pitchFamily="34" charset="-120"/>
+                <a:ea typeface="微軟正黑體" panose="020B0604030504040204" pitchFamily="34" charset="-120"/>
+              </a:rPr>
+              <a:t>月份被挖出來。</a:t>
+            </a:r>
+          </a:p>
+        </p:txBody>
+      </p:sp>
+      <p:pic>
+        <p:nvPicPr>
+          <p:cNvPr id="1026" name="Picture 2" descr="https://inside-assets4.inside.com.tw/2018/04/1d067f3721f10f0a76439de9860a4e54.png?auto=compress&amp;fit=max&amp;w=730">
+            <a:extLst>
+              <a:ext uri="{FF2B5EF4-FFF2-40B4-BE49-F238E27FC236}">
+                <a16:creationId xmlns:a16="http://schemas.microsoft.com/office/drawing/2014/main" id="{B5F529B5-0E5D-4870-8B55-EF5B6CFCDF9B}"/>
+              </a:ext>
+            </a:extLst>
+          </p:cNvPr>
+          <p:cNvPicPr>
+            <a:picLocks noChangeAspect="1" noChangeArrowheads="1"/>
+          </p:cNvPicPr>
+          <p:nvPr/>
+        </p:nvPicPr>
+        <p:blipFill>
+          <a:blip r:embed="rId2">
+            <a:extLst>
+              <a:ext uri="{28A0092B-C50C-407E-A947-70E740481C1C}">
+                <a14:useLocalDpi xmlns:a14="http://schemas.microsoft.com/office/drawing/2010/main" val="0"/>
+              </a:ext>
+            </a:extLst>
+          </a:blip>
+          <a:srcRect/>
+          <a:stretch>
+            <a:fillRect/>
+          </a:stretch>
+        </p:blipFill>
+        <p:spPr bwMode="auto">
+          <a:xfrm>
+            <a:off x="923925" y="2717938"/>
+            <a:ext cx="6953250" cy="3609975"/>
+          </a:xfrm>
+          <a:prstGeom prst="rect">
+            <a:avLst/>
+          </a:prstGeom>
+          <a:noFill/>
+          <a:extLst>
+            <a:ext uri="{909E8E84-426E-40DD-AFC4-6F175D3DCCD1}">
+              <a14:hiddenFill xmlns:a14="http://schemas.microsoft.com/office/drawing/2010/main">
+                <a:solidFill>
+                  <a:srgbClr val="FFFFFF"/>
+                </a:solidFill>
+              </a14:hiddenFill>
+            </a:ext>
+          </a:extLst>
+        </p:spPr>
+      </p:pic>
     </p:spTree>
     <p:extLst>
       <p:ext uri="{BB962C8B-B14F-4D97-AF65-F5344CB8AC3E}">
-        <p14:creationId xmlns:p14="http://schemas.microsoft.com/office/powerpoint/2010/main" val="2929307421"/>
+        <p14:creationId xmlns:p14="http://schemas.microsoft.com/office/powerpoint/2010/main" val="4255968619"/>
       </p:ext>
     </p:extLst>
   </p:cSld>
@@ -7627,7 +9963,7 @@
           <p:cNvPr id="2" name="日期版面配置區 1">
             <a:extLst>
               <a:ext uri="{FF2B5EF4-FFF2-40B4-BE49-F238E27FC236}">
-                <a16:creationId xmlns:a16="http://schemas.microsoft.com/office/drawing/2014/main" id="{BC664971-E981-40B8-8CA2-B0173F68540A}"/>
+                <a16:creationId xmlns:a16="http://schemas.microsoft.com/office/drawing/2014/main" id="{45061999-6D2B-4DE8-8316-67BEC8889229}"/>
               </a:ext>
             </a:extLst>
           </p:cNvPr>
@@ -7656,7 +9992,7 @@
           <p:cNvPr id="3" name="投影片編號版面配置區 2">
             <a:extLst>
               <a:ext uri="{FF2B5EF4-FFF2-40B4-BE49-F238E27FC236}">
-                <a16:creationId xmlns:a16="http://schemas.microsoft.com/office/drawing/2014/main" id="{3508EF22-4D3B-420F-964D-E368CA29754A}"/>
+                <a16:creationId xmlns:a16="http://schemas.microsoft.com/office/drawing/2014/main" id="{DC36E890-E475-4EE7-8566-E67220B79BF4}"/>
               </a:ext>
             </a:extLst>
           </p:cNvPr>
@@ -7683,323 +10019,70 @@
       </p:sp>
       <p:sp>
         <p:nvSpPr>
-          <p:cNvPr id="4" name="文字方塊 3">
-            <a:extLst>
-              <a:ext uri="{FF2B5EF4-FFF2-40B4-BE49-F238E27FC236}">
-                <a16:creationId xmlns:a16="http://schemas.microsoft.com/office/drawing/2014/main" id="{E3B7D74E-BDD0-47CB-B2C5-F494F16B2E26}"/>
-              </a:ext>
-            </a:extLst>
-          </p:cNvPr>
-          <p:cNvSpPr txBox="1"/>
-          <p:nvPr/>
-        </p:nvSpPr>
-        <p:spPr>
-          <a:xfrm>
-            <a:off x="4346713" y="602325"/>
-            <a:ext cx="4118884" cy="369332"/>
+          <p:cNvPr id="4" name="矩形 3">
+            <a:extLst>
+              <a:ext uri="{FF2B5EF4-FFF2-40B4-BE49-F238E27FC236}">
+                <a16:creationId xmlns:a16="http://schemas.microsoft.com/office/drawing/2014/main" id="{F2BB8BEB-9643-4D7B-BE26-B7CCAB7A04C8}"/>
+              </a:ext>
+            </a:extLst>
+          </p:cNvPr>
+          <p:cNvSpPr/>
+          <p:nvPr/>
+        </p:nvSpPr>
+        <p:spPr>
+          <a:xfrm>
+            <a:off x="132523" y="1224025"/>
+            <a:ext cx="8613912" cy="3139321"/>
           </a:xfrm>
           <a:prstGeom prst="rect">
             <a:avLst/>
           </a:prstGeom>
-          <a:noFill/>
-        </p:spPr>
-        <p:txBody>
-          <a:bodyPr wrap="none" rtlCol="0">
+        </p:spPr>
+        <p:txBody>
+          <a:bodyPr wrap="square">
             <a:spAutoFit/>
           </a:bodyPr>
           <a:lstStyle/>
           <a:p>
-            <a:r>
-              <a:rPr lang="en-US" altLang="zh-TW" dirty="0">
-                <a:hlinkClick r:id="rId2"/>
-              </a:rPr>
-              <a:t>https://www.blockchain.com/zh-tw/pools</a:t>
-            </a:r>
-            <a:endParaRPr lang="zh-TW" altLang="en-US" dirty="0"/>
-          </a:p>
-        </p:txBody>
-      </p:sp>
-      <p:sp>
-        <p:nvSpPr>
-          <p:cNvPr id="5" name="文字方塊 4">
-            <a:extLst>
-              <a:ext uri="{FF2B5EF4-FFF2-40B4-BE49-F238E27FC236}">
-                <a16:creationId xmlns:a16="http://schemas.microsoft.com/office/drawing/2014/main" id="{80E38463-9D39-4EE0-B56E-CD9F480A421A}"/>
-              </a:ext>
-            </a:extLst>
-          </p:cNvPr>
-          <p:cNvSpPr txBox="1"/>
-          <p:nvPr/>
-        </p:nvSpPr>
-        <p:spPr>
-          <a:xfrm>
-            <a:off x="548093" y="336002"/>
-            <a:ext cx="3416320" cy="646331"/>
-          </a:xfrm>
-          <a:prstGeom prst="rect">
-            <a:avLst/>
-          </a:prstGeom>
-          <a:noFill/>
-        </p:spPr>
-        <p:txBody>
-          <a:bodyPr wrap="none" rtlCol="0">
-            <a:spAutoFit/>
-          </a:bodyPr>
-          <a:lstStyle/>
-          <a:p>
-            <a:r>
-              <a:rPr lang="zh-TW" altLang="en-US" sz="3600" dirty="0">
-                <a:latin typeface="微軟正黑體" panose="020B0604030504040204" pitchFamily="34" charset="-120"/>
-                <a:ea typeface="微軟正黑體" panose="020B0604030504040204" pitchFamily="34" charset="-120"/>
-              </a:rPr>
-              <a:t>比特幣礦池分佈</a:t>
-            </a:r>
-          </a:p>
-        </p:txBody>
-      </p:sp>
-      <p:pic>
-        <p:nvPicPr>
-          <p:cNvPr id="6" name="圖片 5">
-            <a:extLst>
-              <a:ext uri="{FF2B5EF4-FFF2-40B4-BE49-F238E27FC236}">
-                <a16:creationId xmlns:a16="http://schemas.microsoft.com/office/drawing/2014/main" id="{5CADAEDB-F19F-4AA3-9E1A-44E57E11A995}"/>
-              </a:ext>
-            </a:extLst>
-          </p:cNvPr>
-          <p:cNvPicPr>
-            <a:picLocks noChangeAspect="1"/>
-          </p:cNvPicPr>
-          <p:nvPr/>
-        </p:nvPicPr>
-        <p:blipFill>
-          <a:blip r:embed="rId3"/>
-          <a:stretch>
-            <a:fillRect/>
-          </a:stretch>
-        </p:blipFill>
-        <p:spPr>
-          <a:xfrm>
-            <a:off x="1719356" y="1087366"/>
-            <a:ext cx="5501157" cy="4012123"/>
-          </a:xfrm>
-          <a:prstGeom prst="rect">
-            <a:avLst/>
-          </a:prstGeom>
-        </p:spPr>
-      </p:pic>
-      <p:sp>
-        <p:nvSpPr>
-          <p:cNvPr id="7" name="文字方塊 6">
-            <a:extLst>
-              <a:ext uri="{FF2B5EF4-FFF2-40B4-BE49-F238E27FC236}">
-                <a16:creationId xmlns:a16="http://schemas.microsoft.com/office/drawing/2014/main" id="{608994D5-9A69-4BED-8749-3D5C230EDA5E}"/>
-              </a:ext>
-            </a:extLst>
-          </p:cNvPr>
-          <p:cNvSpPr txBox="1"/>
-          <p:nvPr/>
-        </p:nvSpPr>
-        <p:spPr>
-          <a:xfrm>
-            <a:off x="963982" y="5193846"/>
-            <a:ext cx="7231930" cy="1754326"/>
-          </a:xfrm>
-          <a:prstGeom prst="rect">
-            <a:avLst/>
-          </a:prstGeom>
-          <a:noFill/>
-        </p:spPr>
-        <p:txBody>
-          <a:bodyPr wrap="square" rtlCol="0">
-            <a:spAutoFit/>
-          </a:bodyPr>
-          <a:lstStyle/>
-          <a:p>
-            <a:pPr fontAlgn="base" latinLnBrk="1"/>
-            <a:r>
-              <a:rPr lang="zh-TW" altLang="zh-TW" dirty="0">
-                <a:latin typeface="微軟正黑體" panose="020B0604030504040204" pitchFamily="34" charset="-120"/>
-                <a:ea typeface="微軟正黑體" panose="020B0604030504040204" pitchFamily="34" charset="-120"/>
-              </a:rPr>
-              <a:t>目前全球算力較大的礦池有比特礦池（</a:t>
-            </a:r>
-            <a:r>
-              <a:rPr lang="en-US" altLang="zh-TW" dirty="0">
-                <a:latin typeface="微軟正黑體" panose="020B0604030504040204" pitchFamily="34" charset="-120"/>
-                <a:ea typeface="微軟正黑體" panose="020B0604030504040204" pitchFamily="34" charset="-120"/>
-              </a:rPr>
-              <a:t>BTC Pool</a:t>
-            </a:r>
-            <a:r>
-              <a:rPr lang="zh-TW" altLang="zh-TW" dirty="0">
-                <a:latin typeface="微軟正黑體" panose="020B0604030504040204" pitchFamily="34" charset="-120"/>
-                <a:ea typeface="微軟正黑體" panose="020B0604030504040204" pitchFamily="34" charset="-120"/>
-              </a:rPr>
-              <a:t>）、魚池（</a:t>
-            </a:r>
-            <a:r>
-              <a:rPr lang="en-US" altLang="zh-TW" dirty="0">
-                <a:latin typeface="微軟正黑體" panose="020B0604030504040204" pitchFamily="34" charset="-120"/>
-                <a:ea typeface="微軟正黑體" panose="020B0604030504040204" pitchFamily="34" charset="-120"/>
-              </a:rPr>
-              <a:t>F2Pool</a:t>
-            </a:r>
-            <a:r>
-              <a:rPr lang="zh-TW" altLang="zh-TW" dirty="0">
-                <a:latin typeface="微軟正黑體" panose="020B0604030504040204" pitchFamily="34" charset="-120"/>
-                <a:ea typeface="微軟正黑體" panose="020B0604030504040204" pitchFamily="34" charset="-120"/>
-              </a:rPr>
-              <a:t>）、</a:t>
-            </a:r>
-            <a:endParaRPr lang="en-US" altLang="zh-TW" dirty="0">
+            <a:pPr algn="ctr"/>
+            <a:r>
+              <a:rPr lang="en-US" altLang="zh-TW" sz="6600" dirty="0">
+                <a:latin typeface="微軟正黑體" panose="020B0604030504040204" pitchFamily="34" charset="-120"/>
+                <a:ea typeface="微軟正黑體" panose="020B0604030504040204" pitchFamily="34" charset="-120"/>
+              </a:rPr>
+              <a:t>DEMO</a:t>
+            </a:r>
+          </a:p>
+          <a:p>
+            <a:pPr algn="ctr"/>
+            <a:r>
+              <a:rPr lang="zh-TW" altLang="en-US" sz="6600" dirty="0">
+                <a:latin typeface="微軟正黑體" panose="020B0604030504040204" pitchFamily="34" charset="-120"/>
+                <a:ea typeface="微軟正黑體" panose="020B0604030504040204" pitchFamily="34" charset="-120"/>
+              </a:rPr>
+              <a:t>查看區塊高度</a:t>
+            </a:r>
+            <a:endParaRPr lang="en-US" altLang="zh-TW" sz="6600" dirty="0">
               <a:latin typeface="微軟正黑體" panose="020B0604030504040204" pitchFamily="34" charset="-120"/>
               <a:ea typeface="微軟正黑體" panose="020B0604030504040204" pitchFamily="34" charset="-120"/>
             </a:endParaRPr>
           </a:p>
           <a:p>
-            <a:pPr fontAlgn="base" latinLnBrk="1"/>
-            <a:r>
-              <a:rPr lang="zh-TW" altLang="zh-TW" dirty="0">
-                <a:latin typeface="微軟正黑體" panose="020B0604030504040204" pitchFamily="34" charset="-120"/>
-                <a:ea typeface="微軟正黑體" panose="020B0604030504040204" pitchFamily="34" charset="-120"/>
-              </a:rPr>
-              <a:t>蟻池（</a:t>
-            </a:r>
-            <a:r>
-              <a:rPr lang="en-US" altLang="zh-TW" dirty="0" err="1">
-                <a:latin typeface="微軟正黑體" panose="020B0604030504040204" pitchFamily="34" charset="-120"/>
-                <a:ea typeface="微軟正黑體" panose="020B0604030504040204" pitchFamily="34" charset="-120"/>
-              </a:rPr>
-              <a:t>AntPool</a:t>
-            </a:r>
-            <a:r>
-              <a:rPr lang="zh-TW" altLang="zh-TW" dirty="0">
-                <a:latin typeface="微軟正黑體" panose="020B0604030504040204" pitchFamily="34" charset="-120"/>
-                <a:ea typeface="微軟正黑體" panose="020B0604030504040204" pitchFamily="34" charset="-120"/>
-              </a:rPr>
-              <a:t>）、幣印（</a:t>
-            </a:r>
-            <a:r>
-              <a:rPr lang="en-US" altLang="zh-TW" dirty="0" err="1">
-                <a:latin typeface="微軟正黑體" panose="020B0604030504040204" pitchFamily="34" charset="-120"/>
-                <a:ea typeface="微軟正黑體" panose="020B0604030504040204" pitchFamily="34" charset="-120"/>
-              </a:rPr>
-              <a:t>Poolin</a:t>
-            </a:r>
-            <a:r>
-              <a:rPr lang="zh-TW" altLang="zh-TW" dirty="0">
-                <a:latin typeface="微軟正黑體" panose="020B0604030504040204" pitchFamily="34" charset="-120"/>
-                <a:ea typeface="微軟正黑體" panose="020B0604030504040204" pitchFamily="34" charset="-120"/>
-              </a:rPr>
-              <a:t>）、</a:t>
-            </a:r>
-            <a:r>
-              <a:rPr lang="en-US" altLang="zh-TW" dirty="0" err="1">
-                <a:latin typeface="微軟正黑體" panose="020B0604030504040204" pitchFamily="34" charset="-120"/>
-                <a:ea typeface="微軟正黑體" panose="020B0604030504040204" pitchFamily="34" charset="-120"/>
-              </a:rPr>
-              <a:t>Slushpool</a:t>
-            </a:r>
-            <a:r>
-              <a:rPr lang="zh-TW" altLang="zh-TW" dirty="0">
-                <a:latin typeface="微軟正黑體" panose="020B0604030504040204" pitchFamily="34" charset="-120"/>
-                <a:ea typeface="微軟正黑體" panose="020B0604030504040204" pitchFamily="34" charset="-120"/>
-              </a:rPr>
-              <a:t>、</a:t>
-            </a:r>
-            <a:r>
-              <a:rPr lang="en-US" altLang="zh-TW" dirty="0" err="1">
-                <a:latin typeface="微軟正黑體" panose="020B0604030504040204" pitchFamily="34" charset="-120"/>
-                <a:ea typeface="微軟正黑體" panose="020B0604030504040204" pitchFamily="34" charset="-120"/>
-              </a:rPr>
-              <a:t>ViaBTC</a:t>
-            </a:r>
-            <a:r>
-              <a:rPr lang="zh-TW" altLang="zh-TW" dirty="0">
-                <a:latin typeface="微軟正黑體" panose="020B0604030504040204" pitchFamily="34" charset="-120"/>
-                <a:ea typeface="微軟正黑體" panose="020B0604030504040204" pitchFamily="34" charset="-120"/>
-              </a:rPr>
-              <a:t>等，</a:t>
-            </a:r>
-            <a:endParaRPr lang="en-US" altLang="zh-TW" dirty="0">
-              <a:latin typeface="微軟正黑體" panose="020B0604030504040204" pitchFamily="34" charset="-120"/>
-              <a:ea typeface="微軟正黑體" panose="020B0604030504040204" pitchFamily="34" charset="-120"/>
-            </a:endParaRPr>
-          </a:p>
-          <a:p>
-            <a:pPr fontAlgn="base" latinLnBrk="1"/>
-            <a:r>
-              <a:rPr lang="zh-TW" altLang="zh-TW" dirty="0">
-                <a:latin typeface="微軟正黑體" panose="020B0604030504040204" pitchFamily="34" charset="-120"/>
-                <a:ea typeface="微軟正黑體" panose="020B0604030504040204" pitchFamily="34" charset="-120"/>
-              </a:rPr>
-              <a:t>其中僅前五大礦池的算力就超過全網算力的</a:t>
-            </a:r>
-            <a:r>
-              <a:rPr lang="en-US" altLang="zh-TW" dirty="0">
-                <a:latin typeface="微軟正黑體" panose="020B0604030504040204" pitchFamily="34" charset="-120"/>
-                <a:ea typeface="微軟正黑體" panose="020B0604030504040204" pitchFamily="34" charset="-120"/>
-              </a:rPr>
-              <a:t>65%</a:t>
-            </a:r>
-            <a:r>
-              <a:rPr lang="zh-TW" altLang="zh-TW" dirty="0">
-                <a:latin typeface="微軟正黑體" panose="020B0604030504040204" pitchFamily="34" charset="-120"/>
-                <a:ea typeface="微軟正黑體" panose="020B0604030504040204" pitchFamily="34" charset="-120"/>
-              </a:rPr>
-              <a:t>。</a:t>
-            </a:r>
-            <a:endParaRPr lang="en-US" altLang="zh-TW" dirty="0">
-              <a:latin typeface="微軟正黑體" panose="020B0604030504040204" pitchFamily="34" charset="-120"/>
-              <a:ea typeface="微軟正黑體" panose="020B0604030504040204" pitchFamily="34" charset="-120"/>
-            </a:endParaRPr>
-          </a:p>
-          <a:p>
-            <a:pPr fontAlgn="base" latinLnBrk="1"/>
-            <a:r>
-              <a:rPr lang="zh-TW" altLang="zh-TW" dirty="0">
-                <a:latin typeface="微軟正黑體" panose="020B0604030504040204" pitchFamily="34" charset="-120"/>
-                <a:ea typeface="微軟正黑體" panose="020B0604030504040204" pitchFamily="34" charset="-120"/>
-              </a:rPr>
-              <a:t>除了</a:t>
-            </a:r>
-            <a:r>
-              <a:rPr lang="en-US" altLang="zh-TW" dirty="0" err="1">
-                <a:latin typeface="微軟正黑體" panose="020B0604030504040204" pitchFamily="34" charset="-120"/>
-                <a:ea typeface="微軟正黑體" panose="020B0604030504040204" pitchFamily="34" charset="-120"/>
-              </a:rPr>
-              <a:t>slushpool</a:t>
-            </a:r>
-            <a:r>
-              <a:rPr lang="zh-TW" altLang="zh-TW" dirty="0">
-                <a:latin typeface="微軟正黑體" panose="020B0604030504040204" pitchFamily="34" charset="-120"/>
-                <a:ea typeface="微軟正黑體" panose="020B0604030504040204" pitchFamily="34" charset="-120"/>
-              </a:rPr>
-              <a:t>外，其餘礦池都來自中國。</a:t>
-            </a:r>
-          </a:p>
-          <a:p>
-            <a:r>
-              <a:rPr lang="en-US" altLang="zh-TW" dirty="0">
-                <a:latin typeface="微軟正黑體" panose="020B0604030504040204" pitchFamily="34" charset="-120"/>
-                <a:ea typeface="微軟正黑體" panose="020B0604030504040204" pitchFamily="34" charset="-120"/>
-              </a:rPr>
-              <a:t> </a:t>
-            </a:r>
-            <a:endParaRPr lang="zh-TW" altLang="zh-TW" dirty="0">
-              <a:latin typeface="微軟正黑體" panose="020B0604030504040204" pitchFamily="34" charset="-120"/>
-              <a:ea typeface="微軟正黑體" panose="020B0604030504040204" pitchFamily="34" charset="-120"/>
-            </a:endParaRPr>
-          </a:p>
-          <a:p>
-            <a:endParaRPr lang="zh-TW" altLang="en-US" dirty="0"/>
+            <a:pPr algn="ctr"/>
+            <a:r>
+              <a:rPr lang="zh-TW" altLang="en-US" sz="6600" dirty="0">
+                <a:latin typeface="微軟正黑體" panose="020B0604030504040204" pitchFamily="34" charset="-120"/>
+                <a:ea typeface="微軟正黑體" panose="020B0604030504040204" pitchFamily="34" charset="-120"/>
+              </a:rPr>
+              <a:t>抓取各種虛擬貨幣</a:t>
+            </a:r>
           </a:p>
         </p:txBody>
       </p:sp>
     </p:spTree>
     <p:extLst>
       <p:ext uri="{BB962C8B-B14F-4D97-AF65-F5344CB8AC3E}">
-        <p14:creationId xmlns:p14="http://schemas.microsoft.com/office/powerpoint/2010/main" val="2134641650"/>
+        <p14:creationId xmlns:p14="http://schemas.microsoft.com/office/powerpoint/2010/main" val="2929307421"/>
       </p:ext>
     </p:extLst>
   </p:cSld>
@@ -8031,7 +10114,7 @@
           <p:cNvPr id="2" name="日期版面配置區 1">
             <a:extLst>
               <a:ext uri="{FF2B5EF4-FFF2-40B4-BE49-F238E27FC236}">
-                <a16:creationId xmlns:a16="http://schemas.microsoft.com/office/drawing/2014/main" id="{B10812C6-FDD5-4075-A320-0D7A8AA7ED64}"/>
+                <a16:creationId xmlns:a16="http://schemas.microsoft.com/office/drawing/2014/main" id="{BC664971-E981-40B8-8CA2-B0173F68540A}"/>
               </a:ext>
             </a:extLst>
           </p:cNvPr>
@@ -8049,7 +10132,6 @@
           <a:p>
             <a:fld id="{FC17B66F-C697-4C80-BD72-B3BAB8A0AD6D}" type="datetime1">
               <a:rPr lang="zh-TW" altLang="en-US" smtClean="0"/>
-              <a:pPr/>
               <a:t>2019/7/13</a:t>
             </a:fld>
             <a:endParaRPr lang="zh-TW" altLang="en-US" dirty="0"/>
@@ -8061,7 +10143,7 @@
           <p:cNvPr id="3" name="投影片編號版面配置區 2">
             <a:extLst>
               <a:ext uri="{FF2B5EF4-FFF2-40B4-BE49-F238E27FC236}">
-                <a16:creationId xmlns:a16="http://schemas.microsoft.com/office/drawing/2014/main" id="{16AF6E0D-375C-4A12-B0C1-E29ABD48BC37}"/>
+                <a16:creationId xmlns:a16="http://schemas.microsoft.com/office/drawing/2014/main" id="{3508EF22-4D3B-420F-964D-E368CA29754A}"/>
               </a:ext>
             </a:extLst>
           </p:cNvPr>
@@ -8091,6 +10173,411 @@
           <p:cNvPr id="4" name="文字方塊 3">
             <a:extLst>
               <a:ext uri="{FF2B5EF4-FFF2-40B4-BE49-F238E27FC236}">
+                <a16:creationId xmlns:a16="http://schemas.microsoft.com/office/drawing/2014/main" id="{E3B7D74E-BDD0-47CB-B2C5-F494F16B2E26}"/>
+              </a:ext>
+            </a:extLst>
+          </p:cNvPr>
+          <p:cNvSpPr txBox="1"/>
+          <p:nvPr/>
+        </p:nvSpPr>
+        <p:spPr>
+          <a:xfrm>
+            <a:off x="4346713" y="602325"/>
+            <a:ext cx="4118884" cy="369332"/>
+          </a:xfrm>
+          <a:prstGeom prst="rect">
+            <a:avLst/>
+          </a:prstGeom>
+          <a:noFill/>
+        </p:spPr>
+        <p:txBody>
+          <a:bodyPr wrap="none" rtlCol="0">
+            <a:spAutoFit/>
+          </a:bodyPr>
+          <a:lstStyle/>
+          <a:p>
+            <a:r>
+              <a:rPr lang="en-US" altLang="zh-TW" dirty="0">
+                <a:hlinkClick r:id="rId2"/>
+              </a:rPr>
+              <a:t>https://www.blockchain.com/zh-tw/pools</a:t>
+            </a:r>
+            <a:endParaRPr lang="zh-TW" altLang="en-US" dirty="0"/>
+          </a:p>
+        </p:txBody>
+      </p:sp>
+      <p:sp>
+        <p:nvSpPr>
+          <p:cNvPr id="5" name="文字方塊 4">
+            <a:extLst>
+              <a:ext uri="{FF2B5EF4-FFF2-40B4-BE49-F238E27FC236}">
+                <a16:creationId xmlns:a16="http://schemas.microsoft.com/office/drawing/2014/main" id="{80E38463-9D39-4EE0-B56E-CD9F480A421A}"/>
+              </a:ext>
+            </a:extLst>
+          </p:cNvPr>
+          <p:cNvSpPr txBox="1"/>
+          <p:nvPr/>
+        </p:nvSpPr>
+        <p:spPr>
+          <a:xfrm>
+            <a:off x="548093" y="336002"/>
+            <a:ext cx="3416320" cy="646331"/>
+          </a:xfrm>
+          <a:prstGeom prst="rect">
+            <a:avLst/>
+          </a:prstGeom>
+          <a:noFill/>
+        </p:spPr>
+        <p:txBody>
+          <a:bodyPr wrap="none" rtlCol="0">
+            <a:spAutoFit/>
+          </a:bodyPr>
+          <a:lstStyle/>
+          <a:p>
+            <a:r>
+              <a:rPr lang="zh-TW" altLang="en-US" sz="3600" dirty="0">
+                <a:latin typeface="微軟正黑體" panose="020B0604030504040204" pitchFamily="34" charset="-120"/>
+                <a:ea typeface="微軟正黑體" panose="020B0604030504040204" pitchFamily="34" charset="-120"/>
+              </a:rPr>
+              <a:t>比特幣礦池分佈</a:t>
+            </a:r>
+          </a:p>
+        </p:txBody>
+      </p:sp>
+      <p:pic>
+        <p:nvPicPr>
+          <p:cNvPr id="6" name="圖片 5">
+            <a:extLst>
+              <a:ext uri="{FF2B5EF4-FFF2-40B4-BE49-F238E27FC236}">
+                <a16:creationId xmlns:a16="http://schemas.microsoft.com/office/drawing/2014/main" id="{5CADAEDB-F19F-4AA3-9E1A-44E57E11A995}"/>
+              </a:ext>
+            </a:extLst>
+          </p:cNvPr>
+          <p:cNvPicPr>
+            <a:picLocks noChangeAspect="1"/>
+          </p:cNvPicPr>
+          <p:nvPr/>
+        </p:nvPicPr>
+        <p:blipFill>
+          <a:blip r:embed="rId3"/>
+          <a:stretch>
+            <a:fillRect/>
+          </a:stretch>
+        </p:blipFill>
+        <p:spPr>
+          <a:xfrm>
+            <a:off x="1719356" y="1087366"/>
+            <a:ext cx="5501157" cy="4012123"/>
+          </a:xfrm>
+          <a:prstGeom prst="rect">
+            <a:avLst/>
+          </a:prstGeom>
+        </p:spPr>
+      </p:pic>
+      <p:sp>
+        <p:nvSpPr>
+          <p:cNvPr id="7" name="文字方塊 6">
+            <a:extLst>
+              <a:ext uri="{FF2B5EF4-FFF2-40B4-BE49-F238E27FC236}">
+                <a16:creationId xmlns:a16="http://schemas.microsoft.com/office/drawing/2014/main" id="{608994D5-9A69-4BED-8749-3D5C230EDA5E}"/>
+              </a:ext>
+            </a:extLst>
+          </p:cNvPr>
+          <p:cNvSpPr txBox="1"/>
+          <p:nvPr/>
+        </p:nvSpPr>
+        <p:spPr>
+          <a:xfrm>
+            <a:off x="963982" y="5193846"/>
+            <a:ext cx="7231930" cy="1754326"/>
+          </a:xfrm>
+          <a:prstGeom prst="rect">
+            <a:avLst/>
+          </a:prstGeom>
+          <a:noFill/>
+        </p:spPr>
+        <p:txBody>
+          <a:bodyPr wrap="square" rtlCol="0">
+            <a:spAutoFit/>
+          </a:bodyPr>
+          <a:lstStyle/>
+          <a:p>
+            <a:pPr fontAlgn="base" latinLnBrk="1"/>
+            <a:r>
+              <a:rPr lang="zh-TW" altLang="zh-TW" dirty="0">
+                <a:latin typeface="微軟正黑體" panose="020B0604030504040204" pitchFamily="34" charset="-120"/>
+                <a:ea typeface="微軟正黑體" panose="020B0604030504040204" pitchFamily="34" charset="-120"/>
+              </a:rPr>
+              <a:t>目前全球算力較大的礦池有比特礦池（</a:t>
+            </a:r>
+            <a:r>
+              <a:rPr lang="en-US" altLang="zh-TW" dirty="0">
+                <a:latin typeface="微軟正黑體" panose="020B0604030504040204" pitchFamily="34" charset="-120"/>
+                <a:ea typeface="微軟正黑體" panose="020B0604030504040204" pitchFamily="34" charset="-120"/>
+              </a:rPr>
+              <a:t>BTC Pool</a:t>
+            </a:r>
+            <a:r>
+              <a:rPr lang="zh-TW" altLang="zh-TW" dirty="0">
+                <a:latin typeface="微軟正黑體" panose="020B0604030504040204" pitchFamily="34" charset="-120"/>
+                <a:ea typeface="微軟正黑體" panose="020B0604030504040204" pitchFamily="34" charset="-120"/>
+              </a:rPr>
+              <a:t>）、魚池（</a:t>
+            </a:r>
+            <a:r>
+              <a:rPr lang="en-US" altLang="zh-TW" dirty="0">
+                <a:latin typeface="微軟正黑體" panose="020B0604030504040204" pitchFamily="34" charset="-120"/>
+                <a:ea typeface="微軟正黑體" panose="020B0604030504040204" pitchFamily="34" charset="-120"/>
+              </a:rPr>
+              <a:t>F2Pool</a:t>
+            </a:r>
+            <a:r>
+              <a:rPr lang="zh-TW" altLang="zh-TW" dirty="0">
+                <a:latin typeface="微軟正黑體" panose="020B0604030504040204" pitchFamily="34" charset="-120"/>
+                <a:ea typeface="微軟正黑體" panose="020B0604030504040204" pitchFamily="34" charset="-120"/>
+              </a:rPr>
+              <a:t>）、</a:t>
+            </a:r>
+            <a:endParaRPr lang="en-US" altLang="zh-TW" dirty="0">
+              <a:latin typeface="微軟正黑體" panose="020B0604030504040204" pitchFamily="34" charset="-120"/>
+              <a:ea typeface="微軟正黑體" panose="020B0604030504040204" pitchFamily="34" charset="-120"/>
+            </a:endParaRPr>
+          </a:p>
+          <a:p>
+            <a:pPr fontAlgn="base" latinLnBrk="1"/>
+            <a:r>
+              <a:rPr lang="zh-TW" altLang="zh-TW" dirty="0">
+                <a:latin typeface="微軟正黑體" panose="020B0604030504040204" pitchFamily="34" charset="-120"/>
+                <a:ea typeface="微軟正黑體" panose="020B0604030504040204" pitchFamily="34" charset="-120"/>
+              </a:rPr>
+              <a:t>蟻池（</a:t>
+            </a:r>
+            <a:r>
+              <a:rPr lang="en-US" altLang="zh-TW" dirty="0" err="1">
+                <a:latin typeface="微軟正黑體" panose="020B0604030504040204" pitchFamily="34" charset="-120"/>
+                <a:ea typeface="微軟正黑體" panose="020B0604030504040204" pitchFamily="34" charset="-120"/>
+              </a:rPr>
+              <a:t>AntPool</a:t>
+            </a:r>
+            <a:r>
+              <a:rPr lang="zh-TW" altLang="zh-TW" dirty="0">
+                <a:latin typeface="微軟正黑體" panose="020B0604030504040204" pitchFamily="34" charset="-120"/>
+                <a:ea typeface="微軟正黑體" panose="020B0604030504040204" pitchFamily="34" charset="-120"/>
+              </a:rPr>
+              <a:t>）、幣印（</a:t>
+            </a:r>
+            <a:r>
+              <a:rPr lang="en-US" altLang="zh-TW" dirty="0" err="1">
+                <a:latin typeface="微軟正黑體" panose="020B0604030504040204" pitchFamily="34" charset="-120"/>
+                <a:ea typeface="微軟正黑體" panose="020B0604030504040204" pitchFamily="34" charset="-120"/>
+              </a:rPr>
+              <a:t>Poolin</a:t>
+            </a:r>
+            <a:r>
+              <a:rPr lang="zh-TW" altLang="zh-TW" dirty="0">
+                <a:latin typeface="微軟正黑體" panose="020B0604030504040204" pitchFamily="34" charset="-120"/>
+                <a:ea typeface="微軟正黑體" panose="020B0604030504040204" pitchFamily="34" charset="-120"/>
+              </a:rPr>
+              <a:t>）、</a:t>
+            </a:r>
+            <a:r>
+              <a:rPr lang="en-US" altLang="zh-TW" dirty="0" err="1">
+                <a:latin typeface="微軟正黑體" panose="020B0604030504040204" pitchFamily="34" charset="-120"/>
+                <a:ea typeface="微軟正黑體" panose="020B0604030504040204" pitchFamily="34" charset="-120"/>
+              </a:rPr>
+              <a:t>Slushpool</a:t>
+            </a:r>
+            <a:r>
+              <a:rPr lang="zh-TW" altLang="zh-TW" dirty="0">
+                <a:latin typeface="微軟正黑體" panose="020B0604030504040204" pitchFamily="34" charset="-120"/>
+                <a:ea typeface="微軟正黑體" panose="020B0604030504040204" pitchFamily="34" charset="-120"/>
+              </a:rPr>
+              <a:t>、</a:t>
+            </a:r>
+            <a:r>
+              <a:rPr lang="en-US" altLang="zh-TW" dirty="0" err="1">
+                <a:latin typeface="微軟正黑體" panose="020B0604030504040204" pitchFamily="34" charset="-120"/>
+                <a:ea typeface="微軟正黑體" panose="020B0604030504040204" pitchFamily="34" charset="-120"/>
+              </a:rPr>
+              <a:t>ViaBTC</a:t>
+            </a:r>
+            <a:r>
+              <a:rPr lang="zh-TW" altLang="zh-TW" dirty="0">
+                <a:latin typeface="微軟正黑體" panose="020B0604030504040204" pitchFamily="34" charset="-120"/>
+                <a:ea typeface="微軟正黑體" panose="020B0604030504040204" pitchFamily="34" charset="-120"/>
+              </a:rPr>
+              <a:t>等，</a:t>
+            </a:r>
+            <a:endParaRPr lang="en-US" altLang="zh-TW" dirty="0">
+              <a:latin typeface="微軟正黑體" panose="020B0604030504040204" pitchFamily="34" charset="-120"/>
+              <a:ea typeface="微軟正黑體" panose="020B0604030504040204" pitchFamily="34" charset="-120"/>
+            </a:endParaRPr>
+          </a:p>
+          <a:p>
+            <a:pPr fontAlgn="base" latinLnBrk="1"/>
+            <a:r>
+              <a:rPr lang="zh-TW" altLang="zh-TW" dirty="0">
+                <a:latin typeface="微軟正黑體" panose="020B0604030504040204" pitchFamily="34" charset="-120"/>
+                <a:ea typeface="微軟正黑體" panose="020B0604030504040204" pitchFamily="34" charset="-120"/>
+              </a:rPr>
+              <a:t>其中僅前五大礦池的算力就超過全網算力的</a:t>
+            </a:r>
+            <a:r>
+              <a:rPr lang="en-US" altLang="zh-TW" dirty="0">
+                <a:latin typeface="微軟正黑體" panose="020B0604030504040204" pitchFamily="34" charset="-120"/>
+                <a:ea typeface="微軟正黑體" panose="020B0604030504040204" pitchFamily="34" charset="-120"/>
+              </a:rPr>
+              <a:t>65%</a:t>
+            </a:r>
+            <a:r>
+              <a:rPr lang="zh-TW" altLang="zh-TW" dirty="0">
+                <a:latin typeface="微軟正黑體" panose="020B0604030504040204" pitchFamily="34" charset="-120"/>
+                <a:ea typeface="微軟正黑體" panose="020B0604030504040204" pitchFamily="34" charset="-120"/>
+              </a:rPr>
+              <a:t>。</a:t>
+            </a:r>
+            <a:endParaRPr lang="en-US" altLang="zh-TW" dirty="0">
+              <a:latin typeface="微軟正黑體" panose="020B0604030504040204" pitchFamily="34" charset="-120"/>
+              <a:ea typeface="微軟正黑體" panose="020B0604030504040204" pitchFamily="34" charset="-120"/>
+            </a:endParaRPr>
+          </a:p>
+          <a:p>
+            <a:pPr fontAlgn="base" latinLnBrk="1"/>
+            <a:r>
+              <a:rPr lang="zh-TW" altLang="zh-TW" dirty="0">
+                <a:latin typeface="微軟正黑體" panose="020B0604030504040204" pitchFamily="34" charset="-120"/>
+                <a:ea typeface="微軟正黑體" panose="020B0604030504040204" pitchFamily="34" charset="-120"/>
+              </a:rPr>
+              <a:t>除了</a:t>
+            </a:r>
+            <a:r>
+              <a:rPr lang="en-US" altLang="zh-TW" dirty="0" err="1">
+                <a:latin typeface="微軟正黑體" panose="020B0604030504040204" pitchFamily="34" charset="-120"/>
+                <a:ea typeface="微軟正黑體" panose="020B0604030504040204" pitchFamily="34" charset="-120"/>
+              </a:rPr>
+              <a:t>slushpool</a:t>
+            </a:r>
+            <a:r>
+              <a:rPr lang="zh-TW" altLang="zh-TW" dirty="0">
+                <a:latin typeface="微軟正黑體" panose="020B0604030504040204" pitchFamily="34" charset="-120"/>
+                <a:ea typeface="微軟正黑體" panose="020B0604030504040204" pitchFamily="34" charset="-120"/>
+              </a:rPr>
+              <a:t>外，其餘礦池都來自中國。</a:t>
+            </a:r>
+          </a:p>
+          <a:p>
+            <a:r>
+              <a:rPr lang="en-US" altLang="zh-TW" dirty="0">
+                <a:latin typeface="微軟正黑體" panose="020B0604030504040204" pitchFamily="34" charset="-120"/>
+                <a:ea typeface="微軟正黑體" panose="020B0604030504040204" pitchFamily="34" charset="-120"/>
+              </a:rPr>
+              <a:t> </a:t>
+            </a:r>
+            <a:endParaRPr lang="zh-TW" altLang="zh-TW" dirty="0">
+              <a:latin typeface="微軟正黑體" panose="020B0604030504040204" pitchFamily="34" charset="-120"/>
+              <a:ea typeface="微軟正黑體" panose="020B0604030504040204" pitchFamily="34" charset="-120"/>
+            </a:endParaRPr>
+          </a:p>
+          <a:p>
+            <a:endParaRPr lang="zh-TW" altLang="en-US" dirty="0"/>
+          </a:p>
+        </p:txBody>
+      </p:sp>
+    </p:spTree>
+    <p:extLst>
+      <p:ext uri="{BB962C8B-B14F-4D97-AF65-F5344CB8AC3E}">
+        <p14:creationId xmlns:p14="http://schemas.microsoft.com/office/powerpoint/2010/main" val="2134641650"/>
+      </p:ext>
+    </p:extLst>
+  </p:cSld>
+  <p:clrMapOvr>
+    <a:masterClrMapping/>
+  </p:clrMapOvr>
+</p:sld>
+</file>
+
+<file path=ppt/slides/slide24.xml><?xml version="1.0" encoding="utf-8"?>
+<p:sld xmlns:a="http://schemas.openxmlformats.org/drawingml/2006/main" xmlns:r="http://schemas.openxmlformats.org/officeDocument/2006/relationships" xmlns:p="http://schemas.openxmlformats.org/presentationml/2006/main">
+  <p:cSld>
+    <p:spTree>
+      <p:nvGrpSpPr>
+        <p:cNvPr id="1" name=""/>
+        <p:cNvGrpSpPr/>
+        <p:nvPr/>
+      </p:nvGrpSpPr>
+      <p:grpSpPr>
+        <a:xfrm>
+          <a:off x="0" y="0"/>
+          <a:ext cx="0" cy="0"/>
+          <a:chOff x="0" y="0"/>
+          <a:chExt cx="0" cy="0"/>
+        </a:xfrm>
+      </p:grpSpPr>
+      <p:sp>
+        <p:nvSpPr>
+          <p:cNvPr id="2" name="日期版面配置區 1">
+            <a:extLst>
+              <a:ext uri="{FF2B5EF4-FFF2-40B4-BE49-F238E27FC236}">
+                <a16:creationId xmlns:a16="http://schemas.microsoft.com/office/drawing/2014/main" id="{B10812C6-FDD5-4075-A320-0D7A8AA7ED64}"/>
+              </a:ext>
+            </a:extLst>
+          </p:cNvPr>
+          <p:cNvSpPr>
+            <a:spLocks noGrp="1"/>
+          </p:cNvSpPr>
+          <p:nvPr>
+            <p:ph type="dt" sz="half" idx="10"/>
+          </p:nvPr>
+        </p:nvSpPr>
+        <p:spPr/>
+        <p:txBody>
+          <a:bodyPr/>
+          <a:lstStyle/>
+          <a:p>
+            <a:fld id="{FC17B66F-C697-4C80-BD72-B3BAB8A0AD6D}" type="datetime1">
+              <a:rPr lang="zh-TW" altLang="en-US" smtClean="0"/>
+              <a:pPr/>
+              <a:t>2019/7/13</a:t>
+            </a:fld>
+            <a:endParaRPr lang="zh-TW" altLang="en-US" dirty="0"/>
+          </a:p>
+        </p:txBody>
+      </p:sp>
+      <p:sp>
+        <p:nvSpPr>
+          <p:cNvPr id="3" name="投影片編號版面配置區 2">
+            <a:extLst>
+              <a:ext uri="{FF2B5EF4-FFF2-40B4-BE49-F238E27FC236}">
+                <a16:creationId xmlns:a16="http://schemas.microsoft.com/office/drawing/2014/main" id="{16AF6E0D-375C-4A12-B0C1-E29ABD48BC37}"/>
+              </a:ext>
+            </a:extLst>
+          </p:cNvPr>
+          <p:cNvSpPr>
+            <a:spLocks noGrp="1"/>
+          </p:cNvSpPr>
+          <p:nvPr>
+            <p:ph type="sldNum" sz="quarter" idx="12"/>
+          </p:nvPr>
+        </p:nvSpPr>
+        <p:spPr/>
+        <p:txBody>
+          <a:bodyPr/>
+          <a:lstStyle/>
+          <a:p>
+            <a:fld id="{F9BB6163-79FB-4E33-AAA9-2CC31CD6AD99}" type="slidenum">
+              <a:rPr lang="zh-TW" altLang="en-US" smtClean="0"/>
+              <a:pPr/>
+              <a:t>24</a:t>
+            </a:fld>
+            <a:endParaRPr lang="zh-TW" altLang="en-US" dirty="0"/>
+          </a:p>
+        </p:txBody>
+      </p:sp>
+      <p:sp>
+        <p:nvSpPr>
+          <p:cNvPr id="4" name="文字方塊 3">
+            <a:extLst>
+              <a:ext uri="{FF2B5EF4-FFF2-40B4-BE49-F238E27FC236}">
                 <a16:creationId xmlns:a16="http://schemas.microsoft.com/office/drawing/2014/main" id="{BCA68BC9-8998-4F9F-8672-C9F4496F7B22}"/>
               </a:ext>
             </a:extLst>
@@ -8399,6 +10886,206 @@
     <p:extLst>
       <p:ext uri="{BB962C8B-B14F-4D97-AF65-F5344CB8AC3E}">
         <p14:creationId xmlns:p14="http://schemas.microsoft.com/office/powerpoint/2010/main" val="1102884002"/>
+      </p:ext>
+    </p:extLst>
+  </p:cSld>
+  <p:clrMapOvr>
+    <a:masterClrMapping/>
+  </p:clrMapOvr>
+</p:sld>
+</file>
+
+<file path=ppt/slides/slide25.xml><?xml version="1.0" encoding="utf-8"?>
+<p:sld xmlns:a="http://schemas.openxmlformats.org/drawingml/2006/main" xmlns:r="http://schemas.openxmlformats.org/officeDocument/2006/relationships" xmlns:p="http://schemas.openxmlformats.org/presentationml/2006/main">
+  <p:cSld>
+    <p:spTree>
+      <p:nvGrpSpPr>
+        <p:cNvPr id="1" name=""/>
+        <p:cNvGrpSpPr/>
+        <p:nvPr/>
+      </p:nvGrpSpPr>
+      <p:grpSpPr>
+        <a:xfrm>
+          <a:off x="0" y="0"/>
+          <a:ext cx="0" cy="0"/>
+          <a:chOff x="0" y="0"/>
+          <a:chExt cx="0" cy="0"/>
+        </a:xfrm>
+      </p:grpSpPr>
+      <p:sp>
+        <p:nvSpPr>
+          <p:cNvPr id="2" name="日期版面配置區 1">
+            <a:extLst>
+              <a:ext uri="{FF2B5EF4-FFF2-40B4-BE49-F238E27FC236}">
+                <a16:creationId xmlns:a16="http://schemas.microsoft.com/office/drawing/2014/main" id="{12924E14-7234-41EB-8831-F3630849A22C}"/>
+              </a:ext>
+            </a:extLst>
+          </p:cNvPr>
+          <p:cNvSpPr>
+            <a:spLocks noGrp="1"/>
+          </p:cNvSpPr>
+          <p:nvPr>
+            <p:ph type="dt" sz="half" idx="10"/>
+          </p:nvPr>
+        </p:nvSpPr>
+        <p:spPr/>
+        <p:txBody>
+          <a:bodyPr/>
+          <a:lstStyle/>
+          <a:p>
+            <a:fld id="{FC17B66F-C697-4C80-BD72-B3BAB8A0AD6D}" type="datetime1">
+              <a:rPr lang="zh-TW" altLang="en-US" smtClean="0"/>
+              <a:pPr/>
+              <a:t>2019/7/13</a:t>
+            </a:fld>
+            <a:endParaRPr lang="zh-TW" altLang="en-US" dirty="0"/>
+          </a:p>
+        </p:txBody>
+      </p:sp>
+      <p:sp>
+        <p:nvSpPr>
+          <p:cNvPr id="3" name="投影片編號版面配置區 2">
+            <a:extLst>
+              <a:ext uri="{FF2B5EF4-FFF2-40B4-BE49-F238E27FC236}">
+                <a16:creationId xmlns:a16="http://schemas.microsoft.com/office/drawing/2014/main" id="{31BFD4B7-0AB7-4564-8D6A-C6A58A048DCD}"/>
+              </a:ext>
+            </a:extLst>
+          </p:cNvPr>
+          <p:cNvSpPr>
+            <a:spLocks noGrp="1"/>
+          </p:cNvSpPr>
+          <p:nvPr>
+            <p:ph type="sldNum" sz="quarter" idx="12"/>
+          </p:nvPr>
+        </p:nvSpPr>
+        <p:spPr/>
+        <p:txBody>
+          <a:bodyPr/>
+          <a:lstStyle/>
+          <a:p>
+            <a:fld id="{F9BB6163-79FB-4E33-AAA9-2CC31CD6AD99}" type="slidenum">
+              <a:rPr lang="zh-TW" altLang="en-US" smtClean="0"/>
+              <a:pPr/>
+              <a:t>25</a:t>
+            </a:fld>
+            <a:endParaRPr lang="zh-TW" altLang="en-US" dirty="0"/>
+          </a:p>
+        </p:txBody>
+      </p:sp>
+      <p:pic>
+        <p:nvPicPr>
+          <p:cNvPr id="5" name="圖片 4">
+            <a:extLst>
+              <a:ext uri="{FF2B5EF4-FFF2-40B4-BE49-F238E27FC236}">
+                <a16:creationId xmlns:a16="http://schemas.microsoft.com/office/drawing/2014/main" id="{E740677D-0C37-43C1-90C8-1FA5996D391E}"/>
+              </a:ext>
+            </a:extLst>
+          </p:cNvPr>
+          <p:cNvPicPr>
+            <a:picLocks noChangeAspect="1"/>
+          </p:cNvPicPr>
+          <p:nvPr/>
+        </p:nvPicPr>
+        <p:blipFill>
+          <a:blip r:embed="rId2"/>
+          <a:stretch>
+            <a:fillRect/>
+          </a:stretch>
+        </p:blipFill>
+        <p:spPr>
+          <a:xfrm>
+            <a:off x="877008" y="1556907"/>
+            <a:ext cx="7603380" cy="3744185"/>
+          </a:xfrm>
+          <a:prstGeom prst="rect">
+            <a:avLst/>
+          </a:prstGeom>
+        </p:spPr>
+      </p:pic>
+      <p:sp>
+        <p:nvSpPr>
+          <p:cNvPr id="6" name="文字方塊 5">
+            <a:extLst>
+              <a:ext uri="{FF2B5EF4-FFF2-40B4-BE49-F238E27FC236}">
+                <a16:creationId xmlns:a16="http://schemas.microsoft.com/office/drawing/2014/main" id="{67DAE012-FB12-4F0D-BA0C-E392DF3D116E}"/>
+              </a:ext>
+            </a:extLst>
+          </p:cNvPr>
+          <p:cNvSpPr txBox="1"/>
+          <p:nvPr/>
+        </p:nvSpPr>
+        <p:spPr>
+          <a:xfrm>
+            <a:off x="2637183" y="5593212"/>
+            <a:ext cx="3265189" cy="369332"/>
+          </a:xfrm>
+          <a:prstGeom prst="rect">
+            <a:avLst/>
+          </a:prstGeom>
+          <a:noFill/>
+        </p:spPr>
+        <p:txBody>
+          <a:bodyPr wrap="none" rtlCol="0">
+            <a:spAutoFit/>
+          </a:bodyPr>
+          <a:lstStyle/>
+          <a:p>
+            <a:r>
+              <a:rPr lang="en-US" altLang="zh-TW" dirty="0">
+                <a:hlinkClick r:id="rId3"/>
+              </a:rPr>
+              <a:t>https://nextandnexus.com/libra/</a:t>
+            </a:r>
+            <a:endParaRPr lang="zh-TW" altLang="en-US" dirty="0"/>
+          </a:p>
+        </p:txBody>
+      </p:sp>
+      <p:sp>
+        <p:nvSpPr>
+          <p:cNvPr id="7" name="文字方塊 6">
+            <a:extLst>
+              <a:ext uri="{FF2B5EF4-FFF2-40B4-BE49-F238E27FC236}">
+                <a16:creationId xmlns:a16="http://schemas.microsoft.com/office/drawing/2014/main" id="{F0DE5833-6933-47EE-B78E-D14FCEFDB518}"/>
+              </a:ext>
+            </a:extLst>
+          </p:cNvPr>
+          <p:cNvSpPr txBox="1"/>
+          <p:nvPr/>
+        </p:nvSpPr>
+        <p:spPr>
+          <a:xfrm>
+            <a:off x="812612" y="572290"/>
+            <a:ext cx="3457165" cy="646331"/>
+          </a:xfrm>
+          <a:prstGeom prst="rect">
+            <a:avLst/>
+          </a:prstGeom>
+          <a:noFill/>
+        </p:spPr>
+        <p:txBody>
+          <a:bodyPr wrap="none" rtlCol="0">
+            <a:spAutoFit/>
+          </a:bodyPr>
+          <a:lstStyle/>
+          <a:p>
+            <a:r>
+              <a:rPr lang="en-US" altLang="zh-TW" sz="3600" dirty="0">
+                <a:latin typeface="微軟正黑體" panose="020B0604030504040204" pitchFamily="34" charset="-120"/>
+                <a:ea typeface="微軟正黑體" panose="020B0604030504040204" pitchFamily="34" charset="-120"/>
+              </a:rPr>
+              <a:t>Facebook Libra</a:t>
+            </a:r>
+            <a:endParaRPr lang="zh-TW" altLang="en-US" sz="3600" dirty="0">
+              <a:latin typeface="微軟正黑體" panose="020B0604030504040204" pitchFamily="34" charset="-120"/>
+              <a:ea typeface="微軟正黑體" panose="020B0604030504040204" pitchFamily="34" charset="-120"/>
+            </a:endParaRPr>
+          </a:p>
+        </p:txBody>
+      </p:sp>
+    </p:spTree>
+    <p:extLst>
+      <p:ext uri="{BB962C8B-B14F-4D97-AF65-F5344CB8AC3E}">
+        <p14:creationId xmlns:p14="http://schemas.microsoft.com/office/powerpoint/2010/main" val="837222583"/>
       </p:ext>
     </p:extLst>
   </p:cSld>
